--- a/Contenido/TartessosBurguer.pptx
+++ b/Contenido/TartessosBurguer.pptx
@@ -6,26 +6,28 @@
   </p:sldMasterIdLst>
   <p:sldIdLst>
     <p:sldId id="256" r:id="rId2"/>
-    <p:sldId id="271" r:id="rId3"/>
-    <p:sldId id="257" r:id="rId4"/>
-    <p:sldId id="258" r:id="rId5"/>
-    <p:sldId id="259" r:id="rId6"/>
-    <p:sldId id="260" r:id="rId7"/>
-    <p:sldId id="261" r:id="rId8"/>
-    <p:sldId id="273" r:id="rId9"/>
-    <p:sldId id="274" r:id="rId10"/>
-    <p:sldId id="275" r:id="rId11"/>
-    <p:sldId id="276" r:id="rId12"/>
-    <p:sldId id="262" r:id="rId13"/>
-    <p:sldId id="263" r:id="rId14"/>
-    <p:sldId id="264" r:id="rId15"/>
-    <p:sldId id="265" r:id="rId16"/>
-    <p:sldId id="266" r:id="rId17"/>
-    <p:sldId id="267" r:id="rId18"/>
-    <p:sldId id="268" r:id="rId19"/>
-    <p:sldId id="269" r:id="rId20"/>
-    <p:sldId id="270" r:id="rId21"/>
-    <p:sldId id="277" r:id="rId22"/>
+    <p:sldId id="278" r:id="rId3"/>
+    <p:sldId id="279" r:id="rId4"/>
+    <p:sldId id="271" r:id="rId5"/>
+    <p:sldId id="257" r:id="rId6"/>
+    <p:sldId id="258" r:id="rId7"/>
+    <p:sldId id="259" r:id="rId8"/>
+    <p:sldId id="260" r:id="rId9"/>
+    <p:sldId id="261" r:id="rId10"/>
+    <p:sldId id="273" r:id="rId11"/>
+    <p:sldId id="274" r:id="rId12"/>
+    <p:sldId id="275" r:id="rId13"/>
+    <p:sldId id="276" r:id="rId14"/>
+    <p:sldId id="262" r:id="rId15"/>
+    <p:sldId id="263" r:id="rId16"/>
+    <p:sldId id="264" r:id="rId17"/>
+    <p:sldId id="265" r:id="rId18"/>
+    <p:sldId id="266" r:id="rId19"/>
+    <p:sldId id="267" r:id="rId20"/>
+    <p:sldId id="268" r:id="rId21"/>
+    <p:sldId id="269" r:id="rId22"/>
+    <p:sldId id="270" r:id="rId23"/>
+    <p:sldId id="277" r:id="rId24"/>
   </p:sldIdLst>
   <p:sldSz cx="12192000" cy="6858000"/>
   <p:notesSz cx="6858000" cy="9144000"/>
@@ -124,6 +126,11 @@
       </a:defRPr>
     </a:lvl9pPr>
   </p:defaultTextStyle>
+  <p:extLst>
+    <p:ext uri="{EFAFB233-063F-42B5-8137-9DF3F51BA10A}">
+      <p15:sldGuideLst xmlns:p15="http://schemas.microsoft.com/office/powerpoint/2012/main"/>
+    </p:ext>
+  </p:extLst>
 </p:presentation>
 </file>
 
@@ -315,7 +322,7 @@
           <a:p>
             <a:fld id="{E4B80AAF-454A-47C6-A5C8-20871E8B1F05}" type="datetimeFigureOut">
               <a:rPr lang="es-ES" smtClean="0"/>
-              <a:t>18/06/2021</a:t>
+              <a:t>22/06/2021</a:t>
             </a:fld>
             <a:endParaRPr lang="es-ES"/>
           </a:p>
@@ -653,7 +660,7 @@
           <a:p>
             <a:fld id="{E4B80AAF-454A-47C6-A5C8-20871E8B1F05}" type="datetimeFigureOut">
               <a:rPr lang="es-ES" smtClean="0"/>
-              <a:t>18/06/2021</a:t>
+              <a:t>22/06/2021</a:t>
             </a:fld>
             <a:endParaRPr lang="es-ES"/>
           </a:p>
@@ -1054,7 +1061,7 @@
           <a:p>
             <a:fld id="{E4B80AAF-454A-47C6-A5C8-20871E8B1F05}" type="datetimeFigureOut">
               <a:rPr lang="es-ES" smtClean="0"/>
-              <a:t>18/06/2021</a:t>
+              <a:t>22/06/2021</a:t>
             </a:fld>
             <a:endParaRPr lang="es-ES"/>
           </a:p>
@@ -1390,7 +1397,7 @@
           <a:p>
             <a:fld id="{E4B80AAF-454A-47C6-A5C8-20871E8B1F05}" type="datetimeFigureOut">
               <a:rPr lang="es-ES" smtClean="0"/>
-              <a:t>18/06/2021</a:t>
+              <a:t>22/06/2021</a:t>
             </a:fld>
             <a:endParaRPr lang="es-ES"/>
           </a:p>
@@ -1710,7 +1717,7 @@
           <a:p>
             <a:fld id="{E4B80AAF-454A-47C6-A5C8-20871E8B1F05}" type="datetimeFigureOut">
               <a:rPr lang="es-ES" smtClean="0"/>
-              <a:t>18/06/2021</a:t>
+              <a:t>22/06/2021</a:t>
             </a:fld>
             <a:endParaRPr lang="es-ES"/>
           </a:p>
@@ -2106,7 +2113,7 @@
           <a:p>
             <a:fld id="{E4B80AAF-454A-47C6-A5C8-20871E8B1F05}" type="datetimeFigureOut">
               <a:rPr lang="es-ES" smtClean="0"/>
-              <a:t>18/06/2021</a:t>
+              <a:t>22/06/2021</a:t>
             </a:fld>
             <a:endParaRPr lang="es-ES"/>
           </a:p>
@@ -2363,7 +2370,7 @@
           <a:p>
             <a:fld id="{E4B80AAF-454A-47C6-A5C8-20871E8B1F05}" type="datetimeFigureOut">
               <a:rPr lang="es-ES" smtClean="0"/>
-              <a:t>18/06/2021</a:t>
+              <a:t>22/06/2021</a:t>
             </a:fld>
             <a:endParaRPr lang="es-ES"/>
           </a:p>
@@ -2625,7 +2632,7 @@
           <a:p>
             <a:fld id="{E4B80AAF-454A-47C6-A5C8-20871E8B1F05}" type="datetimeFigureOut">
               <a:rPr lang="es-ES" smtClean="0"/>
-              <a:t>18/06/2021</a:t>
+              <a:t>22/06/2021</a:t>
             </a:fld>
             <a:endParaRPr lang="es-ES"/>
           </a:p>
@@ -2887,7 +2894,7 @@
           <a:p>
             <a:fld id="{E4B80AAF-454A-47C6-A5C8-20871E8B1F05}" type="datetimeFigureOut">
               <a:rPr lang="es-ES" smtClean="0"/>
-              <a:t>18/06/2021</a:t>
+              <a:t>22/06/2021</a:t>
             </a:fld>
             <a:endParaRPr lang="es-ES"/>
           </a:p>
@@ -3216,7 +3223,7 @@
           <a:p>
             <a:fld id="{E4B80AAF-454A-47C6-A5C8-20871E8B1F05}" type="datetimeFigureOut">
               <a:rPr lang="es-ES" smtClean="0"/>
-              <a:t>18/06/2021</a:t>
+              <a:t>22/06/2021</a:t>
             </a:fld>
             <a:endParaRPr lang="es-ES"/>
           </a:p>
@@ -3539,7 +3546,7 @@
           <a:p>
             <a:fld id="{E4B80AAF-454A-47C6-A5C8-20871E8B1F05}" type="datetimeFigureOut">
               <a:rPr lang="es-ES" smtClean="0"/>
-              <a:t>18/06/2021</a:t>
+              <a:t>22/06/2021</a:t>
             </a:fld>
             <a:endParaRPr lang="es-ES"/>
           </a:p>
@@ -3996,7 +4003,7 @@
           <a:p>
             <a:fld id="{E4B80AAF-454A-47C6-A5C8-20871E8B1F05}" type="datetimeFigureOut">
               <a:rPr lang="es-ES" smtClean="0"/>
-              <a:t>18/06/2021</a:t>
+              <a:t>22/06/2021</a:t>
             </a:fld>
             <a:endParaRPr lang="es-ES"/>
           </a:p>
@@ -4201,7 +4208,7 @@
           <a:p>
             <a:fld id="{E4B80AAF-454A-47C6-A5C8-20871E8B1F05}" type="datetimeFigureOut">
               <a:rPr lang="es-ES" smtClean="0"/>
-              <a:t>18/06/2021</a:t>
+              <a:t>22/06/2021</a:t>
             </a:fld>
             <a:endParaRPr lang="es-ES"/>
           </a:p>
@@ -4378,7 +4385,7 @@
           <a:p>
             <a:fld id="{E4B80AAF-454A-47C6-A5C8-20871E8B1F05}" type="datetimeFigureOut">
               <a:rPr lang="es-ES" smtClean="0"/>
-              <a:t>18/06/2021</a:t>
+              <a:t>22/06/2021</a:t>
             </a:fld>
             <a:endParaRPr lang="es-ES"/>
           </a:p>
@@ -4711,7 +4718,7 @@
           <a:p>
             <a:fld id="{E4B80AAF-454A-47C6-A5C8-20871E8B1F05}" type="datetimeFigureOut">
               <a:rPr lang="es-ES" smtClean="0"/>
-              <a:t>18/06/2021</a:t>
+              <a:t>22/06/2021</a:t>
             </a:fld>
             <a:endParaRPr lang="es-ES"/>
           </a:p>
@@ -5056,7 +5063,7 @@
           <a:p>
             <a:fld id="{E4B80AAF-454A-47C6-A5C8-20871E8B1F05}" type="datetimeFigureOut">
               <a:rPr lang="es-ES" smtClean="0"/>
-              <a:t>18/06/2021</a:t>
+              <a:t>22/06/2021</a:t>
             </a:fld>
             <a:endParaRPr lang="es-ES"/>
           </a:p>
@@ -7173,7 +7180,7 @@
           <a:p>
             <a:fld id="{E4B80AAF-454A-47C6-A5C8-20871E8B1F05}" type="datetimeFigureOut">
               <a:rPr lang="es-ES" smtClean="0"/>
-              <a:t>18/06/2021</a:t>
+              <a:t>22/06/2021</a:t>
             </a:fld>
             <a:endParaRPr lang="es-ES"/>
           </a:p>
@@ -7903,7 +7910,7 @@
         </p:nvSpPr>
         <p:spPr>
           <a:xfrm>
-            <a:off x="3516198" y="983841"/>
+            <a:off x="3516198" y="980388"/>
             <a:ext cx="5967167" cy="369332"/>
           </a:xfrm>
           <a:prstGeom prst="rect">
@@ -7940,15 +7947,7 @@
             </a:r>
             <a:r>
               <a:rPr lang="es-ES" dirty="0" smtClean="0"/>
-              <a:t>: </a:t>
-            </a:r>
-            <a:r>
-              <a:rPr lang="es-ES" dirty="0" err="1" smtClean="0"/>
-              <a:t>Gestion</a:t>
-            </a:r>
-            <a:r>
-              <a:rPr lang="es-ES" dirty="0" smtClean="0"/>
-              <a:t> de producto</a:t>
+              <a:t>: Registro de nuevo usuario</a:t>
             </a:r>
             <a:endParaRPr lang="es-ES" dirty="0"/>
           </a:p>
@@ -8259,8 +8258,8 @@
         </p:blipFill>
         <p:spPr>
           <a:xfrm>
-            <a:off x="2191722" y="1414079"/>
-            <a:ext cx="8616117" cy="5269004"/>
+            <a:off x="3293594" y="1414079"/>
+            <a:ext cx="6412374" cy="5357836"/>
           </a:xfrm>
           <a:prstGeom prst="rect">
             <a:avLst/>
@@ -8270,7 +8269,7 @@
     </p:spTree>
     <p:extLst>
       <p:ext uri="{BB962C8B-B14F-4D97-AF65-F5344CB8AC3E}">
-        <p14:creationId xmlns:p14="http://schemas.microsoft.com/office/powerpoint/2010/main" val="3272170036"/>
+        <p14:creationId xmlns:p14="http://schemas.microsoft.com/office/powerpoint/2010/main" val="138998738"/>
       </p:ext>
     </p:extLst>
   </p:cSld>
@@ -8312,8 +8311,8 @@
         </p:nvSpPr>
         <p:spPr>
           <a:xfrm>
-            <a:off x="2535810" y="980388"/>
-            <a:ext cx="8333745" cy="5355312"/>
+            <a:off x="3516198" y="983841"/>
+            <a:ext cx="5967167" cy="369332"/>
           </a:xfrm>
           <a:prstGeom prst="rect">
             <a:avLst/>
@@ -8341,310 +8340,17 @@
           <a:p>
             <a:r>
               <a:rPr lang="es-ES" dirty="0" smtClean="0"/>
-              <a:t>2- Desarrollo de toda la arquitectura de archivos en formato vista-controlador. Dentro de estos archivos encontramos *.</a:t>
+              <a:t>Ejemplos de </a:t>
             </a:r>
             <a:r>
               <a:rPr lang="es-ES" dirty="0" err="1" smtClean="0"/>
-              <a:t>php</a:t>
+              <a:t>Mockups</a:t>
             </a:r>
             <a:r>
               <a:rPr lang="es-ES" dirty="0" smtClean="0"/>
-              <a:t> , *.</a:t>
-            </a:r>
-            <a:r>
-              <a:rPr lang="es-ES" dirty="0" err="1" smtClean="0"/>
-              <a:t>css</a:t>
-            </a:r>
-            <a:r>
-              <a:rPr lang="es-ES" dirty="0" smtClean="0"/>
-              <a:t> , *.</a:t>
-            </a:r>
-            <a:r>
-              <a:rPr lang="es-ES" dirty="0" err="1" smtClean="0"/>
-              <a:t>js</a:t>
-            </a:r>
-            <a:r>
-              <a:rPr lang="es-ES" dirty="0" smtClean="0"/>
-              <a:t> y *.</a:t>
-            </a:r>
-            <a:r>
-              <a:rPr lang="es-ES" dirty="0" err="1" smtClean="0"/>
-              <a:t>jpg</a:t>
-            </a:r>
-            <a:r>
-              <a:rPr lang="es-ES" dirty="0" smtClean="0"/>
-              <a:t>.</a:t>
-            </a:r>
-          </a:p>
-          <a:p>
+              <a:t>: Registro de producto</a:t>
+            </a:r>
             <a:endParaRPr lang="es-ES" dirty="0"/>
-          </a:p>
-          <a:p>
-            <a:r>
-              <a:rPr lang="es-ES" dirty="0" smtClean="0"/>
-              <a:t>Dentro de estos mismos archivos, he realizado la creación de filtro de seguridad para que los distintos tipos de usuarios (usuario sin registrar, usuario registrado y administrador) no puedan entrar en las páginas de otros. </a:t>
-            </a:r>
-          </a:p>
-          <a:p>
-            <a:endParaRPr lang="es-ES" dirty="0"/>
-          </a:p>
-          <a:p>
-            <a:r>
-              <a:rPr lang="es-ES" dirty="0" smtClean="0"/>
-              <a:t>Ejemplo: Filtro para las páginas de usuario registrado</a:t>
-            </a:r>
-          </a:p>
-          <a:p>
-            <a:endParaRPr lang="es-ES" dirty="0"/>
-          </a:p>
-          <a:p>
-            <a:r>
-              <a:rPr lang="es-ES" dirty="0" err="1"/>
-              <a:t>if</a:t>
-            </a:r>
-            <a:r>
-              <a:rPr lang="es-ES" dirty="0"/>
-              <a:t> (</a:t>
-            </a:r>
-            <a:r>
-              <a:rPr lang="es-ES" dirty="0" err="1"/>
-              <a:t>empty</a:t>
-            </a:r>
-            <a:r>
-              <a:rPr lang="es-ES" dirty="0">
-                <a:solidFill>
-                  <a:schemeClr val="accent3">
-                    <a:lumMod val="60000"/>
-                    <a:lumOff val="40000"/>
-                  </a:schemeClr>
-                </a:solidFill>
-              </a:rPr>
-              <a:t>($_SESSION</a:t>
-            </a:r>
-            <a:r>
-              <a:rPr lang="es-ES" dirty="0"/>
-              <a:t>['</a:t>
-            </a:r>
-            <a:r>
-              <a:rPr lang="es-ES" dirty="0">
-                <a:solidFill>
-                  <a:srgbClr val="FF0000"/>
-                </a:solidFill>
-              </a:rPr>
-              <a:t>activo</a:t>
-            </a:r>
-            <a:r>
-              <a:rPr lang="es-ES" dirty="0"/>
-              <a:t>'])) {</a:t>
-            </a:r>
-          </a:p>
-          <a:p>
-            <a:r>
-              <a:rPr lang="es-ES" dirty="0"/>
-              <a:t>    </a:t>
-            </a:r>
-            <a:r>
-              <a:rPr lang="es-ES" dirty="0" err="1"/>
-              <a:t>header</a:t>
-            </a:r>
-            <a:r>
-              <a:rPr lang="es-ES" dirty="0"/>
-              <a:t>(</a:t>
-            </a:r>
-            <a:r>
-              <a:rPr lang="es-ES" dirty="0">
-                <a:solidFill>
-                  <a:srgbClr val="FF0000"/>
-                </a:solidFill>
-              </a:rPr>
-              <a:t>'</a:t>
-            </a:r>
-            <a:r>
-              <a:rPr lang="es-ES" dirty="0" err="1">
-                <a:solidFill>
-                  <a:srgbClr val="FF0000"/>
-                </a:solidFill>
-              </a:rPr>
-              <a:t>location</a:t>
-            </a:r>
-            <a:r>
-              <a:rPr lang="es-ES" dirty="0">
-                <a:solidFill>
-                  <a:srgbClr val="FF0000"/>
-                </a:solidFill>
-              </a:rPr>
-              <a:t>: ../</a:t>
-            </a:r>
-            <a:r>
-              <a:rPr lang="es-ES" dirty="0" err="1">
-                <a:solidFill>
-                  <a:srgbClr val="FF0000"/>
-                </a:solidFill>
-              </a:rPr>
-              <a:t>index.php</a:t>
-            </a:r>
-            <a:r>
-              <a:rPr lang="es-ES" dirty="0"/>
-              <a:t>');</a:t>
-            </a:r>
-          </a:p>
-          <a:p>
-            <a:r>
-              <a:rPr lang="es-ES" dirty="0"/>
-              <a:t>} </a:t>
-            </a:r>
-            <a:r>
-              <a:rPr lang="es-ES" dirty="0" err="1"/>
-              <a:t>else</a:t>
-            </a:r>
-            <a:r>
-              <a:rPr lang="es-ES" dirty="0"/>
-              <a:t> </a:t>
-            </a:r>
-            <a:r>
-              <a:rPr lang="es-ES" dirty="0" err="1"/>
-              <a:t>if</a:t>
-            </a:r>
-            <a:r>
-              <a:rPr lang="es-ES" dirty="0"/>
-              <a:t> (!</a:t>
-            </a:r>
-            <a:r>
-              <a:rPr lang="es-ES" dirty="0" err="1"/>
-              <a:t>empty</a:t>
-            </a:r>
-            <a:r>
-              <a:rPr lang="es-ES" dirty="0">
-                <a:solidFill>
-                  <a:schemeClr val="accent3">
-                    <a:lumMod val="60000"/>
-                    <a:lumOff val="40000"/>
-                  </a:schemeClr>
-                </a:solidFill>
-              </a:rPr>
-              <a:t>($_SESSION</a:t>
-            </a:r>
-            <a:r>
-              <a:rPr lang="es-ES" dirty="0"/>
-              <a:t>['</a:t>
-            </a:r>
-            <a:r>
-              <a:rPr lang="es-ES" dirty="0">
-                <a:solidFill>
-                  <a:srgbClr val="FF0000"/>
-                </a:solidFill>
-              </a:rPr>
-              <a:t>activo</a:t>
-            </a:r>
-            <a:r>
-              <a:rPr lang="es-ES" dirty="0"/>
-              <a:t>']) &amp;&amp; </a:t>
-            </a:r>
-            <a:r>
-              <a:rPr lang="es-ES" dirty="0">
-                <a:solidFill>
-                  <a:schemeClr val="accent3">
-                    <a:lumMod val="60000"/>
-                    <a:lumOff val="40000"/>
-                  </a:schemeClr>
-                </a:solidFill>
-              </a:rPr>
-              <a:t>$_SESSION</a:t>
-            </a:r>
-            <a:r>
-              <a:rPr lang="es-ES" dirty="0"/>
-              <a:t>['</a:t>
-            </a:r>
-            <a:r>
-              <a:rPr lang="es-ES" dirty="0" err="1">
-                <a:solidFill>
-                  <a:srgbClr val="FF0000"/>
-                </a:solidFill>
-              </a:rPr>
-              <a:t>isAdmin</a:t>
-            </a:r>
-            <a:r>
-              <a:rPr lang="es-ES" dirty="0"/>
-              <a:t>'] == 1) {</a:t>
-            </a:r>
-          </a:p>
-          <a:p>
-            <a:r>
-              <a:rPr lang="es-ES" dirty="0"/>
-              <a:t>    </a:t>
-            </a:r>
-            <a:r>
-              <a:rPr lang="es-ES" dirty="0" err="1"/>
-              <a:t>header</a:t>
-            </a:r>
-            <a:r>
-              <a:rPr lang="es-ES" dirty="0"/>
-              <a:t>(</a:t>
-            </a:r>
-            <a:r>
-              <a:rPr lang="es-ES" dirty="0">
-                <a:solidFill>
-                  <a:srgbClr val="FF0000"/>
-                </a:solidFill>
-              </a:rPr>
-              <a:t>'</a:t>
-            </a:r>
-            <a:r>
-              <a:rPr lang="es-ES" dirty="0" err="1">
-                <a:solidFill>
-                  <a:srgbClr val="FF0000"/>
-                </a:solidFill>
-              </a:rPr>
-              <a:t>location</a:t>
-            </a:r>
-            <a:r>
-              <a:rPr lang="es-ES" dirty="0">
-                <a:solidFill>
-                  <a:srgbClr val="FF0000"/>
-                </a:solidFill>
-              </a:rPr>
-              <a:t>: </a:t>
-            </a:r>
-            <a:r>
-              <a:rPr lang="es-ES" dirty="0" err="1">
-                <a:solidFill>
-                  <a:srgbClr val="FF0000"/>
-                </a:solidFill>
-              </a:rPr>
-              <a:t>inicioAdmin.php</a:t>
-            </a:r>
-            <a:r>
-              <a:rPr lang="es-ES" dirty="0"/>
-              <a:t>');</a:t>
-            </a:r>
-          </a:p>
-          <a:p>
-            <a:r>
-              <a:rPr lang="es-ES" dirty="0"/>
-              <a:t>}</a:t>
-            </a:r>
-          </a:p>
-          <a:p>
-            <a:endParaRPr lang="es-ES" dirty="0"/>
-          </a:p>
-          <a:p>
-            <a:r>
-              <a:rPr lang="es-ES" dirty="0" smtClean="0"/>
-              <a:t>Si el usuario no registrado intenta acceder, lo mandará al </a:t>
-            </a:r>
-            <a:r>
-              <a:rPr lang="es-ES" dirty="0" err="1" smtClean="0"/>
-              <a:t>index</a:t>
-            </a:r>
-            <a:r>
-              <a:rPr lang="es-ES" dirty="0" smtClean="0"/>
-              <a:t> y si quien lo intenta es administrador, lo manda a la página de inicio del </a:t>
-            </a:r>
-            <a:r>
-              <a:rPr lang="es-ES" dirty="0" err="1" smtClean="0"/>
-              <a:t>admin</a:t>
-            </a:r>
-            <a:endParaRPr lang="es-ES" dirty="0" smtClean="0"/>
           </a:p>
         </p:txBody>
       </p:sp>
@@ -8858,32 +8564,6 @@
       </p:sp>
       <p:sp>
         <p:nvSpPr>
-          <p:cNvPr id="12" name="CuadroTexto 11"/>
-          <p:cNvSpPr txBox="1"/>
-          <p:nvPr/>
-        </p:nvSpPr>
-        <p:spPr>
-          <a:xfrm>
-            <a:off x="4788816" y="980388"/>
-            <a:ext cx="3101419" cy="369332"/>
-          </a:xfrm>
-          <a:prstGeom prst="rect">
-            <a:avLst/>
-          </a:prstGeom>
-          <a:noFill/>
-        </p:spPr>
-        <p:txBody>
-          <a:bodyPr wrap="square" rtlCol="0">
-            <a:spAutoFit/>
-          </a:bodyPr>
-          <a:lstStyle/>
-          <a:p>
-            <a:endParaRPr lang="es-ES" dirty="0"/>
-          </a:p>
-        </p:txBody>
-      </p:sp>
-      <p:sp>
-        <p:nvSpPr>
           <p:cNvPr id="16" name="CuadroTexto 15"/>
           <p:cNvSpPr txBox="1"/>
           <p:nvPr/>
@@ -8957,10 +8637,40 @@
           </a:p>
         </p:txBody>
       </p:sp>
+      <p:pic>
+        <p:nvPicPr>
+          <p:cNvPr id="4" name="Imagen 3"/>
+          <p:cNvPicPr>
+            <a:picLocks noChangeAspect="1"/>
+          </p:cNvPicPr>
+          <p:nvPr/>
+        </p:nvPicPr>
+        <p:blipFill>
+          <a:blip r:embed="rId2">
+            <a:extLst>
+              <a:ext uri="{28A0092B-C50C-407E-A947-70E740481C1C}">
+                <a14:useLocalDpi xmlns:a14="http://schemas.microsoft.com/office/drawing/2010/main" val="0"/>
+              </a:ext>
+            </a:extLst>
+          </a:blip>
+          <a:stretch>
+            <a:fillRect/>
+          </a:stretch>
+        </p:blipFill>
+        <p:spPr>
+          <a:xfrm>
+            <a:off x="3348087" y="1489339"/>
+            <a:ext cx="6135278" cy="5043199"/>
+          </a:xfrm>
+          <a:prstGeom prst="rect">
+            <a:avLst/>
+          </a:prstGeom>
+        </p:spPr>
+      </p:pic>
     </p:spTree>
     <p:extLst>
       <p:ext uri="{BB962C8B-B14F-4D97-AF65-F5344CB8AC3E}">
-        <p14:creationId xmlns:p14="http://schemas.microsoft.com/office/powerpoint/2010/main" val="1076564231"/>
+        <p14:creationId xmlns:p14="http://schemas.microsoft.com/office/powerpoint/2010/main" val="1010550937"/>
       </p:ext>
     </p:extLst>
   </p:cSld>
@@ -9002,8 +8712,8 @@
         </p:nvSpPr>
         <p:spPr>
           <a:xfrm>
-            <a:off x="2535810" y="980388"/>
-            <a:ext cx="8333745" cy="2585323"/>
+            <a:off x="3516198" y="983841"/>
+            <a:ext cx="5967167" cy="369332"/>
           </a:xfrm>
           <a:prstGeom prst="rect">
             <a:avLst/>
@@ -9031,104 +8741,25 @@
           <a:p>
             <a:r>
               <a:rPr lang="es-ES" dirty="0" smtClean="0"/>
-              <a:t>Para el uso de </a:t>
+              <a:t>Ejemplos de </a:t>
             </a:r>
             <a:r>
               <a:rPr lang="es-ES" dirty="0" err="1" smtClean="0"/>
-              <a:t>DataTable</a:t>
+              <a:t>Mockups</a:t>
             </a:r>
             <a:r>
               <a:rPr lang="es-ES" dirty="0" smtClean="0"/>
-              <a:t>, he tenido que añadir en el código el archivo </a:t>
+              <a:t>: </a:t>
             </a:r>
             <a:r>
               <a:rPr lang="es-ES" dirty="0" err="1" smtClean="0"/>
-              <a:t>css</a:t>
+              <a:t>Gestion</a:t>
             </a:r>
             <a:r>
               <a:rPr lang="es-ES" dirty="0" smtClean="0"/>
-              <a:t> y </a:t>
-            </a:r>
-            <a:r>
-              <a:rPr lang="es-ES" dirty="0" err="1" smtClean="0"/>
-              <a:t>jquery</a:t>
-            </a:r>
-            <a:r>
-              <a:rPr lang="es-ES" dirty="0" smtClean="0"/>
-              <a:t> correspondiente, además del script:</a:t>
-            </a:r>
-          </a:p>
-          <a:p>
+              <a:t> de producto</a:t>
+            </a:r>
             <a:endParaRPr lang="es-ES" dirty="0"/>
-          </a:p>
-          <a:p>
-            <a:r>
-              <a:rPr lang="es-ES" dirty="0"/>
-              <a:t>&lt;script&gt;</a:t>
-            </a:r>
-          </a:p>
-          <a:p>
-            <a:r>
-              <a:rPr lang="es-ES" dirty="0"/>
-              <a:t>        $(</a:t>
-            </a:r>
-            <a:r>
-              <a:rPr lang="es-ES" dirty="0" err="1"/>
-              <a:t>document</a:t>
-            </a:r>
-            <a:r>
-              <a:rPr lang="es-ES" dirty="0"/>
-              <a:t>).</a:t>
-            </a:r>
-            <a:r>
-              <a:rPr lang="es-ES" dirty="0" err="1"/>
-              <a:t>ready</a:t>
-            </a:r>
-            <a:r>
-              <a:rPr lang="es-ES" dirty="0"/>
-              <a:t>(</a:t>
-            </a:r>
-            <a:r>
-              <a:rPr lang="es-ES" dirty="0" err="1"/>
-              <a:t>function</a:t>
-            </a:r>
-            <a:r>
-              <a:rPr lang="es-ES" dirty="0"/>
-              <a:t>() {</a:t>
-            </a:r>
-          </a:p>
-          <a:p>
-            <a:r>
-              <a:rPr lang="es-ES" dirty="0"/>
-              <a:t>            $('#tabla').</a:t>
-            </a:r>
-            <a:r>
-              <a:rPr lang="es-ES" dirty="0" err="1"/>
-              <a:t>DataTable</a:t>
-            </a:r>
-            <a:r>
-              <a:rPr lang="es-ES" dirty="0"/>
-              <a:t>();</a:t>
-            </a:r>
-          </a:p>
-          <a:p>
-            <a:r>
-              <a:rPr lang="es-ES" dirty="0"/>
-              <a:t>        });</a:t>
-            </a:r>
-          </a:p>
-          <a:p>
-            <a:r>
-              <a:rPr lang="es-ES" dirty="0" smtClean="0"/>
-              <a:t>&lt;/</a:t>
-            </a:r>
-            <a:r>
-              <a:rPr lang="es-ES" dirty="0"/>
-              <a:t>script&gt;</a:t>
-            </a:r>
-          </a:p>
-          <a:p>
-            <a:endParaRPr lang="es-ES" dirty="0" smtClean="0"/>
           </a:p>
         </p:txBody>
       </p:sp>
@@ -9342,32 +8973,6 @@
       </p:sp>
       <p:sp>
         <p:nvSpPr>
-          <p:cNvPr id="12" name="CuadroTexto 11"/>
-          <p:cNvSpPr txBox="1"/>
-          <p:nvPr/>
-        </p:nvSpPr>
-        <p:spPr>
-          <a:xfrm>
-            <a:off x="4788816" y="980388"/>
-            <a:ext cx="3101419" cy="369332"/>
-          </a:xfrm>
-          <a:prstGeom prst="rect">
-            <a:avLst/>
-          </a:prstGeom>
-          <a:noFill/>
-        </p:spPr>
-        <p:txBody>
-          <a:bodyPr wrap="square" rtlCol="0">
-            <a:spAutoFit/>
-          </a:bodyPr>
-          <a:lstStyle/>
-          <a:p>
-            <a:endParaRPr lang="es-ES" dirty="0"/>
-          </a:p>
-        </p:txBody>
-      </p:sp>
-      <p:sp>
-        <p:nvSpPr>
           <p:cNvPr id="16" name="CuadroTexto 15"/>
           <p:cNvSpPr txBox="1"/>
           <p:nvPr/>
@@ -9441,10 +9046,40 @@
           </a:p>
         </p:txBody>
       </p:sp>
+      <p:pic>
+        <p:nvPicPr>
+          <p:cNvPr id="3" name="Imagen 2"/>
+          <p:cNvPicPr>
+            <a:picLocks noChangeAspect="1"/>
+          </p:cNvPicPr>
+          <p:nvPr/>
+        </p:nvPicPr>
+        <p:blipFill>
+          <a:blip r:embed="rId2">
+            <a:extLst>
+              <a:ext uri="{28A0092B-C50C-407E-A947-70E740481C1C}">
+                <a14:useLocalDpi xmlns:a14="http://schemas.microsoft.com/office/drawing/2010/main" val="0"/>
+              </a:ext>
+            </a:extLst>
+          </a:blip>
+          <a:stretch>
+            <a:fillRect/>
+          </a:stretch>
+        </p:blipFill>
+        <p:spPr>
+          <a:xfrm>
+            <a:off x="2191722" y="1414079"/>
+            <a:ext cx="8616117" cy="5269004"/>
+          </a:xfrm>
+          <a:prstGeom prst="rect">
+            <a:avLst/>
+          </a:prstGeom>
+        </p:spPr>
+      </p:pic>
     </p:spTree>
     <p:extLst>
       <p:ext uri="{BB962C8B-B14F-4D97-AF65-F5344CB8AC3E}">
-        <p14:creationId xmlns:p14="http://schemas.microsoft.com/office/powerpoint/2010/main" val="4047009103"/>
+        <p14:creationId xmlns:p14="http://schemas.microsoft.com/office/powerpoint/2010/main" val="3272170036"/>
       </p:ext>
     </p:extLst>
   </p:cSld>
@@ -9487,7 +9122,7 @@
         <p:spPr>
           <a:xfrm>
             <a:off x="2535810" y="980388"/>
-            <a:ext cx="8333745" cy="646331"/>
+            <a:ext cx="8333745" cy="5355312"/>
           </a:xfrm>
           <a:prstGeom prst="rect">
             <a:avLst/>
@@ -9515,19 +9150,309 @@
           <a:p>
             <a:r>
               <a:rPr lang="es-ES" dirty="0" smtClean="0"/>
-              <a:t>Resultado </a:t>
+              <a:t>2- Desarrollo de toda la arquitectura de archivos en formato vista-controlador. Dentro de estos archivos encontramos *.</a:t>
             </a:r>
             <a:r>
               <a:rPr lang="es-ES" dirty="0" err="1" smtClean="0"/>
-              <a:t>DataTable</a:t>
+              <a:t>php</a:t>
             </a:r>
             <a:r>
               <a:rPr lang="es-ES" dirty="0" smtClean="0"/>
-              <a:t>:</a:t>
-            </a:r>
+              <a:t> , *.</a:t>
+            </a:r>
+            <a:r>
+              <a:rPr lang="es-ES" dirty="0" err="1" smtClean="0"/>
+              <a:t>css</a:t>
+            </a:r>
+            <a:r>
+              <a:rPr lang="es-ES" dirty="0" smtClean="0"/>
+              <a:t> , *.</a:t>
+            </a:r>
+            <a:r>
+              <a:rPr lang="es-ES" dirty="0" err="1" smtClean="0"/>
+              <a:t>js</a:t>
+            </a:r>
+            <a:r>
+              <a:rPr lang="es-ES" dirty="0" smtClean="0"/>
+              <a:t> y *.</a:t>
+            </a:r>
+            <a:r>
+              <a:rPr lang="es-ES" dirty="0" err="1" smtClean="0"/>
+              <a:t>jpg</a:t>
+            </a:r>
+            <a:r>
+              <a:rPr lang="es-ES" dirty="0" smtClean="0"/>
+              <a:t>.</a:t>
+            </a:r>
+          </a:p>
+          <a:p>
             <a:endParaRPr lang="es-ES" dirty="0"/>
           </a:p>
           <a:p>
+            <a:r>
+              <a:rPr lang="es-ES" dirty="0" smtClean="0"/>
+              <a:t>Dentro de estos mismos archivos, he realizado la creación de filtro de seguridad para que los distintos tipos de usuarios (usuario sin registrar, usuario registrado y administrador) no puedan entrar en las páginas de otros. </a:t>
+            </a:r>
+          </a:p>
+          <a:p>
+            <a:endParaRPr lang="es-ES" dirty="0"/>
+          </a:p>
+          <a:p>
+            <a:r>
+              <a:rPr lang="es-ES" dirty="0" smtClean="0"/>
+              <a:t>Ejemplo: Filtro para las páginas de usuario registrado</a:t>
+            </a:r>
+          </a:p>
+          <a:p>
+            <a:endParaRPr lang="es-ES" dirty="0"/>
+          </a:p>
+          <a:p>
+            <a:r>
+              <a:rPr lang="es-ES" dirty="0" err="1"/>
+              <a:t>if</a:t>
+            </a:r>
+            <a:r>
+              <a:rPr lang="es-ES" dirty="0"/>
+              <a:t> (</a:t>
+            </a:r>
+            <a:r>
+              <a:rPr lang="es-ES" dirty="0" err="1"/>
+              <a:t>empty</a:t>
+            </a:r>
+            <a:r>
+              <a:rPr lang="es-ES" dirty="0">
+                <a:solidFill>
+                  <a:schemeClr val="accent3">
+                    <a:lumMod val="60000"/>
+                    <a:lumOff val="40000"/>
+                  </a:schemeClr>
+                </a:solidFill>
+              </a:rPr>
+              <a:t>($_SESSION</a:t>
+            </a:r>
+            <a:r>
+              <a:rPr lang="es-ES" dirty="0"/>
+              <a:t>['</a:t>
+            </a:r>
+            <a:r>
+              <a:rPr lang="es-ES" dirty="0">
+                <a:solidFill>
+                  <a:srgbClr val="FF0000"/>
+                </a:solidFill>
+              </a:rPr>
+              <a:t>activo</a:t>
+            </a:r>
+            <a:r>
+              <a:rPr lang="es-ES" dirty="0"/>
+              <a:t>'])) {</a:t>
+            </a:r>
+          </a:p>
+          <a:p>
+            <a:r>
+              <a:rPr lang="es-ES" dirty="0"/>
+              <a:t>    </a:t>
+            </a:r>
+            <a:r>
+              <a:rPr lang="es-ES" dirty="0" err="1"/>
+              <a:t>header</a:t>
+            </a:r>
+            <a:r>
+              <a:rPr lang="es-ES" dirty="0"/>
+              <a:t>(</a:t>
+            </a:r>
+            <a:r>
+              <a:rPr lang="es-ES" dirty="0">
+                <a:solidFill>
+                  <a:srgbClr val="FF0000"/>
+                </a:solidFill>
+              </a:rPr>
+              <a:t>'</a:t>
+            </a:r>
+            <a:r>
+              <a:rPr lang="es-ES" dirty="0" err="1">
+                <a:solidFill>
+                  <a:srgbClr val="FF0000"/>
+                </a:solidFill>
+              </a:rPr>
+              <a:t>location</a:t>
+            </a:r>
+            <a:r>
+              <a:rPr lang="es-ES" dirty="0">
+                <a:solidFill>
+                  <a:srgbClr val="FF0000"/>
+                </a:solidFill>
+              </a:rPr>
+              <a:t>: ../</a:t>
+            </a:r>
+            <a:r>
+              <a:rPr lang="es-ES" dirty="0" err="1">
+                <a:solidFill>
+                  <a:srgbClr val="FF0000"/>
+                </a:solidFill>
+              </a:rPr>
+              <a:t>index.php</a:t>
+            </a:r>
+            <a:r>
+              <a:rPr lang="es-ES" dirty="0"/>
+              <a:t>');</a:t>
+            </a:r>
+          </a:p>
+          <a:p>
+            <a:r>
+              <a:rPr lang="es-ES" dirty="0"/>
+              <a:t>} </a:t>
+            </a:r>
+            <a:r>
+              <a:rPr lang="es-ES" dirty="0" err="1"/>
+              <a:t>else</a:t>
+            </a:r>
+            <a:r>
+              <a:rPr lang="es-ES" dirty="0"/>
+              <a:t> </a:t>
+            </a:r>
+            <a:r>
+              <a:rPr lang="es-ES" dirty="0" err="1"/>
+              <a:t>if</a:t>
+            </a:r>
+            <a:r>
+              <a:rPr lang="es-ES" dirty="0"/>
+              <a:t> (!</a:t>
+            </a:r>
+            <a:r>
+              <a:rPr lang="es-ES" dirty="0" err="1"/>
+              <a:t>empty</a:t>
+            </a:r>
+            <a:r>
+              <a:rPr lang="es-ES" dirty="0">
+                <a:solidFill>
+                  <a:schemeClr val="accent3">
+                    <a:lumMod val="60000"/>
+                    <a:lumOff val="40000"/>
+                  </a:schemeClr>
+                </a:solidFill>
+              </a:rPr>
+              <a:t>($_SESSION</a:t>
+            </a:r>
+            <a:r>
+              <a:rPr lang="es-ES" dirty="0"/>
+              <a:t>['</a:t>
+            </a:r>
+            <a:r>
+              <a:rPr lang="es-ES" dirty="0">
+                <a:solidFill>
+                  <a:srgbClr val="FF0000"/>
+                </a:solidFill>
+              </a:rPr>
+              <a:t>activo</a:t>
+            </a:r>
+            <a:r>
+              <a:rPr lang="es-ES" dirty="0"/>
+              <a:t>']) &amp;&amp; </a:t>
+            </a:r>
+            <a:r>
+              <a:rPr lang="es-ES" dirty="0">
+                <a:solidFill>
+                  <a:schemeClr val="accent3">
+                    <a:lumMod val="60000"/>
+                    <a:lumOff val="40000"/>
+                  </a:schemeClr>
+                </a:solidFill>
+              </a:rPr>
+              <a:t>$_SESSION</a:t>
+            </a:r>
+            <a:r>
+              <a:rPr lang="es-ES" dirty="0"/>
+              <a:t>['</a:t>
+            </a:r>
+            <a:r>
+              <a:rPr lang="es-ES" dirty="0" err="1">
+                <a:solidFill>
+                  <a:srgbClr val="FF0000"/>
+                </a:solidFill>
+              </a:rPr>
+              <a:t>isAdmin</a:t>
+            </a:r>
+            <a:r>
+              <a:rPr lang="es-ES" dirty="0"/>
+              <a:t>'] == 1) {</a:t>
+            </a:r>
+          </a:p>
+          <a:p>
+            <a:r>
+              <a:rPr lang="es-ES" dirty="0"/>
+              <a:t>    </a:t>
+            </a:r>
+            <a:r>
+              <a:rPr lang="es-ES" dirty="0" err="1"/>
+              <a:t>header</a:t>
+            </a:r>
+            <a:r>
+              <a:rPr lang="es-ES" dirty="0"/>
+              <a:t>(</a:t>
+            </a:r>
+            <a:r>
+              <a:rPr lang="es-ES" dirty="0">
+                <a:solidFill>
+                  <a:srgbClr val="FF0000"/>
+                </a:solidFill>
+              </a:rPr>
+              <a:t>'</a:t>
+            </a:r>
+            <a:r>
+              <a:rPr lang="es-ES" dirty="0" err="1">
+                <a:solidFill>
+                  <a:srgbClr val="FF0000"/>
+                </a:solidFill>
+              </a:rPr>
+              <a:t>location</a:t>
+            </a:r>
+            <a:r>
+              <a:rPr lang="es-ES" dirty="0">
+                <a:solidFill>
+                  <a:srgbClr val="FF0000"/>
+                </a:solidFill>
+              </a:rPr>
+              <a:t>: </a:t>
+            </a:r>
+            <a:r>
+              <a:rPr lang="es-ES" dirty="0" err="1">
+                <a:solidFill>
+                  <a:srgbClr val="FF0000"/>
+                </a:solidFill>
+              </a:rPr>
+              <a:t>inicioAdmin.php</a:t>
+            </a:r>
+            <a:r>
+              <a:rPr lang="es-ES" dirty="0"/>
+              <a:t>');</a:t>
+            </a:r>
+          </a:p>
+          <a:p>
+            <a:r>
+              <a:rPr lang="es-ES" dirty="0"/>
+              <a:t>}</a:t>
+            </a:r>
+          </a:p>
+          <a:p>
+            <a:endParaRPr lang="es-ES" dirty="0"/>
+          </a:p>
+          <a:p>
+            <a:r>
+              <a:rPr lang="es-ES" dirty="0" smtClean="0"/>
+              <a:t>Si el usuario no registrado intenta acceder, lo mandará al </a:t>
+            </a:r>
+            <a:r>
+              <a:rPr lang="es-ES" dirty="0" err="1" smtClean="0"/>
+              <a:t>index</a:t>
+            </a:r>
+            <a:r>
+              <a:rPr lang="es-ES" dirty="0" smtClean="0"/>
+              <a:t> y si quien lo intenta es administrador, lo manda a la página de inicio del </a:t>
+            </a:r>
+            <a:r>
+              <a:rPr lang="es-ES" dirty="0" err="1" smtClean="0"/>
+              <a:t>admin</a:t>
+            </a:r>
             <a:endParaRPr lang="es-ES" dirty="0" smtClean="0"/>
           </a:p>
         </p:txBody>
@@ -9841,40 +9766,10 @@
           </a:p>
         </p:txBody>
       </p:sp>
-      <p:pic>
-        <p:nvPicPr>
-          <p:cNvPr id="3" name="Imagen 2"/>
-          <p:cNvPicPr>
-            <a:picLocks noChangeAspect="1"/>
-          </p:cNvPicPr>
-          <p:nvPr/>
-        </p:nvPicPr>
-        <p:blipFill>
-          <a:blip r:embed="rId2">
-            <a:extLst>
-              <a:ext uri="{28A0092B-C50C-407E-A947-70E740481C1C}">
-                <a14:useLocalDpi xmlns:a14="http://schemas.microsoft.com/office/drawing/2010/main" val="0"/>
-              </a:ext>
-            </a:extLst>
-          </a:blip>
-          <a:stretch>
-            <a:fillRect/>
-          </a:stretch>
-        </p:blipFill>
-        <p:spPr>
-          <a:xfrm>
-            <a:off x="1874586" y="1740421"/>
-            <a:ext cx="9656190" cy="5022463"/>
-          </a:xfrm>
-          <a:prstGeom prst="rect">
-            <a:avLst/>
-          </a:prstGeom>
-        </p:spPr>
-      </p:pic>
     </p:spTree>
     <p:extLst>
       <p:ext uri="{BB962C8B-B14F-4D97-AF65-F5344CB8AC3E}">
-        <p14:creationId xmlns:p14="http://schemas.microsoft.com/office/powerpoint/2010/main" val="2750597480"/>
+        <p14:creationId xmlns:p14="http://schemas.microsoft.com/office/powerpoint/2010/main" val="1076564231"/>
       </p:ext>
     </p:extLst>
   </p:cSld>
@@ -9916,8 +9811,8 @@
         </p:nvSpPr>
         <p:spPr>
           <a:xfrm>
-            <a:off x="3516198" y="980388"/>
-            <a:ext cx="7353357" cy="5724644"/>
+            <a:off x="2535810" y="980388"/>
+            <a:ext cx="8333745" cy="2585323"/>
           </a:xfrm>
           <a:prstGeom prst="rect">
             <a:avLst/>
@@ -9945,415 +9840,104 @@
           <a:p>
             <a:r>
               <a:rPr lang="es-ES" dirty="0" smtClean="0"/>
-              <a:t>Para el uso de Google Chart:</a:t>
-            </a:r>
+              <a:t>Para el uso de </a:t>
+            </a:r>
+            <a:r>
+              <a:rPr lang="es-ES" dirty="0" err="1" smtClean="0"/>
+              <a:t>DataTable</a:t>
+            </a:r>
+            <a:r>
+              <a:rPr lang="es-ES" dirty="0" smtClean="0"/>
+              <a:t>, he tenido que añadir en el código el archivo </a:t>
+            </a:r>
+            <a:r>
+              <a:rPr lang="es-ES" dirty="0" err="1" smtClean="0"/>
+              <a:t>css</a:t>
+            </a:r>
+            <a:r>
+              <a:rPr lang="es-ES" dirty="0" smtClean="0"/>
+              <a:t> y </a:t>
+            </a:r>
+            <a:r>
+              <a:rPr lang="es-ES" dirty="0" err="1" smtClean="0"/>
+              <a:t>jquery</a:t>
+            </a:r>
+            <a:r>
+              <a:rPr lang="es-ES" dirty="0" smtClean="0"/>
+              <a:t> correspondiente, además del script:</a:t>
+            </a:r>
+          </a:p>
+          <a:p>
+            <a:endParaRPr lang="es-ES" dirty="0"/>
+          </a:p>
+          <a:p>
             <a:r>
               <a:rPr lang="es-ES" dirty="0"/>
-              <a:t> </a:t>
-            </a:r>
+              <a:t>&lt;script&gt;</a:t>
+            </a:r>
+          </a:p>
+          <a:p>
+            <a:r>
+              <a:rPr lang="es-ES" dirty="0"/>
+              <a:t>        $(</a:t>
+            </a:r>
+            <a:r>
+              <a:rPr lang="es-ES" dirty="0" err="1"/>
+              <a:t>document</a:t>
+            </a:r>
+            <a:r>
+              <a:rPr lang="es-ES" dirty="0"/>
+              <a:t>).</a:t>
+            </a:r>
+            <a:r>
+              <a:rPr lang="es-ES" dirty="0" err="1"/>
+              <a:t>ready</a:t>
+            </a:r>
+            <a:r>
+              <a:rPr lang="es-ES" dirty="0"/>
+              <a:t>(</a:t>
+            </a:r>
+            <a:r>
+              <a:rPr lang="es-ES" dirty="0" err="1"/>
+              <a:t>function</a:t>
+            </a:r>
+            <a:r>
+              <a:rPr lang="es-ES" dirty="0"/>
+              <a:t>() {</a:t>
+            </a:r>
+          </a:p>
+          <a:p>
+            <a:r>
+              <a:rPr lang="es-ES" dirty="0"/>
+              <a:t>            $('#tabla').</a:t>
+            </a:r>
+            <a:r>
+              <a:rPr lang="es-ES" dirty="0" err="1"/>
+              <a:t>DataTable</a:t>
+            </a:r>
+            <a:r>
+              <a:rPr lang="es-ES" dirty="0"/>
+              <a:t>();</a:t>
+            </a:r>
+          </a:p>
+          <a:p>
+            <a:r>
+              <a:rPr lang="es-ES" dirty="0"/>
+              <a:t>        });</a:t>
+            </a:r>
+          </a:p>
+          <a:p>
             <a:r>
               <a:rPr lang="es-ES" dirty="0" smtClean="0"/>
-              <a:t>He realizado el uso de 2 script que usan librerías de Google teniendo que realizar los cambios oportunos.</a:t>
-            </a:r>
-          </a:p>
-          <a:p>
+              <a:t>&lt;/</a:t>
+            </a:r>
             <a:r>
               <a:rPr lang="es-ES" dirty="0"/>
-              <a:t>    </a:t>
-            </a:r>
-            <a:r>
-              <a:rPr lang="es-ES" sz="1200" dirty="0"/>
-              <a:t>&lt;script </a:t>
-            </a:r>
-            <a:r>
-              <a:rPr lang="es-ES" sz="1200" dirty="0" err="1"/>
-              <a:t>type</a:t>
-            </a:r>
-            <a:r>
-              <a:rPr lang="es-ES" sz="1200" dirty="0"/>
-              <a:t>="</a:t>
-            </a:r>
-            <a:r>
-              <a:rPr lang="es-ES" sz="1200" dirty="0" err="1"/>
-              <a:t>text</a:t>
-            </a:r>
-            <a:r>
-              <a:rPr lang="es-ES" sz="1200" dirty="0"/>
-              <a:t>/</a:t>
-            </a:r>
-            <a:r>
-              <a:rPr lang="es-ES" sz="1200" dirty="0" err="1"/>
-              <a:t>javascript</a:t>
-            </a:r>
-            <a:r>
-              <a:rPr lang="es-ES" sz="1200" dirty="0"/>
-              <a:t>" </a:t>
-            </a:r>
-            <a:r>
-              <a:rPr lang="es-ES" sz="1200" dirty="0" err="1"/>
-              <a:t>src</a:t>
-            </a:r>
-            <a:r>
-              <a:rPr lang="es-ES" sz="1200" dirty="0"/>
-              <a:t>="https://www.gstatic.com/charts/loader.js"&gt;&lt;/script&gt;</a:t>
-            </a:r>
-          </a:p>
-          <a:p>
-            <a:r>
-              <a:rPr lang="es-ES" sz="1200" dirty="0"/>
-              <a:t>    &lt;script </a:t>
-            </a:r>
-            <a:r>
-              <a:rPr lang="es-ES" sz="1200" dirty="0" err="1"/>
-              <a:t>type</a:t>
-            </a:r>
-            <a:r>
-              <a:rPr lang="es-ES" sz="1200" dirty="0"/>
-              <a:t>="</a:t>
-            </a:r>
-            <a:r>
-              <a:rPr lang="es-ES" sz="1200" dirty="0" err="1"/>
-              <a:t>text</a:t>
-            </a:r>
-            <a:r>
-              <a:rPr lang="es-ES" sz="1200" dirty="0"/>
-              <a:t>/</a:t>
-            </a:r>
-            <a:r>
-              <a:rPr lang="es-ES" sz="1200" dirty="0" err="1"/>
-              <a:t>javascript</a:t>
-            </a:r>
-            <a:r>
-              <a:rPr lang="es-ES" sz="1200" dirty="0"/>
-              <a:t>"&gt;</a:t>
-            </a:r>
-          </a:p>
-          <a:p>
-            <a:r>
-              <a:rPr lang="es-ES" sz="1200" dirty="0"/>
-              <a:t>        </a:t>
-            </a:r>
-            <a:r>
-              <a:rPr lang="es-ES" sz="1200" dirty="0" err="1"/>
-              <a:t>google.charts.load</a:t>
-            </a:r>
-            <a:r>
-              <a:rPr lang="es-ES" sz="1200" dirty="0"/>
-              <a:t>('</a:t>
-            </a:r>
-            <a:r>
-              <a:rPr lang="es-ES" sz="1200" dirty="0" err="1"/>
-              <a:t>current</a:t>
-            </a:r>
-            <a:r>
-              <a:rPr lang="es-ES" sz="1200" dirty="0"/>
-              <a:t>', {</a:t>
-            </a:r>
-          </a:p>
-          <a:p>
-            <a:r>
-              <a:rPr lang="es-ES" sz="1200" dirty="0"/>
-              <a:t>            '</a:t>
-            </a:r>
-            <a:r>
-              <a:rPr lang="es-ES" sz="1200" dirty="0" err="1"/>
-              <a:t>packages</a:t>
-            </a:r>
-            <a:r>
-              <a:rPr lang="es-ES" sz="1200" dirty="0"/>
-              <a:t>': ['</a:t>
-            </a:r>
-            <a:r>
-              <a:rPr lang="es-ES" sz="1200" dirty="0" err="1"/>
-              <a:t>corechart</a:t>
-            </a:r>
-            <a:r>
-              <a:rPr lang="es-ES" sz="1200" dirty="0"/>
-              <a:t>']</a:t>
-            </a:r>
-          </a:p>
-          <a:p>
-            <a:r>
-              <a:rPr lang="es-ES" sz="1200" dirty="0"/>
-              <a:t>        });</a:t>
-            </a:r>
-          </a:p>
-          <a:p>
-            <a:r>
-              <a:rPr lang="es-ES" sz="1200" dirty="0"/>
-              <a:t>        </a:t>
-            </a:r>
-            <a:r>
-              <a:rPr lang="es-ES" sz="1200" dirty="0" err="1"/>
-              <a:t>google.charts.setOnLoadCallback</a:t>
-            </a:r>
-            <a:r>
-              <a:rPr lang="es-ES" sz="1200" dirty="0"/>
-              <a:t>(</a:t>
-            </a:r>
-            <a:r>
-              <a:rPr lang="es-ES" sz="1200" dirty="0" err="1"/>
-              <a:t>drawChart</a:t>
-            </a:r>
-            <a:r>
-              <a:rPr lang="es-ES" sz="1200" dirty="0"/>
-              <a:t>);</a:t>
-            </a:r>
-          </a:p>
-          <a:p>
-            <a:r>
-              <a:rPr lang="es-ES" sz="1200" dirty="0"/>
-              <a:t>        </a:t>
-            </a:r>
-            <a:r>
-              <a:rPr lang="es-ES" sz="1200" dirty="0" err="1"/>
-              <a:t>function</a:t>
-            </a:r>
-            <a:r>
-              <a:rPr lang="es-ES" sz="1200" dirty="0"/>
-              <a:t> </a:t>
-            </a:r>
-            <a:r>
-              <a:rPr lang="es-ES" sz="1200" dirty="0" err="1"/>
-              <a:t>drawChart</a:t>
-            </a:r>
-            <a:r>
-              <a:rPr lang="es-ES" sz="1200" dirty="0"/>
-              <a:t>() {</a:t>
-            </a:r>
-          </a:p>
-          <a:p>
-            <a:r>
-              <a:rPr lang="es-ES" sz="1200" dirty="0"/>
-              <a:t>            </a:t>
-            </a:r>
-            <a:r>
-              <a:rPr lang="es-ES" sz="1200" dirty="0" err="1"/>
-              <a:t>var</a:t>
-            </a:r>
-            <a:r>
-              <a:rPr lang="es-ES" sz="1200" dirty="0"/>
-              <a:t> data = </a:t>
-            </a:r>
-            <a:r>
-              <a:rPr lang="es-ES" sz="1200" dirty="0" err="1"/>
-              <a:t>google.visualization.arrayToDataTable</a:t>
-            </a:r>
-            <a:r>
-              <a:rPr lang="es-ES" sz="1200" dirty="0"/>
-              <a:t>([</a:t>
-            </a:r>
-          </a:p>
-          <a:p>
-            <a:r>
-              <a:rPr lang="es-ES" sz="1200" dirty="0"/>
-              <a:t>                ['Nombre', 'Cantidad'],</a:t>
-            </a:r>
-          </a:p>
-          <a:p>
-            <a:r>
-              <a:rPr lang="es-ES" sz="1200" dirty="0"/>
-              <a:t>                &lt;?</a:t>
-            </a:r>
-            <a:r>
-              <a:rPr lang="es-ES" sz="1200" dirty="0" err="1"/>
-              <a:t>php</a:t>
-            </a:r>
-            <a:endParaRPr lang="es-ES" sz="1200" dirty="0"/>
-          </a:p>
-          <a:p>
-            <a:r>
-              <a:rPr lang="es-ES" sz="1200" dirty="0"/>
-              <a:t>                </a:t>
-            </a:r>
-            <a:r>
-              <a:rPr lang="es-ES" sz="1200" dirty="0" err="1"/>
-              <a:t>while</a:t>
-            </a:r>
-            <a:r>
-              <a:rPr lang="es-ES" sz="1200" dirty="0"/>
-              <a:t> ($fila = $resultado-&gt;</a:t>
-            </a:r>
-            <a:r>
-              <a:rPr lang="es-ES" sz="1200" dirty="0" err="1"/>
-              <a:t>fetch_array</a:t>
-            </a:r>
-            <a:r>
-              <a:rPr lang="es-ES" sz="1200" dirty="0"/>
-              <a:t>()) {</a:t>
-            </a:r>
-          </a:p>
-          <a:p>
-            <a:r>
-              <a:rPr lang="es-ES" sz="1200" dirty="0"/>
-              <a:t>                    echo "['" . $fila['nombre'] . "',  " . $fila['cantidad'] . "],";</a:t>
-            </a:r>
-          </a:p>
-          <a:p>
-            <a:r>
-              <a:rPr lang="es-ES" sz="1200" dirty="0"/>
-              <a:t>                }</a:t>
-            </a:r>
-          </a:p>
-          <a:p>
-            <a:r>
-              <a:rPr lang="es-ES" sz="1200" dirty="0"/>
-              <a:t>                ?&gt;</a:t>
-            </a:r>
-          </a:p>
-          <a:p>
-            <a:r>
-              <a:rPr lang="es-ES" sz="1200" dirty="0"/>
-              <a:t>            ]);</a:t>
-            </a:r>
-          </a:p>
-          <a:p>
-            <a:r>
-              <a:rPr lang="es-ES" sz="1200" dirty="0"/>
-              <a:t>            </a:t>
-            </a:r>
-            <a:r>
-              <a:rPr lang="es-ES" sz="1200" dirty="0" err="1"/>
-              <a:t>var</a:t>
-            </a:r>
-            <a:r>
-              <a:rPr lang="es-ES" sz="1200" dirty="0"/>
-              <a:t> </a:t>
-            </a:r>
-            <a:r>
-              <a:rPr lang="es-ES" sz="1200" dirty="0" err="1"/>
-              <a:t>options</a:t>
-            </a:r>
-            <a:r>
-              <a:rPr lang="es-ES" sz="1200" dirty="0"/>
-              <a:t> = {</a:t>
-            </a:r>
-          </a:p>
-          <a:p>
-            <a:r>
-              <a:rPr lang="es-ES" sz="1200" dirty="0"/>
-              <a:t>                </a:t>
-            </a:r>
-            <a:r>
-              <a:rPr lang="es-ES" sz="1200" dirty="0" err="1"/>
-              <a:t>title</a:t>
-            </a:r>
-            <a:r>
-              <a:rPr lang="es-ES" sz="1200" dirty="0"/>
-              <a:t>: 'Venta mensual de &lt;?</a:t>
-            </a:r>
-            <a:r>
-              <a:rPr lang="es-ES" sz="1200" dirty="0" err="1"/>
-              <a:t>php</a:t>
-            </a:r>
-            <a:r>
-              <a:rPr lang="es-ES" sz="1200" dirty="0"/>
-              <a:t> echo $tipo ?&gt; en el mes de &lt;?</a:t>
-            </a:r>
-            <a:r>
-              <a:rPr lang="es-ES" sz="1200" dirty="0" err="1"/>
-              <a:t>php</a:t>
-            </a:r>
-            <a:r>
-              <a:rPr lang="es-ES" sz="1200" dirty="0"/>
-              <a:t> echo $</a:t>
-            </a:r>
-            <a:r>
-              <a:rPr lang="es-ES" sz="1200" dirty="0" err="1"/>
-              <a:t>nombreMes</a:t>
-            </a:r>
-            <a:r>
-              <a:rPr lang="es-ES" sz="1200" dirty="0"/>
-              <a:t> ?&gt;'</a:t>
-            </a:r>
-          </a:p>
-          <a:p>
-            <a:r>
-              <a:rPr lang="es-ES" sz="1200" dirty="0"/>
-              <a:t>            };</a:t>
-            </a:r>
-          </a:p>
-          <a:p>
-            <a:r>
-              <a:rPr lang="es-ES" sz="1200" dirty="0"/>
-              <a:t>            </a:t>
-            </a:r>
-            <a:r>
-              <a:rPr lang="es-ES" sz="1200" dirty="0" err="1"/>
-              <a:t>var</a:t>
-            </a:r>
-            <a:r>
-              <a:rPr lang="es-ES" sz="1200" dirty="0"/>
-              <a:t> chart = new </a:t>
-            </a:r>
-            <a:r>
-              <a:rPr lang="es-ES" sz="1200" dirty="0" err="1"/>
-              <a:t>google.visualization.PieChart</a:t>
-            </a:r>
-            <a:r>
-              <a:rPr lang="es-ES" sz="1200" dirty="0"/>
-              <a:t>(</a:t>
-            </a:r>
-            <a:r>
-              <a:rPr lang="es-ES" sz="1200" dirty="0" err="1"/>
-              <a:t>document.getElementById</a:t>
-            </a:r>
-            <a:r>
-              <a:rPr lang="es-ES" sz="1200" dirty="0"/>
-              <a:t>('</a:t>
-            </a:r>
-            <a:r>
-              <a:rPr lang="es-ES" sz="1200" dirty="0" err="1"/>
-              <a:t>piechart</a:t>
-            </a:r>
-            <a:r>
-              <a:rPr lang="es-ES" sz="1200" dirty="0"/>
-              <a:t>'));</a:t>
-            </a:r>
-          </a:p>
-          <a:p>
-            <a:r>
-              <a:rPr lang="es-ES" sz="1200" dirty="0"/>
-              <a:t/>
-            </a:r>
-            <a:br>
-              <a:rPr lang="es-ES" sz="1200" dirty="0"/>
-            </a:br>
-            <a:r>
-              <a:rPr lang="es-ES" sz="1200" dirty="0"/>
-              <a:t>            </a:t>
-            </a:r>
-            <a:r>
-              <a:rPr lang="es-ES" sz="1200" dirty="0" err="1"/>
-              <a:t>chart.draw</a:t>
-            </a:r>
-            <a:r>
-              <a:rPr lang="es-ES" sz="1200" dirty="0"/>
-              <a:t>(data, </a:t>
-            </a:r>
-            <a:r>
-              <a:rPr lang="es-ES" sz="1200" dirty="0" err="1"/>
-              <a:t>options</a:t>
-            </a:r>
-            <a:r>
-              <a:rPr lang="es-ES" sz="1200" dirty="0"/>
-              <a:t>);</a:t>
-            </a:r>
-          </a:p>
-          <a:p>
-            <a:r>
-              <a:rPr lang="es-ES" sz="1200" dirty="0"/>
-              <a:t>        }</a:t>
-            </a:r>
-          </a:p>
-          <a:p>
-            <a:r>
-              <a:rPr lang="es-ES" sz="1200" dirty="0"/>
-              <a:t>    &lt;/script&gt;</a:t>
-            </a:r>
-          </a:p>
-          <a:p>
-            <a:endParaRPr lang="es-ES" dirty="0"/>
+              <a:t>script&gt;</a:t>
+            </a:r>
+          </a:p>
+          <a:p>
+            <a:endParaRPr lang="es-ES" dirty="0" smtClean="0"/>
           </a:p>
         </p:txBody>
       </p:sp>
@@ -10567,6 +10151,32 @@
       </p:sp>
       <p:sp>
         <p:nvSpPr>
+          <p:cNvPr id="12" name="CuadroTexto 11"/>
+          <p:cNvSpPr txBox="1"/>
+          <p:nvPr/>
+        </p:nvSpPr>
+        <p:spPr>
+          <a:xfrm>
+            <a:off x="4788816" y="980388"/>
+            <a:ext cx="3101419" cy="369332"/>
+          </a:xfrm>
+          <a:prstGeom prst="rect">
+            <a:avLst/>
+          </a:prstGeom>
+          <a:noFill/>
+        </p:spPr>
+        <p:txBody>
+          <a:bodyPr wrap="square" rtlCol="0">
+            <a:spAutoFit/>
+          </a:bodyPr>
+          <a:lstStyle/>
+          <a:p>
+            <a:endParaRPr lang="es-ES" dirty="0"/>
+          </a:p>
+        </p:txBody>
+      </p:sp>
+      <p:sp>
+        <p:nvSpPr>
           <p:cNvPr id="16" name="CuadroTexto 15"/>
           <p:cNvSpPr txBox="1"/>
           <p:nvPr/>
@@ -10643,7 +10253,7 @@
     </p:spTree>
     <p:extLst>
       <p:ext uri="{BB962C8B-B14F-4D97-AF65-F5344CB8AC3E}">
-        <p14:creationId xmlns:p14="http://schemas.microsoft.com/office/powerpoint/2010/main" val="842939442"/>
+        <p14:creationId xmlns:p14="http://schemas.microsoft.com/office/powerpoint/2010/main" val="4047009103"/>
       </p:ext>
     </p:extLst>
   </p:cSld>
@@ -10685,8 +10295,8 @@
         </p:nvSpPr>
         <p:spPr>
           <a:xfrm>
-            <a:off x="3516198" y="980388"/>
-            <a:ext cx="7353357" cy="646331"/>
+            <a:off x="2535810" y="980388"/>
+            <a:ext cx="8333745" cy="646331"/>
           </a:xfrm>
           <a:prstGeom prst="rect">
             <a:avLst/>
@@ -10714,12 +10324,20 @@
           <a:p>
             <a:r>
               <a:rPr lang="es-ES" dirty="0" smtClean="0"/>
-              <a:t>Resultado del uso de Google Chart:</a:t>
-            </a:r>
-            <a:endParaRPr lang="es-ES" sz="1200" dirty="0"/>
-          </a:p>
-          <a:p>
+              <a:t>Resultado </a:t>
+            </a:r>
+            <a:r>
+              <a:rPr lang="es-ES" dirty="0" err="1" smtClean="0"/>
+              <a:t>DataTable</a:t>
+            </a:r>
+            <a:r>
+              <a:rPr lang="es-ES" dirty="0" smtClean="0"/>
+              <a:t>:</a:t>
+            </a:r>
             <a:endParaRPr lang="es-ES" dirty="0"/>
+          </a:p>
+          <a:p>
+            <a:endParaRPr lang="es-ES" dirty="0" smtClean="0"/>
           </a:p>
         </p:txBody>
       </p:sp>
@@ -10928,6 +10546,32 @@
           <a:p>
             <a:pPr algn="r"/>
             <a:endParaRPr lang="es-ES" sz="1800" dirty="0"/>
+          </a:p>
+        </p:txBody>
+      </p:sp>
+      <p:sp>
+        <p:nvSpPr>
+          <p:cNvPr id="12" name="CuadroTexto 11"/>
+          <p:cNvSpPr txBox="1"/>
+          <p:nvPr/>
+        </p:nvSpPr>
+        <p:spPr>
+          <a:xfrm>
+            <a:off x="4788816" y="980388"/>
+            <a:ext cx="3101419" cy="369332"/>
+          </a:xfrm>
+          <a:prstGeom prst="rect">
+            <a:avLst/>
+          </a:prstGeom>
+          <a:noFill/>
+        </p:spPr>
+        <p:txBody>
+          <a:bodyPr wrap="square" rtlCol="0">
+            <a:spAutoFit/>
+          </a:bodyPr>
+          <a:lstStyle/>
+          <a:p>
+            <a:endParaRPr lang="es-ES" dirty="0"/>
           </a:p>
         </p:txBody>
       </p:sp>
@@ -11028,8 +10672,8 @@
         </p:blipFill>
         <p:spPr>
           <a:xfrm>
-            <a:off x="3546831" y="1727961"/>
-            <a:ext cx="6925745" cy="4461067"/>
+            <a:off x="1874586" y="1740421"/>
+            <a:ext cx="9656190" cy="5022463"/>
           </a:xfrm>
           <a:prstGeom prst="rect">
             <a:avLst/>
@@ -11039,7 +10683,7 @@
     </p:spTree>
     <p:extLst>
       <p:ext uri="{BB962C8B-B14F-4D97-AF65-F5344CB8AC3E}">
-        <p14:creationId xmlns:p14="http://schemas.microsoft.com/office/powerpoint/2010/main" val="3385782473"/>
+        <p14:creationId xmlns:p14="http://schemas.microsoft.com/office/powerpoint/2010/main" val="2750597480"/>
       </p:ext>
     </p:extLst>
   </p:cSld>
@@ -11082,7 +10726,7 @@
         <p:spPr>
           <a:xfrm>
             <a:off x="3516198" y="980388"/>
-            <a:ext cx="7353357" cy="4154984"/>
+            <a:ext cx="7353357" cy="5724644"/>
           </a:xfrm>
           <a:prstGeom prst="rect">
             <a:avLst/>
@@ -11110,80 +10754,412 @@
           <a:p>
             <a:r>
               <a:rPr lang="es-ES" dirty="0" smtClean="0"/>
-              <a:t>3-Subiendo el proyecto a GitHub mediante el uso de </a:t>
-            </a:r>
-            <a:r>
-              <a:rPr lang="es-ES" dirty="0" err="1" smtClean="0"/>
-              <a:t>Fork</a:t>
+              <a:t>Para el uso de Google Chart:</a:t>
+            </a:r>
+            <a:r>
+              <a:rPr lang="es-ES" dirty="0"/>
+              <a:t> </a:t>
             </a:r>
             <a:r>
               <a:rPr lang="es-ES" dirty="0" smtClean="0"/>
-              <a:t>: Este programa es bastante sencillo, crear una carpeta en local, vincularla al repositorio de GitHub y acto seguido cada cambio que se realice, elemento que se añada o elimine, te va marcando como que dicha carpeta ha sufrido algún cambio.</a:t>
+              <a:t>He realizado el uso de 2 script que usan librerías de Google teniendo que realizar los cambios oportunos.</a:t>
+            </a:r>
+          </a:p>
+          <a:p>
+            <a:r>
+              <a:rPr lang="es-ES" dirty="0"/>
+              <a:t>    </a:t>
+            </a:r>
+            <a:r>
+              <a:rPr lang="es-ES" sz="1200" dirty="0"/>
+              <a:t>&lt;script </a:t>
+            </a:r>
+            <a:r>
+              <a:rPr lang="es-ES" sz="1200" dirty="0" err="1"/>
+              <a:t>type</a:t>
+            </a:r>
+            <a:r>
+              <a:rPr lang="es-ES" sz="1200" dirty="0"/>
+              <a:t>="</a:t>
+            </a:r>
+            <a:r>
+              <a:rPr lang="es-ES" sz="1200" dirty="0" err="1"/>
+              <a:t>text</a:t>
+            </a:r>
+            <a:r>
+              <a:rPr lang="es-ES" sz="1200" dirty="0"/>
+              <a:t>/</a:t>
+            </a:r>
+            <a:r>
+              <a:rPr lang="es-ES" sz="1200" dirty="0" err="1"/>
+              <a:t>javascript</a:t>
+            </a:r>
+            <a:r>
+              <a:rPr lang="es-ES" sz="1200" dirty="0"/>
+              <a:t>" </a:t>
+            </a:r>
+            <a:r>
+              <a:rPr lang="es-ES" sz="1200" dirty="0" err="1"/>
+              <a:t>src</a:t>
+            </a:r>
+            <a:r>
+              <a:rPr lang="es-ES" sz="1200" dirty="0"/>
+              <a:t>="https://www.gstatic.com/charts/loader.js"&gt;&lt;/script&gt;</a:t>
+            </a:r>
+          </a:p>
+          <a:p>
+            <a:r>
+              <a:rPr lang="es-ES" sz="1200" dirty="0"/>
+              <a:t>    &lt;script </a:t>
+            </a:r>
+            <a:r>
+              <a:rPr lang="es-ES" sz="1200" dirty="0" err="1"/>
+              <a:t>type</a:t>
+            </a:r>
+            <a:r>
+              <a:rPr lang="es-ES" sz="1200" dirty="0"/>
+              <a:t>="</a:t>
+            </a:r>
+            <a:r>
+              <a:rPr lang="es-ES" sz="1200" dirty="0" err="1"/>
+              <a:t>text</a:t>
+            </a:r>
+            <a:r>
+              <a:rPr lang="es-ES" sz="1200" dirty="0"/>
+              <a:t>/</a:t>
+            </a:r>
+            <a:r>
+              <a:rPr lang="es-ES" sz="1200" dirty="0" err="1"/>
+              <a:t>javascript</a:t>
+            </a:r>
+            <a:r>
+              <a:rPr lang="es-ES" sz="1200" dirty="0"/>
+              <a:t>"&gt;</a:t>
+            </a:r>
+          </a:p>
+          <a:p>
+            <a:r>
+              <a:rPr lang="es-ES" sz="1200" dirty="0"/>
+              <a:t>        </a:t>
+            </a:r>
+            <a:r>
+              <a:rPr lang="es-ES" sz="1200" dirty="0" err="1"/>
+              <a:t>google.charts.load</a:t>
+            </a:r>
+            <a:r>
+              <a:rPr lang="es-ES" sz="1200" dirty="0"/>
+              <a:t>('</a:t>
+            </a:r>
+            <a:r>
+              <a:rPr lang="es-ES" sz="1200" dirty="0" err="1"/>
+              <a:t>current</a:t>
+            </a:r>
+            <a:r>
+              <a:rPr lang="es-ES" sz="1200" dirty="0"/>
+              <a:t>', {</a:t>
+            </a:r>
+          </a:p>
+          <a:p>
+            <a:r>
+              <a:rPr lang="es-ES" sz="1200" dirty="0"/>
+              <a:t>            '</a:t>
+            </a:r>
+            <a:r>
+              <a:rPr lang="es-ES" sz="1200" dirty="0" err="1"/>
+              <a:t>packages</a:t>
+            </a:r>
+            <a:r>
+              <a:rPr lang="es-ES" sz="1200" dirty="0"/>
+              <a:t>': ['</a:t>
+            </a:r>
+            <a:r>
+              <a:rPr lang="es-ES" sz="1200" dirty="0" err="1"/>
+              <a:t>corechart</a:t>
+            </a:r>
+            <a:r>
+              <a:rPr lang="es-ES" sz="1200" dirty="0"/>
+              <a:t>']</a:t>
+            </a:r>
+          </a:p>
+          <a:p>
+            <a:r>
+              <a:rPr lang="es-ES" sz="1200" dirty="0"/>
+              <a:t>        });</a:t>
+            </a:r>
+          </a:p>
+          <a:p>
+            <a:r>
+              <a:rPr lang="es-ES" sz="1200" dirty="0"/>
+              <a:t>        </a:t>
+            </a:r>
+            <a:r>
+              <a:rPr lang="es-ES" sz="1200" dirty="0" err="1"/>
+              <a:t>google.charts.setOnLoadCallback</a:t>
+            </a:r>
+            <a:r>
+              <a:rPr lang="es-ES" sz="1200" dirty="0"/>
+              <a:t>(</a:t>
+            </a:r>
+            <a:r>
+              <a:rPr lang="es-ES" sz="1200" dirty="0" err="1"/>
+              <a:t>drawChart</a:t>
+            </a:r>
+            <a:r>
+              <a:rPr lang="es-ES" sz="1200" dirty="0"/>
+              <a:t>);</a:t>
+            </a:r>
+          </a:p>
+          <a:p>
+            <a:r>
+              <a:rPr lang="es-ES" sz="1200" dirty="0"/>
+              <a:t>        </a:t>
+            </a:r>
+            <a:r>
+              <a:rPr lang="es-ES" sz="1200" dirty="0" err="1"/>
+              <a:t>function</a:t>
+            </a:r>
+            <a:r>
+              <a:rPr lang="es-ES" sz="1200" dirty="0"/>
+              <a:t> </a:t>
+            </a:r>
+            <a:r>
+              <a:rPr lang="es-ES" sz="1200" dirty="0" err="1"/>
+              <a:t>drawChart</a:t>
+            </a:r>
+            <a:r>
+              <a:rPr lang="es-ES" sz="1200" dirty="0"/>
+              <a:t>() {</a:t>
+            </a:r>
+          </a:p>
+          <a:p>
+            <a:r>
+              <a:rPr lang="es-ES" sz="1200" dirty="0"/>
+              <a:t>            </a:t>
+            </a:r>
+            <a:r>
+              <a:rPr lang="es-ES" sz="1200" dirty="0" err="1"/>
+              <a:t>var</a:t>
+            </a:r>
+            <a:r>
+              <a:rPr lang="es-ES" sz="1200" dirty="0"/>
+              <a:t> data = </a:t>
+            </a:r>
+            <a:r>
+              <a:rPr lang="es-ES" sz="1200" dirty="0" err="1"/>
+              <a:t>google.visualization.arrayToDataTable</a:t>
+            </a:r>
+            <a:r>
+              <a:rPr lang="es-ES" sz="1200" dirty="0"/>
+              <a:t>([</a:t>
+            </a:r>
+          </a:p>
+          <a:p>
+            <a:r>
+              <a:rPr lang="es-ES" sz="1200" dirty="0"/>
+              <a:t>                ['Nombre', 'Cantidad'],</a:t>
+            </a:r>
+          </a:p>
+          <a:p>
+            <a:r>
+              <a:rPr lang="es-ES" sz="1200" dirty="0"/>
+              <a:t>                &lt;?</a:t>
+            </a:r>
+            <a:r>
+              <a:rPr lang="es-ES" sz="1200" dirty="0" err="1"/>
+              <a:t>php</a:t>
+            </a:r>
+            <a:endParaRPr lang="es-ES" sz="1200" dirty="0"/>
+          </a:p>
+          <a:p>
+            <a:r>
+              <a:rPr lang="es-ES" sz="1200" dirty="0"/>
+              <a:t>                </a:t>
+            </a:r>
+            <a:r>
+              <a:rPr lang="es-ES" sz="1200" dirty="0" err="1"/>
+              <a:t>while</a:t>
+            </a:r>
+            <a:r>
+              <a:rPr lang="es-ES" sz="1200" dirty="0"/>
+              <a:t> ($fila = $resultado-&gt;</a:t>
+            </a:r>
+            <a:r>
+              <a:rPr lang="es-ES" sz="1200" dirty="0" err="1"/>
+              <a:t>fetch_array</a:t>
+            </a:r>
+            <a:r>
+              <a:rPr lang="es-ES" sz="1200" dirty="0"/>
+              <a:t>()) {</a:t>
+            </a:r>
+          </a:p>
+          <a:p>
+            <a:r>
+              <a:rPr lang="es-ES" sz="1200" dirty="0"/>
+              <a:t>                    echo "['" . $fila['nombre'] . "',  " . $fila['cantidad'] . "],";</a:t>
+            </a:r>
+          </a:p>
+          <a:p>
+            <a:r>
+              <a:rPr lang="es-ES" sz="1200" dirty="0"/>
+              <a:t>                }</a:t>
+            </a:r>
+          </a:p>
+          <a:p>
+            <a:r>
+              <a:rPr lang="es-ES" sz="1200" dirty="0"/>
+              <a:t>                ?&gt;</a:t>
+            </a:r>
+          </a:p>
+          <a:p>
+            <a:r>
+              <a:rPr lang="es-ES" sz="1200" dirty="0"/>
+              <a:t>            ]);</a:t>
+            </a:r>
+          </a:p>
+          <a:p>
+            <a:r>
+              <a:rPr lang="es-ES" sz="1200" dirty="0"/>
+              <a:t>            </a:t>
+            </a:r>
+            <a:r>
+              <a:rPr lang="es-ES" sz="1200" dirty="0" err="1"/>
+              <a:t>var</a:t>
+            </a:r>
+            <a:r>
+              <a:rPr lang="es-ES" sz="1200" dirty="0"/>
+              <a:t> </a:t>
+            </a:r>
+            <a:r>
+              <a:rPr lang="es-ES" sz="1200" dirty="0" err="1"/>
+              <a:t>options</a:t>
+            </a:r>
+            <a:r>
+              <a:rPr lang="es-ES" sz="1200" dirty="0"/>
+              <a:t> = {</a:t>
+            </a:r>
+          </a:p>
+          <a:p>
+            <a:r>
+              <a:rPr lang="es-ES" sz="1200" dirty="0"/>
+              <a:t>                </a:t>
+            </a:r>
+            <a:r>
+              <a:rPr lang="es-ES" sz="1200" dirty="0" err="1"/>
+              <a:t>title</a:t>
+            </a:r>
+            <a:r>
+              <a:rPr lang="es-ES" sz="1200" dirty="0"/>
+              <a:t>: 'Venta mensual de &lt;?</a:t>
+            </a:r>
+            <a:r>
+              <a:rPr lang="es-ES" sz="1200" dirty="0" err="1"/>
+              <a:t>php</a:t>
+            </a:r>
+            <a:r>
+              <a:rPr lang="es-ES" sz="1200" dirty="0"/>
+              <a:t> echo $tipo ?&gt; en el mes de &lt;?</a:t>
+            </a:r>
+            <a:r>
+              <a:rPr lang="es-ES" sz="1200" dirty="0" err="1"/>
+              <a:t>php</a:t>
+            </a:r>
+            <a:r>
+              <a:rPr lang="es-ES" sz="1200" dirty="0"/>
+              <a:t> echo $</a:t>
+            </a:r>
+            <a:r>
+              <a:rPr lang="es-ES" sz="1200" dirty="0" err="1"/>
+              <a:t>nombreMes</a:t>
+            </a:r>
+            <a:r>
+              <a:rPr lang="es-ES" sz="1200" dirty="0"/>
+              <a:t> ?&gt;'</a:t>
+            </a:r>
+          </a:p>
+          <a:p>
+            <a:r>
+              <a:rPr lang="es-ES" sz="1200" dirty="0"/>
+              <a:t>            };</a:t>
+            </a:r>
+          </a:p>
+          <a:p>
+            <a:r>
+              <a:rPr lang="es-ES" sz="1200" dirty="0"/>
+              <a:t>            </a:t>
+            </a:r>
+            <a:r>
+              <a:rPr lang="es-ES" sz="1200" dirty="0" err="1"/>
+              <a:t>var</a:t>
+            </a:r>
+            <a:r>
+              <a:rPr lang="es-ES" sz="1200" dirty="0"/>
+              <a:t> chart = new </a:t>
+            </a:r>
+            <a:r>
+              <a:rPr lang="es-ES" sz="1200" dirty="0" err="1"/>
+              <a:t>google.visualization.PieChart</a:t>
+            </a:r>
+            <a:r>
+              <a:rPr lang="es-ES" sz="1200" dirty="0"/>
+              <a:t>(</a:t>
+            </a:r>
+            <a:r>
+              <a:rPr lang="es-ES" sz="1200" dirty="0" err="1"/>
+              <a:t>document.getElementById</a:t>
+            </a:r>
+            <a:r>
+              <a:rPr lang="es-ES" sz="1200" dirty="0"/>
+              <a:t>('</a:t>
+            </a:r>
+            <a:r>
+              <a:rPr lang="es-ES" sz="1200" dirty="0" err="1"/>
+              <a:t>piechart</a:t>
+            </a:r>
+            <a:r>
+              <a:rPr lang="es-ES" sz="1200" dirty="0"/>
+              <a:t>'));</a:t>
+            </a:r>
+          </a:p>
+          <a:p>
+            <a:r>
+              <a:rPr lang="es-ES" sz="1200" dirty="0"/>
+              <a:t/>
             </a:r>
             <a:br>
-              <a:rPr lang="es-ES" dirty="0" smtClean="0"/>
+              <a:rPr lang="es-ES" sz="1200" dirty="0"/>
             </a:br>
             <a:r>
-              <a:rPr lang="es-ES" dirty="0" smtClean="0"/>
-              <a:t/>
-            </a:r>
-            <a:br>
-              <a:rPr lang="es-ES" dirty="0" smtClean="0"/>
-            </a:br>
-            <a:r>
-              <a:rPr lang="es-ES" dirty="0" smtClean="0"/>
-              <a:t>Se le hace un </a:t>
-            </a:r>
-            <a:r>
-              <a:rPr lang="es-ES" dirty="0" err="1" smtClean="0"/>
-              <a:t>Stage</a:t>
-            </a:r>
-            <a:r>
-              <a:rPr lang="es-ES" dirty="0" smtClean="0"/>
-              <a:t> a los cambios para confirmar que son los archivos que se quieren subir, seguido de un </a:t>
-            </a:r>
-            <a:r>
-              <a:rPr lang="es-ES" dirty="0" err="1" smtClean="0"/>
-              <a:t>commit</a:t>
-            </a:r>
-            <a:r>
-              <a:rPr lang="es-ES" dirty="0" smtClean="0"/>
-              <a:t> que irá acompañado de la frase del mismo y por último un </a:t>
-            </a:r>
-            <a:r>
-              <a:rPr lang="es-ES" dirty="0" err="1" smtClean="0"/>
-              <a:t>push</a:t>
-            </a:r>
-            <a:r>
-              <a:rPr lang="es-ES" dirty="0" smtClean="0"/>
-              <a:t> de los mismos.</a:t>
-            </a:r>
-          </a:p>
-          <a:p>
-            <a:endParaRPr lang="es-ES" sz="1200" dirty="0"/>
-          </a:p>
-          <a:p>
-            <a:r>
-              <a:rPr lang="es-ES" dirty="0" smtClean="0"/>
-              <a:t>Estos cambios no solamente se pueden llevar a cabo a través de </a:t>
-            </a:r>
-            <a:r>
-              <a:rPr lang="es-ES" dirty="0" err="1" smtClean="0"/>
-              <a:t>Fork,sino</a:t>
-            </a:r>
-            <a:r>
-              <a:rPr lang="es-ES" dirty="0" smtClean="0"/>
-              <a:t> que también además, podemos realizarlos a través de Visual Studio </a:t>
-            </a:r>
-            <a:r>
-              <a:rPr lang="es-ES" dirty="0" err="1" smtClean="0"/>
-              <a:t>code</a:t>
-            </a:r>
-            <a:r>
-              <a:rPr lang="es-ES" dirty="0" smtClean="0"/>
-              <a:t>.</a:t>
-            </a:r>
-            <a:endParaRPr lang="es-ES" dirty="0"/>
+              <a:rPr lang="es-ES" sz="1200" dirty="0"/>
+              <a:t>            </a:t>
+            </a:r>
+            <a:r>
+              <a:rPr lang="es-ES" sz="1200" dirty="0" err="1"/>
+              <a:t>chart.draw</a:t>
+            </a:r>
+            <a:r>
+              <a:rPr lang="es-ES" sz="1200" dirty="0"/>
+              <a:t>(data, </a:t>
+            </a:r>
+            <a:r>
+              <a:rPr lang="es-ES" sz="1200" dirty="0" err="1"/>
+              <a:t>options</a:t>
+            </a:r>
+            <a:r>
+              <a:rPr lang="es-ES" sz="1200" dirty="0"/>
+              <a:t>);</a:t>
+            </a:r>
+          </a:p>
+          <a:p>
+            <a:r>
+              <a:rPr lang="es-ES" sz="1200" dirty="0"/>
+              <a:t>        }</a:t>
+            </a:r>
+          </a:p>
+          <a:p>
+            <a:r>
+              <a:rPr lang="es-ES" sz="1200" dirty="0"/>
+              <a:t>    &lt;/script&gt;</a:t>
+            </a:r>
           </a:p>
           <a:p>
             <a:endParaRPr lang="es-ES" dirty="0"/>
@@ -11476,7 +11452,7 @@
     </p:spTree>
     <p:extLst>
       <p:ext uri="{BB962C8B-B14F-4D97-AF65-F5344CB8AC3E}">
-        <p14:creationId xmlns:p14="http://schemas.microsoft.com/office/powerpoint/2010/main" val="2755580835"/>
+        <p14:creationId xmlns:p14="http://schemas.microsoft.com/office/powerpoint/2010/main" val="842939442"/>
       </p:ext>
     </p:extLst>
   </p:cSld>
@@ -11547,13 +11523,9 @@
           <a:p>
             <a:r>
               <a:rPr lang="es-ES" dirty="0" smtClean="0"/>
-              <a:t>Cambios mediante </a:t>
-            </a:r>
-            <a:r>
-              <a:rPr lang="es-ES" dirty="0" err="1" smtClean="0"/>
-              <a:t>Fork</a:t>
-            </a:r>
-            <a:endParaRPr lang="es-ES" dirty="0"/>
+              <a:t>Resultado del uso de Google Chart:</a:t>
+            </a:r>
+            <a:endParaRPr lang="es-ES" sz="1200" dirty="0"/>
           </a:p>
           <a:p>
             <a:endParaRPr lang="es-ES" dirty="0"/>
@@ -11865,8 +11837,8 @@
         </p:blipFill>
         <p:spPr>
           <a:xfrm>
-            <a:off x="2158739" y="1670204"/>
-            <a:ext cx="9288544" cy="4941951"/>
+            <a:off x="3546831" y="1727961"/>
+            <a:ext cx="6925745" cy="4461067"/>
           </a:xfrm>
           <a:prstGeom prst="rect">
             <a:avLst/>
@@ -11876,7 +11848,7 @@
     </p:spTree>
     <p:extLst>
       <p:ext uri="{BB962C8B-B14F-4D97-AF65-F5344CB8AC3E}">
-        <p14:creationId xmlns:p14="http://schemas.microsoft.com/office/powerpoint/2010/main" val="998579345"/>
+        <p14:creationId xmlns:p14="http://schemas.microsoft.com/office/powerpoint/2010/main" val="3385782473"/>
       </p:ext>
     </p:extLst>
   </p:cSld>
@@ -11919,7 +11891,7 @@
         <p:spPr>
           <a:xfrm>
             <a:off x="3516198" y="980388"/>
-            <a:ext cx="7353357" cy="646331"/>
+            <a:ext cx="7353357" cy="4154984"/>
           </a:xfrm>
           <a:prstGeom prst="rect">
             <a:avLst/>
@@ -11947,11 +11919,78 @@
           <a:p>
             <a:r>
               <a:rPr lang="es-ES" dirty="0" smtClean="0"/>
-              <a:t>Cambios mediante Visual Studio </a:t>
+              <a:t>3-Subiendo el proyecto a GitHub mediante el uso de </a:t>
             </a:r>
             <a:r>
               <a:rPr lang="es-ES" dirty="0" err="1" smtClean="0"/>
-              <a:t>Code</a:t>
+              <a:t>Fork</a:t>
+            </a:r>
+            <a:r>
+              <a:rPr lang="es-ES" dirty="0" smtClean="0"/>
+              <a:t>: Este programa es bastante sencillo, crear una carpeta en local, vincularla al repositorio de GitHub y acto seguido cada cambio que se realice, elemento que se añada o elimine, te va marcando como que dicha carpeta ha sufrido algún cambio.</a:t>
+            </a:r>
+            <a:br>
+              <a:rPr lang="es-ES" dirty="0" smtClean="0"/>
+            </a:br>
+            <a:r>
+              <a:rPr lang="es-ES" dirty="0" smtClean="0"/>
+              <a:t/>
+            </a:r>
+            <a:br>
+              <a:rPr lang="es-ES" dirty="0" smtClean="0"/>
+            </a:br>
+            <a:r>
+              <a:rPr lang="es-ES" dirty="0" smtClean="0"/>
+              <a:t>Se le hace un </a:t>
+            </a:r>
+            <a:r>
+              <a:rPr lang="es-ES" dirty="0" err="1" smtClean="0"/>
+              <a:t>Stage</a:t>
+            </a:r>
+            <a:r>
+              <a:rPr lang="es-ES" dirty="0" smtClean="0"/>
+              <a:t> a los cambios para confirmar que son los archivos que se quieren subir, seguido de un </a:t>
+            </a:r>
+            <a:r>
+              <a:rPr lang="es-ES" dirty="0" err="1" smtClean="0"/>
+              <a:t>commit</a:t>
+            </a:r>
+            <a:r>
+              <a:rPr lang="es-ES" dirty="0" smtClean="0"/>
+              <a:t> que irá acompañado de la frase del mismo y por último un </a:t>
+            </a:r>
+            <a:r>
+              <a:rPr lang="es-ES" dirty="0" err="1" smtClean="0"/>
+              <a:t>push</a:t>
+            </a:r>
+            <a:r>
+              <a:rPr lang="es-ES" dirty="0" smtClean="0"/>
+              <a:t> de los mismos.</a:t>
+            </a:r>
+          </a:p>
+          <a:p>
+            <a:endParaRPr lang="es-ES" sz="1200" dirty="0"/>
+          </a:p>
+          <a:p>
+            <a:r>
+              <a:rPr lang="es-ES" dirty="0" smtClean="0"/>
+              <a:t>Estos cambios no solamente se pueden llevar a cabo a través de </a:t>
+            </a:r>
+            <a:r>
+              <a:rPr lang="es-ES" dirty="0" err="1" smtClean="0"/>
+              <a:t>Fork,sino</a:t>
+            </a:r>
+            <a:r>
+              <a:rPr lang="es-ES" dirty="0" smtClean="0"/>
+              <a:t> que también además, podemos realizarlos a través de Visual Studio </a:t>
+            </a:r>
+            <a:r>
+              <a:rPr lang="es-ES" dirty="0" err="1" smtClean="0"/>
+              <a:t>code</a:t>
+            </a:r>
+            <a:r>
+              <a:rPr lang="es-ES" dirty="0" smtClean="0"/>
+              <a:t>.</a:t>
             </a:r>
             <a:endParaRPr lang="es-ES" dirty="0"/>
           </a:p>
@@ -12243,40 +12282,10 @@
           </a:p>
         </p:txBody>
       </p:sp>
-      <p:pic>
-        <p:nvPicPr>
-          <p:cNvPr id="4" name="Imagen 3"/>
-          <p:cNvPicPr>
-            <a:picLocks noChangeAspect="1"/>
-          </p:cNvPicPr>
-          <p:nvPr/>
-        </p:nvPicPr>
-        <p:blipFill>
-          <a:blip r:embed="rId2">
-            <a:extLst>
-              <a:ext uri="{28A0092B-C50C-407E-A947-70E740481C1C}">
-                <a14:useLocalDpi xmlns:a14="http://schemas.microsoft.com/office/drawing/2010/main" val="0"/>
-              </a:ext>
-            </a:extLst>
-          </a:blip>
-          <a:stretch>
-            <a:fillRect/>
-          </a:stretch>
-        </p:blipFill>
-        <p:spPr>
-          <a:xfrm>
-            <a:off x="2149311" y="1770873"/>
-            <a:ext cx="9137715" cy="5007100"/>
-          </a:xfrm>
-          <a:prstGeom prst="rect">
-            <a:avLst/>
-          </a:prstGeom>
-        </p:spPr>
-      </p:pic>
     </p:spTree>
     <p:extLst>
       <p:ext uri="{BB962C8B-B14F-4D97-AF65-F5344CB8AC3E}">
-        <p14:creationId xmlns:p14="http://schemas.microsoft.com/office/powerpoint/2010/main" val="409328548"/>
+        <p14:creationId xmlns:p14="http://schemas.microsoft.com/office/powerpoint/2010/main" val="2755580835"/>
       </p:ext>
     </p:extLst>
   </p:cSld>
@@ -12319,7 +12328,7 @@
         <p:spPr>
           <a:xfrm>
             <a:off x="3516198" y="980388"/>
-            <a:ext cx="7353357" cy="5632311"/>
+            <a:ext cx="7353357" cy="646331"/>
           </a:xfrm>
           <a:prstGeom prst="rect">
             <a:avLst/>
@@ -12347,160 +12356,13 @@
           <a:p>
             <a:r>
               <a:rPr lang="es-ES" dirty="0" smtClean="0"/>
-              <a:t>4-Creación de máquina virtual en </a:t>
+              <a:t>Cambios mediante </a:t>
             </a:r>
             <a:r>
               <a:rPr lang="es-ES" dirty="0" err="1" smtClean="0"/>
-              <a:t>Azure</a:t>
-            </a:r>
-            <a:r>
-              <a:rPr lang="es-ES" dirty="0" smtClean="0"/>
-              <a:t> y creación de dominio en </a:t>
-            </a:r>
-            <a:r>
-              <a:rPr lang="es-ES" dirty="0" err="1" smtClean="0"/>
-              <a:t>Freenom</a:t>
-            </a:r>
-            <a:r>
-              <a:rPr lang="es-ES" dirty="0" smtClean="0"/>
-              <a:t>:</a:t>
-            </a:r>
-          </a:p>
-          <a:p>
+              <a:t>Fork</a:t>
+            </a:r>
             <a:endParaRPr lang="es-ES" dirty="0"/>
-          </a:p>
-          <a:p>
-            <a:r>
-              <a:rPr lang="es-ES" dirty="0" smtClean="0"/>
-              <a:t>Ya que tengo una cuenta </a:t>
-            </a:r>
-            <a:r>
-              <a:rPr lang="es-ES" dirty="0" err="1" smtClean="0"/>
-              <a:t>Azure</a:t>
-            </a:r>
-            <a:r>
-              <a:rPr lang="es-ES" dirty="0" smtClean="0"/>
-              <a:t>, procedo a crear una Máquina virtual llamada </a:t>
-            </a:r>
-            <a:r>
-              <a:rPr lang="es-ES" dirty="0" err="1" smtClean="0"/>
-              <a:t>tartessosburguer</a:t>
-            </a:r>
-            <a:r>
-              <a:rPr lang="es-ES" dirty="0" smtClean="0"/>
-              <a:t> en la cual elaboraré el proyecto. Le abrí el puerto 10000 para instalar </a:t>
-            </a:r>
-            <a:r>
-              <a:rPr lang="es-ES" dirty="0" err="1" smtClean="0"/>
-              <a:t>Webmin</a:t>
-            </a:r>
-            <a:r>
-              <a:rPr lang="es-ES" dirty="0" smtClean="0"/>
-              <a:t> además del puerto 80.</a:t>
-            </a:r>
-            <a:br>
-              <a:rPr lang="es-ES" dirty="0" smtClean="0"/>
-            </a:br>
-            <a:r>
-              <a:rPr lang="es-ES" dirty="0" smtClean="0"/>
-              <a:t/>
-            </a:r>
-            <a:br>
-              <a:rPr lang="es-ES" dirty="0" smtClean="0"/>
-            </a:br>
-            <a:r>
-              <a:rPr lang="es-ES" dirty="0" smtClean="0"/>
-              <a:t>Vinculé esta maquina virtual a un dominio creado en </a:t>
-            </a:r>
-            <a:r>
-              <a:rPr lang="es-ES" dirty="0" err="1" smtClean="0"/>
-              <a:t>Freenom</a:t>
-            </a:r>
-            <a:r>
-              <a:rPr lang="es-ES" dirty="0" smtClean="0"/>
-              <a:t> e instalé los distintos módulos en </a:t>
-            </a:r>
-            <a:r>
-              <a:rPr lang="es-ES" dirty="0" err="1" smtClean="0"/>
-              <a:t>Webmin</a:t>
-            </a:r>
-            <a:r>
-              <a:rPr lang="es-ES" dirty="0" smtClean="0"/>
-              <a:t> que iba a necesitar</a:t>
-            </a:r>
-          </a:p>
-          <a:p>
-            <a:endParaRPr lang="es-ES" dirty="0"/>
-          </a:p>
-          <a:p>
-            <a:r>
-              <a:rPr lang="es-ES" dirty="0" smtClean="0"/>
-              <a:t>Una vez realizado esto, creé un usuario, cree una base de datos dándole permisos a este usuario para poder gestionarla.</a:t>
-            </a:r>
-            <a:br>
-              <a:rPr lang="es-ES" dirty="0" smtClean="0"/>
-            </a:br>
-            <a:r>
-              <a:rPr lang="es-ES" dirty="0" smtClean="0"/>
-              <a:t/>
-            </a:r>
-            <a:br>
-              <a:rPr lang="es-ES" dirty="0" smtClean="0"/>
-            </a:br>
-            <a:r>
-              <a:rPr lang="es-ES" dirty="0" smtClean="0"/>
-              <a:t>Una vez realizado esto, entré en la carpeta </a:t>
-            </a:r>
-            <a:r>
-              <a:rPr lang="es-ES" dirty="0" err="1" smtClean="0"/>
-              <a:t>var</a:t>
-            </a:r>
-            <a:r>
-              <a:rPr lang="es-ES" dirty="0" smtClean="0"/>
-              <a:t> -&gt; www -&gt; </a:t>
-            </a:r>
-            <a:r>
-              <a:rPr lang="es-ES" dirty="0" err="1" smtClean="0"/>
-              <a:t>html</a:t>
-            </a:r>
-            <a:r>
-              <a:rPr lang="es-ES" dirty="0" smtClean="0"/>
-              <a:t> y subí a dicha carpeta todos los archivos de mi proyecto.</a:t>
-            </a:r>
-          </a:p>
-          <a:p>
-            <a:endParaRPr lang="es-ES" dirty="0"/>
-          </a:p>
-          <a:p>
-            <a:r>
-              <a:rPr lang="es-ES" dirty="0" smtClean="0">
-                <a:solidFill>
-                  <a:srgbClr val="FF0000"/>
-                </a:solidFill>
-              </a:rPr>
-              <a:t>*Tuve que realizar cambios en la hora del servidor y en consulta del servidor </a:t>
-            </a:r>
-            <a:r>
-              <a:rPr lang="es-ES" dirty="0" err="1" smtClean="0">
-                <a:solidFill>
-                  <a:srgbClr val="FF0000"/>
-                </a:solidFill>
-              </a:rPr>
-              <a:t>mysql</a:t>
-            </a:r>
-            <a:r>
-              <a:rPr lang="es-ES" dirty="0" smtClean="0">
-                <a:solidFill>
-                  <a:srgbClr val="FF0000"/>
-                </a:solidFill>
-              </a:rPr>
-              <a:t>.</a:t>
-            </a:r>
-            <a:endParaRPr lang="es-ES" dirty="0">
-              <a:solidFill>
-                <a:srgbClr val="FF0000"/>
-              </a:solidFill>
-            </a:endParaRPr>
           </a:p>
           <a:p>
             <a:endParaRPr lang="es-ES" dirty="0"/>
@@ -12790,10 +12652,40 @@
           </a:p>
         </p:txBody>
       </p:sp>
+      <p:pic>
+        <p:nvPicPr>
+          <p:cNvPr id="3" name="Imagen 2"/>
+          <p:cNvPicPr>
+            <a:picLocks noChangeAspect="1"/>
+          </p:cNvPicPr>
+          <p:nvPr/>
+        </p:nvPicPr>
+        <p:blipFill>
+          <a:blip r:embed="rId2">
+            <a:extLst>
+              <a:ext uri="{28A0092B-C50C-407E-A947-70E740481C1C}">
+                <a14:useLocalDpi xmlns:a14="http://schemas.microsoft.com/office/drawing/2010/main" val="0"/>
+              </a:ext>
+            </a:extLst>
+          </a:blip>
+          <a:stretch>
+            <a:fillRect/>
+          </a:stretch>
+        </p:blipFill>
+        <p:spPr>
+          <a:xfrm>
+            <a:off x="2158739" y="1670204"/>
+            <a:ext cx="9288544" cy="4941951"/>
+          </a:xfrm>
+          <a:prstGeom prst="rect">
+            <a:avLst/>
+          </a:prstGeom>
+        </p:spPr>
+      </p:pic>
     </p:spTree>
     <p:extLst>
       <p:ext uri="{BB962C8B-B14F-4D97-AF65-F5344CB8AC3E}">
-        <p14:creationId xmlns:p14="http://schemas.microsoft.com/office/powerpoint/2010/main" val="1382512907"/>
+        <p14:creationId xmlns:p14="http://schemas.microsoft.com/office/powerpoint/2010/main" val="998579345"/>
       </p:ext>
     </p:extLst>
   </p:cSld>
@@ -12829,6 +12721,95 @@
       </p:grpSpPr>
       <p:sp>
         <p:nvSpPr>
+          <p:cNvPr id="2" name="CuadroTexto 1"/>
+          <p:cNvSpPr txBox="1"/>
+          <p:nvPr/>
+        </p:nvSpPr>
+        <p:spPr>
+          <a:xfrm>
+            <a:off x="2535810" y="980388"/>
+            <a:ext cx="8333745" cy="2308324"/>
+          </a:xfrm>
+          <a:prstGeom prst="rect">
+            <a:avLst/>
+          </a:prstGeom>
+        </p:spPr>
+        <p:style>
+          <a:lnRef idx="2">
+            <a:schemeClr val="dk1"/>
+          </a:lnRef>
+          <a:fillRef idx="1">
+            <a:schemeClr val="lt1"/>
+          </a:fillRef>
+          <a:effectRef idx="0">
+            <a:schemeClr val="dk1"/>
+          </a:effectRef>
+          <a:fontRef idx="minor">
+            <a:schemeClr val="dk1"/>
+          </a:fontRef>
+        </p:style>
+        <p:txBody>
+          <a:bodyPr wrap="square" rtlCol="0">
+            <a:spAutoFit/>
+          </a:bodyPr>
+          <a:lstStyle/>
+          <a:p>
+            <a:r>
+              <a:rPr lang="es-ES" b="1" dirty="0" smtClean="0"/>
+              <a:t>Tipo de Empresa: </a:t>
+            </a:r>
+            <a:r>
+              <a:rPr lang="es-ES" dirty="0" smtClean="0"/>
+              <a:t>Sociedad limitada</a:t>
+            </a:r>
+          </a:p>
+          <a:p>
+            <a:r>
+              <a:rPr lang="es-ES" dirty="0" smtClean="0"/>
+              <a:t>		+Se puede constituir en pocos días.</a:t>
+            </a:r>
+          </a:p>
+          <a:p>
+            <a:r>
+              <a:rPr lang="es-ES" dirty="0"/>
+              <a:t>	</a:t>
+            </a:r>
+            <a:r>
+              <a:rPr lang="es-ES" dirty="0" smtClean="0"/>
+              <a:t>	+Ofrecen mejor figura financiera y  profesional 			otorgando beneficios en la búsqueda de inversores.</a:t>
+            </a:r>
+          </a:p>
+          <a:p>
+            <a:r>
+              <a:rPr lang="es-ES" dirty="0"/>
+              <a:t>	</a:t>
+            </a:r>
+            <a:r>
+              <a:rPr lang="es-ES" dirty="0" smtClean="0"/>
+              <a:t>	+Tributan  por el Impuesto de sociedades aplicándose</a:t>
+            </a:r>
+          </a:p>
+          <a:p>
+            <a:r>
+              <a:rPr lang="es-ES" dirty="0"/>
+              <a:t>	</a:t>
+            </a:r>
+            <a:r>
+              <a:rPr lang="es-ES" dirty="0" smtClean="0"/>
+              <a:t>	un tipo fijo del 25%.</a:t>
+            </a:r>
+            <a:endParaRPr lang="es-ES" dirty="0" smtClean="0"/>
+          </a:p>
+          <a:p>
+            <a:endParaRPr lang="es-ES" dirty="0" smtClean="0"/>
+          </a:p>
+          <a:p>
+            <a:endParaRPr lang="es-ES" dirty="0"/>
+          </a:p>
+        </p:txBody>
+      </p:sp>
+      <p:sp>
+        <p:nvSpPr>
           <p:cNvPr id="5" name="Título 1"/>
           <p:cNvSpPr txBox="1">
             <a:spLocks/>
@@ -12837,7 +12818,7 @@
         </p:nvSpPr>
         <p:spPr>
           <a:xfrm>
-            <a:off x="-7257865" y="2621772"/>
+            <a:off x="-7275944" y="2641425"/>
             <a:ext cx="8915399" cy="2262781"/>
           </a:xfrm>
           <a:prstGeom prst="rect">
@@ -12943,7 +12924,7 @@
         </p:nvSpPr>
         <p:spPr>
           <a:xfrm>
-            <a:off x="1458799" y="816642"/>
+            <a:off x="1098014" y="750001"/>
             <a:ext cx="8915399" cy="2262781"/>
           </a:xfrm>
           <a:prstGeom prst="rect">
@@ -13069,8 +13050,8 @@
         </p:nvSpPr>
         <p:spPr>
           <a:xfrm>
-            <a:off x="1856270" y="142902"/>
-            <a:ext cx="10552545" cy="646331"/>
+            <a:off x="1426409" y="173143"/>
+            <a:ext cx="10552545" cy="923330"/>
           </a:xfrm>
           <a:prstGeom prst="rect">
             <a:avLst/>
@@ -13086,48 +13067,587 @@
             <a:pPr algn="ctr"/>
             <a:r>
               <a:rPr lang="es-ES" b="1" dirty="0" smtClean="0"/>
-              <a:t>MODELO ENTIDAD RELACIÓN:</a:t>
-            </a:r>
+              <a:t>PROYECTO EMPRESARIAL:</a:t>
+            </a:r>
+            <a:endParaRPr lang="es-ES" b="1" dirty="0" smtClean="0"/>
           </a:p>
           <a:p>
             <a:endParaRPr lang="es-ES" dirty="0"/>
           </a:p>
-        </p:txBody>
-      </p:sp>
-      <p:pic>
-        <p:nvPicPr>
-          <p:cNvPr id="2" name="Imagen 1"/>
-          <p:cNvPicPr>
-            <a:picLocks noChangeAspect="1"/>
-          </p:cNvPicPr>
+          <a:p>
+            <a:endParaRPr lang="es-ES" dirty="0"/>
+          </a:p>
+        </p:txBody>
+      </p:sp>
+      <p:sp>
+        <p:nvSpPr>
+          <p:cNvPr id="8" name="AutoShape 14" descr="How to install Helppier on your Bubble.io application – Helppier"/>
+          <p:cNvSpPr>
+            <a:spLocks noChangeAspect="1" noChangeArrowheads="1"/>
+          </p:cNvSpPr>
           <p:nvPr/>
-        </p:nvPicPr>
-        <p:blipFill>
-          <a:blip r:embed="rId2" cstate="print">
-            <a:extLst>
-              <a:ext uri="{28A0092B-C50C-407E-A947-70E740481C1C}">
-                <a14:useLocalDpi xmlns:a14="http://schemas.microsoft.com/office/drawing/2010/main" val="0"/>
-              </a:ext>
-            </a:extLst>
-          </a:blip>
-          <a:stretch>
-            <a:fillRect/>
-          </a:stretch>
-        </p:blipFill>
-        <p:spPr>
+        </p:nvSpPr>
+        <p:spPr bwMode="auto">
           <a:xfrm>
-            <a:off x="2050654" y="1513466"/>
-            <a:ext cx="9676289" cy="3828365"/>
+            <a:off x="155575" y="-144463"/>
+            <a:ext cx="1884878" cy="1884884"/>
           </a:xfrm>
           <a:prstGeom prst="rect">
             <a:avLst/>
           </a:prstGeom>
-        </p:spPr>
-      </p:pic>
+          <a:noFill/>
+          <a:extLst>
+            <a:ext uri="{909E8E84-426E-40DD-AFC4-6F175D3DCCD1}">
+              <a14:hiddenFill xmlns:a14="http://schemas.microsoft.com/office/drawing/2010/main">
+                <a:solidFill>
+                  <a:srgbClr val="FFFFFF"/>
+                </a:solidFill>
+              </a14:hiddenFill>
+            </a:ext>
+          </a:extLst>
+        </p:spPr>
+        <p:txBody>
+          <a:bodyPr vert="horz" wrap="square" lIns="91440" tIns="45720" rIns="91440" bIns="45720" numCol="1" anchor="t" anchorCtr="0" compatLnSpc="1">
+            <a:prstTxWarp prst="textNoShape">
+              <a:avLst/>
+            </a:prstTxWarp>
+          </a:bodyPr>
+          <a:lstStyle/>
+          <a:p>
+            <a:endParaRPr lang="es-ES"/>
+          </a:p>
+        </p:txBody>
+      </p:sp>
+      <p:graphicFrame>
+        <p:nvGraphicFramePr>
+          <p:cNvPr id="4" name="Tabla 3"/>
+          <p:cNvGraphicFramePr>
+            <a:graphicFrameLocks noGrp="1"/>
+          </p:cNvGraphicFramePr>
+          <p:nvPr>
+            <p:extLst>
+              <p:ext uri="{D42A27DB-BD31-4B8C-83A1-F6EECF244321}">
+                <p14:modId xmlns:p14="http://schemas.microsoft.com/office/powerpoint/2010/main" val="2778081573"/>
+              </p:ext>
+            </p:extLst>
+          </p:nvPr>
+        </p:nvGraphicFramePr>
+        <p:xfrm>
+          <a:off x="2638681" y="3423386"/>
+          <a:ext cx="8128000" cy="2961640"/>
+        </p:xfrm>
+        <a:graphic>
+          <a:graphicData uri="http://schemas.openxmlformats.org/drawingml/2006/table">
+            <a:tbl>
+              <a:tblPr firstRow="1" bandRow="1">
+                <a:tableStyleId>{5C22544A-7EE6-4342-B048-85BDC9FD1C3A}</a:tableStyleId>
+              </a:tblPr>
+              <a:tblGrid>
+                <a:gridCol w="4064000">
+                  <a:extLst>
+                    <a:ext uri="{9D8B030D-6E8A-4147-A177-3AD203B41FA5}">
+                      <a16:colId xmlns:a16="http://schemas.microsoft.com/office/drawing/2014/main" val="2076497441"/>
+                    </a:ext>
+                  </a:extLst>
+                </a:gridCol>
+                <a:gridCol w="4064000">
+                  <a:extLst>
+                    <a:ext uri="{9D8B030D-6E8A-4147-A177-3AD203B41FA5}">
+                      <a16:colId xmlns:a16="http://schemas.microsoft.com/office/drawing/2014/main" val="2150786893"/>
+                    </a:ext>
+                  </a:extLst>
+                </a:gridCol>
+              </a:tblGrid>
+              <a:tr h="331160">
+                <a:tc>
+                  <a:txBody>
+                    <a:bodyPr/>
+                    <a:lstStyle/>
+                    <a:p>
+                      <a:pPr algn="ctr"/>
+                      <a:r>
+                        <a:rPr lang="es-ES" dirty="0" smtClean="0"/>
+                        <a:t>GASTOS</a:t>
+                      </a:r>
+                      <a:endParaRPr lang="es-ES" dirty="0"/>
+                    </a:p>
+                  </a:txBody>
+                  <a:tcPr/>
+                </a:tc>
+                <a:tc>
+                  <a:txBody>
+                    <a:bodyPr/>
+                    <a:lstStyle/>
+                    <a:p>
+                      <a:pPr algn="ctr"/>
+                      <a:r>
+                        <a:rPr lang="es-ES" sz="1800" b="1" i="0" kern="1200" dirty="0" smtClean="0">
+                          <a:solidFill>
+                            <a:schemeClr val="lt1"/>
+                          </a:solidFill>
+                          <a:effectLst/>
+                          <a:latin typeface="+mn-lt"/>
+                          <a:ea typeface="+mn-ea"/>
+                          <a:cs typeface="+mn-cs"/>
+                        </a:rPr>
+                        <a:t>€</a:t>
+                      </a:r>
+                      <a:endParaRPr lang="es-ES" dirty="0"/>
+                    </a:p>
+                  </a:txBody>
+                  <a:tcPr/>
+                </a:tc>
+                <a:extLst>
+                  <a:ext uri="{0D108BD9-81ED-4DB2-BD59-A6C34878D82A}">
+                    <a16:rowId xmlns:a16="http://schemas.microsoft.com/office/drawing/2014/main" val="1178584191"/>
+                  </a:ext>
+                </a:extLst>
+              </a:tr>
+              <a:tr h="370840">
+                <a:tc>
+                  <a:txBody>
+                    <a:bodyPr/>
+                    <a:lstStyle/>
+                    <a:p>
+                      <a:pPr algn="ctr">
+                        <a:lnSpc>
+                          <a:spcPct val="107000"/>
+                        </a:lnSpc>
+                        <a:spcAft>
+                          <a:spcPts val="0"/>
+                        </a:spcAft>
+                      </a:pPr>
+                      <a:r>
+                        <a:rPr lang="es-ES" sz="1800" dirty="0">
+                          <a:effectLst/>
+                          <a:latin typeface="Century Gothic (Cuerpo)"/>
+                          <a:ea typeface="Times New Roman" panose="02020603050405020304" pitchFamily="18" charset="0"/>
+                          <a:cs typeface="Calibri" panose="020F0502020204030204" pitchFamily="34" charset="0"/>
+                        </a:rPr>
+                        <a:t>Adecuación del local</a:t>
+                      </a:r>
+                    </a:p>
+                  </a:txBody>
+                  <a:tcPr marL="68580" marR="68580" marT="0" marB="0"/>
+                </a:tc>
+                <a:tc>
+                  <a:txBody>
+                    <a:bodyPr/>
+                    <a:lstStyle/>
+                    <a:p>
+                      <a:pPr algn="ctr">
+                        <a:lnSpc>
+                          <a:spcPct val="107000"/>
+                        </a:lnSpc>
+                        <a:spcAft>
+                          <a:spcPts val="0"/>
+                        </a:spcAft>
+                      </a:pPr>
+                      <a:r>
+                        <a:rPr lang="es-ES" sz="1800" dirty="0" smtClean="0">
+                          <a:effectLst/>
+                          <a:latin typeface="Century Gothic (Cuerpo)"/>
+                          <a:ea typeface="Times New Roman" panose="02020603050405020304" pitchFamily="18" charset="0"/>
+                          <a:cs typeface="Calibri" panose="020F0502020204030204" pitchFamily="34" charset="0"/>
+                        </a:rPr>
+                        <a:t>1000</a:t>
+                      </a:r>
+                      <a:endParaRPr lang="es-ES" sz="1800" dirty="0">
+                        <a:effectLst/>
+                        <a:latin typeface="Century Gothic (Cuerpo)"/>
+                        <a:ea typeface="Times New Roman" panose="02020603050405020304" pitchFamily="18" charset="0"/>
+                        <a:cs typeface="Calibri" panose="020F0502020204030204" pitchFamily="34" charset="0"/>
+                      </a:endParaRPr>
+                    </a:p>
+                  </a:txBody>
+                  <a:tcPr marL="68580" marR="68580" marT="0" marB="0"/>
+                </a:tc>
+                <a:extLst>
+                  <a:ext uri="{0D108BD9-81ED-4DB2-BD59-A6C34878D82A}">
+                    <a16:rowId xmlns:a16="http://schemas.microsoft.com/office/drawing/2014/main" val="1289034549"/>
+                  </a:ext>
+                </a:extLst>
+              </a:tr>
+              <a:tr h="370840">
+                <a:tc>
+                  <a:txBody>
+                    <a:bodyPr/>
+                    <a:lstStyle/>
+                    <a:p>
+                      <a:pPr algn="ctr">
+                        <a:lnSpc>
+                          <a:spcPct val="107000"/>
+                        </a:lnSpc>
+                        <a:spcAft>
+                          <a:spcPts val="0"/>
+                        </a:spcAft>
+                      </a:pPr>
+                      <a:r>
+                        <a:rPr lang="es-ES" sz="1800" dirty="0">
+                          <a:effectLst/>
+                          <a:latin typeface="Century Gothic (Cuerpo)"/>
+                          <a:ea typeface="Times New Roman" panose="02020603050405020304" pitchFamily="18" charset="0"/>
+                          <a:cs typeface="Calibri" panose="020F0502020204030204" pitchFamily="34" charset="0"/>
+                        </a:rPr>
+                        <a:t>Mobiliario y enseres</a:t>
+                      </a:r>
+                    </a:p>
+                  </a:txBody>
+                  <a:tcPr marL="68580" marR="68580" marT="0" marB="0"/>
+                </a:tc>
+                <a:tc>
+                  <a:txBody>
+                    <a:bodyPr/>
+                    <a:lstStyle/>
+                    <a:p>
+                      <a:pPr algn="ctr">
+                        <a:lnSpc>
+                          <a:spcPct val="107000"/>
+                        </a:lnSpc>
+                        <a:spcAft>
+                          <a:spcPts val="0"/>
+                        </a:spcAft>
+                      </a:pPr>
+                      <a:r>
+                        <a:rPr lang="es-ES" sz="1800" dirty="0" smtClean="0">
+                          <a:effectLst/>
+                          <a:latin typeface="Century Gothic (Cuerpo)"/>
+                          <a:ea typeface="Times New Roman" panose="02020603050405020304" pitchFamily="18" charset="0"/>
+                          <a:cs typeface="Calibri" panose="020F0502020204030204" pitchFamily="34" charset="0"/>
+                        </a:rPr>
+                        <a:t>3500</a:t>
+                      </a:r>
+                      <a:endParaRPr lang="es-ES" sz="1800" dirty="0">
+                        <a:effectLst/>
+                        <a:latin typeface="Century Gothic (Cuerpo)"/>
+                        <a:ea typeface="Times New Roman" panose="02020603050405020304" pitchFamily="18" charset="0"/>
+                        <a:cs typeface="Calibri" panose="020F0502020204030204" pitchFamily="34" charset="0"/>
+                      </a:endParaRPr>
+                    </a:p>
+                  </a:txBody>
+                  <a:tcPr marL="68580" marR="68580" marT="0" marB="0"/>
+                </a:tc>
+                <a:extLst>
+                  <a:ext uri="{0D108BD9-81ED-4DB2-BD59-A6C34878D82A}">
+                    <a16:rowId xmlns:a16="http://schemas.microsoft.com/office/drawing/2014/main" val="371789852"/>
+                  </a:ext>
+                </a:extLst>
+              </a:tr>
+              <a:tr h="370840">
+                <a:tc>
+                  <a:txBody>
+                    <a:bodyPr/>
+                    <a:lstStyle/>
+                    <a:p>
+                      <a:pPr algn="ctr">
+                        <a:lnSpc>
+                          <a:spcPct val="107000"/>
+                        </a:lnSpc>
+                        <a:spcAft>
+                          <a:spcPts val="0"/>
+                        </a:spcAft>
+                      </a:pPr>
+                      <a:r>
+                        <a:rPr lang="es-ES" sz="1800" dirty="0">
+                          <a:effectLst/>
+                          <a:latin typeface="Century Gothic (Cuerpo)"/>
+                          <a:ea typeface="Times New Roman" panose="02020603050405020304" pitchFamily="18" charset="0"/>
+                          <a:cs typeface="Calibri" panose="020F0502020204030204" pitchFamily="34" charset="0"/>
+                        </a:rPr>
+                        <a:t>Equipo informático y software</a:t>
+                      </a:r>
+                    </a:p>
+                  </a:txBody>
+                  <a:tcPr marL="68580" marR="68580" marT="0" marB="0"/>
+                </a:tc>
+                <a:tc>
+                  <a:txBody>
+                    <a:bodyPr/>
+                    <a:lstStyle/>
+                    <a:p>
+                      <a:pPr algn="ctr">
+                        <a:lnSpc>
+                          <a:spcPct val="107000"/>
+                        </a:lnSpc>
+                        <a:spcAft>
+                          <a:spcPts val="0"/>
+                        </a:spcAft>
+                      </a:pPr>
+                      <a:r>
+                        <a:rPr lang="es-ES" sz="1800" dirty="0" smtClean="0">
+                          <a:effectLst/>
+                          <a:latin typeface="Century Gothic (Cuerpo)"/>
+                          <a:ea typeface="Times New Roman" panose="02020603050405020304" pitchFamily="18" charset="0"/>
+                          <a:cs typeface="Calibri" panose="020F0502020204030204" pitchFamily="34" charset="0"/>
+                        </a:rPr>
+                        <a:t>1650</a:t>
+                      </a:r>
+                      <a:endParaRPr lang="es-ES" sz="1800" dirty="0">
+                        <a:effectLst/>
+                        <a:latin typeface="Century Gothic (Cuerpo)"/>
+                        <a:ea typeface="Times New Roman" panose="02020603050405020304" pitchFamily="18" charset="0"/>
+                        <a:cs typeface="Calibri" panose="020F0502020204030204" pitchFamily="34" charset="0"/>
+                      </a:endParaRPr>
+                    </a:p>
+                  </a:txBody>
+                  <a:tcPr marL="68580" marR="68580" marT="0" marB="0"/>
+                </a:tc>
+                <a:extLst>
+                  <a:ext uri="{0D108BD9-81ED-4DB2-BD59-A6C34878D82A}">
+                    <a16:rowId xmlns:a16="http://schemas.microsoft.com/office/drawing/2014/main" val="2045877441"/>
+                  </a:ext>
+                </a:extLst>
+              </a:tr>
+              <a:tr h="370840">
+                <a:tc>
+                  <a:txBody>
+                    <a:bodyPr/>
+                    <a:lstStyle/>
+                    <a:p>
+                      <a:pPr algn="ctr">
+                        <a:lnSpc>
+                          <a:spcPct val="107000"/>
+                        </a:lnSpc>
+                        <a:spcAft>
+                          <a:spcPts val="0"/>
+                        </a:spcAft>
+                      </a:pPr>
+                      <a:r>
+                        <a:rPr lang="es-ES" sz="1800" dirty="0">
+                          <a:effectLst/>
+                          <a:latin typeface="Century Gothic (Cuerpo)"/>
+                          <a:ea typeface="Times New Roman" panose="02020603050405020304" pitchFamily="18" charset="0"/>
+                          <a:cs typeface="Calibri" panose="020F0502020204030204" pitchFamily="34" charset="0"/>
+                        </a:rPr>
+                        <a:t>Stock inicial y consumibles</a:t>
+                      </a:r>
+                    </a:p>
+                  </a:txBody>
+                  <a:tcPr marL="68580" marR="68580" marT="0" marB="0"/>
+                </a:tc>
+                <a:tc>
+                  <a:txBody>
+                    <a:bodyPr/>
+                    <a:lstStyle/>
+                    <a:p>
+                      <a:pPr algn="ctr">
+                        <a:lnSpc>
+                          <a:spcPct val="107000"/>
+                        </a:lnSpc>
+                        <a:spcAft>
+                          <a:spcPts val="0"/>
+                        </a:spcAft>
+                      </a:pPr>
+                      <a:r>
+                        <a:rPr lang="es-ES" sz="1800" dirty="0" smtClean="0">
+                          <a:effectLst/>
+                          <a:latin typeface="Century Gothic (Cuerpo)"/>
+                          <a:ea typeface="Times New Roman" panose="02020603050405020304" pitchFamily="18" charset="0"/>
+                          <a:cs typeface="Calibri" panose="020F0502020204030204" pitchFamily="34" charset="0"/>
+                        </a:rPr>
+                        <a:t>5000</a:t>
+                      </a:r>
+                      <a:endParaRPr lang="es-ES" sz="1800" dirty="0">
+                        <a:effectLst/>
+                        <a:latin typeface="Century Gothic (Cuerpo)"/>
+                        <a:ea typeface="Times New Roman" panose="02020603050405020304" pitchFamily="18" charset="0"/>
+                        <a:cs typeface="Calibri" panose="020F0502020204030204" pitchFamily="34" charset="0"/>
+                      </a:endParaRPr>
+                    </a:p>
+                  </a:txBody>
+                  <a:tcPr marL="68580" marR="68580" marT="0" marB="0"/>
+                </a:tc>
+                <a:extLst>
+                  <a:ext uri="{0D108BD9-81ED-4DB2-BD59-A6C34878D82A}">
+                    <a16:rowId xmlns:a16="http://schemas.microsoft.com/office/drawing/2014/main" val="1104120299"/>
+                  </a:ext>
+                </a:extLst>
+              </a:tr>
+              <a:tr h="370840">
+                <a:tc>
+                  <a:txBody>
+                    <a:bodyPr/>
+                    <a:lstStyle/>
+                    <a:p>
+                      <a:pPr algn="ctr">
+                        <a:lnSpc>
+                          <a:spcPct val="107000"/>
+                        </a:lnSpc>
+                        <a:spcAft>
+                          <a:spcPts val="0"/>
+                        </a:spcAft>
+                      </a:pPr>
+                      <a:r>
+                        <a:rPr lang="es-ES" sz="1800">
+                          <a:effectLst/>
+                          <a:latin typeface="Century Gothic (Cuerpo)"/>
+                          <a:ea typeface="Times New Roman" panose="02020603050405020304" pitchFamily="18" charset="0"/>
+                          <a:cs typeface="Calibri" panose="020F0502020204030204" pitchFamily="34" charset="0"/>
+                        </a:rPr>
+                        <a:t>Fianza alquiler</a:t>
+                      </a:r>
+                    </a:p>
+                  </a:txBody>
+                  <a:tcPr marL="68580" marR="68580" marT="0" marB="0"/>
+                </a:tc>
+                <a:tc>
+                  <a:txBody>
+                    <a:bodyPr/>
+                    <a:lstStyle/>
+                    <a:p>
+                      <a:pPr algn="ctr">
+                        <a:lnSpc>
+                          <a:spcPct val="107000"/>
+                        </a:lnSpc>
+                        <a:spcAft>
+                          <a:spcPts val="0"/>
+                        </a:spcAft>
+                      </a:pPr>
+                      <a:r>
+                        <a:rPr lang="es-ES" sz="1800" dirty="0">
+                          <a:effectLst/>
+                          <a:latin typeface="Century Gothic (Cuerpo)"/>
+                          <a:ea typeface="Times New Roman" panose="02020603050405020304" pitchFamily="18" charset="0"/>
+                          <a:cs typeface="Calibri" panose="020F0502020204030204" pitchFamily="34" charset="0"/>
+                        </a:rPr>
+                        <a:t>1000 </a:t>
+                      </a:r>
+                    </a:p>
+                  </a:txBody>
+                  <a:tcPr marL="68580" marR="68580" marT="0" marB="0"/>
+                </a:tc>
+                <a:extLst>
+                  <a:ext uri="{0D108BD9-81ED-4DB2-BD59-A6C34878D82A}">
+                    <a16:rowId xmlns:a16="http://schemas.microsoft.com/office/drawing/2014/main" val="4290996640"/>
+                  </a:ext>
+                </a:extLst>
+              </a:tr>
+              <a:tr h="370840">
+                <a:tc>
+                  <a:txBody>
+                    <a:bodyPr/>
+                    <a:lstStyle/>
+                    <a:p>
+                      <a:pPr algn="ctr">
+                        <a:lnSpc>
+                          <a:spcPct val="107000"/>
+                        </a:lnSpc>
+                        <a:spcAft>
+                          <a:spcPts val="0"/>
+                        </a:spcAft>
+                      </a:pPr>
+                      <a:r>
+                        <a:rPr lang="es-ES" sz="1800">
+                          <a:effectLst/>
+                          <a:latin typeface="Century Gothic (Cuerpo)"/>
+                          <a:ea typeface="Times New Roman" panose="02020603050405020304" pitchFamily="18" charset="0"/>
+                          <a:cs typeface="Calibri" panose="020F0502020204030204" pitchFamily="34" charset="0"/>
+                        </a:rPr>
+                        <a:t>Utensilios y herramientas</a:t>
+                      </a:r>
+                    </a:p>
+                  </a:txBody>
+                  <a:tcPr marL="68580" marR="68580" marT="0" marB="0"/>
+                </a:tc>
+                <a:tc>
+                  <a:txBody>
+                    <a:bodyPr/>
+                    <a:lstStyle/>
+                    <a:p>
+                      <a:pPr algn="ctr">
+                        <a:lnSpc>
+                          <a:spcPct val="107000"/>
+                        </a:lnSpc>
+                        <a:spcAft>
+                          <a:spcPts val="0"/>
+                        </a:spcAft>
+                      </a:pPr>
+                      <a:r>
+                        <a:rPr lang="es-ES" sz="1800" dirty="0">
+                          <a:effectLst/>
+                          <a:latin typeface="Century Gothic (Cuerpo)"/>
+                          <a:ea typeface="Times New Roman" panose="02020603050405020304" pitchFamily="18" charset="0"/>
+                          <a:cs typeface="Calibri" panose="020F0502020204030204" pitchFamily="34" charset="0"/>
+                        </a:rPr>
+                        <a:t>2000 </a:t>
+                      </a:r>
+                    </a:p>
+                  </a:txBody>
+                  <a:tcPr marL="68580" marR="68580" marT="0" marB="0"/>
+                </a:tc>
+                <a:extLst>
+                  <a:ext uri="{0D108BD9-81ED-4DB2-BD59-A6C34878D82A}">
+                    <a16:rowId xmlns:a16="http://schemas.microsoft.com/office/drawing/2014/main" val="3753560048"/>
+                  </a:ext>
+                </a:extLst>
+              </a:tr>
+              <a:tr h="370840">
+                <a:tc>
+                  <a:txBody>
+                    <a:bodyPr/>
+                    <a:lstStyle/>
+                    <a:p>
+                      <a:pPr algn="ctr">
+                        <a:lnSpc>
+                          <a:spcPct val="107000"/>
+                        </a:lnSpc>
+                        <a:spcAft>
+                          <a:spcPts val="0"/>
+                        </a:spcAft>
+                      </a:pPr>
+                      <a:r>
+                        <a:rPr lang="es-ES" sz="1800">
+                          <a:effectLst/>
+                          <a:latin typeface="Century Gothic (Cuerpo)"/>
+                          <a:ea typeface="Times New Roman" panose="02020603050405020304" pitchFamily="18" charset="0"/>
+                          <a:cs typeface="Calibri" panose="020F0502020204030204" pitchFamily="34" charset="0"/>
+                        </a:rPr>
+                        <a:t>Total</a:t>
+                      </a:r>
+                    </a:p>
+                  </a:txBody>
+                  <a:tcPr marL="68580" marR="68580" marT="0" marB="0"/>
+                </a:tc>
+                <a:tc>
+                  <a:txBody>
+                    <a:bodyPr/>
+                    <a:lstStyle/>
+                    <a:p>
+                      <a:pPr algn="ctr">
+                        <a:lnSpc>
+                          <a:spcPct val="107000"/>
+                        </a:lnSpc>
+                        <a:spcAft>
+                          <a:spcPts val="0"/>
+                        </a:spcAft>
+                      </a:pPr>
+                      <a:r>
+                        <a:rPr lang="es-ES" sz="1800" dirty="0">
+                          <a:effectLst/>
+                          <a:latin typeface="Century Gothic (Cuerpo)"/>
+                          <a:ea typeface="Times New Roman" panose="02020603050405020304" pitchFamily="18" charset="0"/>
+                          <a:cs typeface="Calibri" panose="020F0502020204030204" pitchFamily="34" charset="0"/>
+                        </a:rPr>
+                        <a:t>14150 </a:t>
+                      </a:r>
+                    </a:p>
+                  </a:txBody>
+                  <a:tcPr marL="68580" marR="68580" marT="0" marB="0"/>
+                </a:tc>
+                <a:extLst>
+                  <a:ext uri="{0D108BD9-81ED-4DB2-BD59-A6C34878D82A}">
+                    <a16:rowId xmlns:a16="http://schemas.microsoft.com/office/drawing/2014/main" val="3467112009"/>
+                  </a:ext>
+                </a:extLst>
+              </a:tr>
+            </a:tbl>
+          </a:graphicData>
+        </a:graphic>
+      </p:graphicFrame>
     </p:spTree>
     <p:extLst>
       <p:ext uri="{BB962C8B-B14F-4D97-AF65-F5344CB8AC3E}">
-        <p14:creationId xmlns:p14="http://schemas.microsoft.com/office/powerpoint/2010/main" val="2897103510"/>
+        <p14:creationId xmlns:p14="http://schemas.microsoft.com/office/powerpoint/2010/main" val="520416092"/>
       </p:ext>
     </p:extLst>
   </p:cSld>
@@ -13170,7 +13690,7 @@
         <p:spPr>
           <a:xfrm>
             <a:off x="3516198" y="980388"/>
-            <a:ext cx="5967167" cy="369332"/>
+            <a:ext cx="7353357" cy="646331"/>
           </a:xfrm>
           <a:prstGeom prst="rect">
             <a:avLst/>
@@ -13198,16 +13718,15 @@
           <a:p>
             <a:r>
               <a:rPr lang="es-ES" dirty="0" smtClean="0"/>
-              <a:t>Ejemplo de registro de dominio en </a:t>
+              <a:t>Cambios mediante Visual Studio </a:t>
             </a:r>
             <a:r>
               <a:rPr lang="es-ES" dirty="0" err="1" smtClean="0"/>
-              <a:t>Freenom</a:t>
-            </a:r>
-            <a:r>
-              <a:rPr lang="es-ES" dirty="0" smtClean="0"/>
-              <a:t>.</a:t>
-            </a:r>
+              <a:t>Code</a:t>
+            </a:r>
+            <a:endParaRPr lang="es-ES" dirty="0"/>
+          </a:p>
+          <a:p>
             <a:endParaRPr lang="es-ES" dirty="0"/>
           </a:p>
         </p:txBody>
@@ -13497,7 +14016,7 @@
       </p:sp>
       <p:pic>
         <p:nvPicPr>
-          <p:cNvPr id="3" name="Imagen 2"/>
+          <p:cNvPr id="4" name="Imagen 3"/>
           <p:cNvPicPr>
             <a:picLocks noChangeAspect="1"/>
           </p:cNvPicPr>
@@ -13517,8 +14036,8 @@
         </p:blipFill>
         <p:spPr>
           <a:xfrm>
-            <a:off x="2364780" y="1726495"/>
-            <a:ext cx="8675802" cy="4361502"/>
+            <a:off x="2149311" y="1770873"/>
+            <a:ext cx="9137715" cy="5007100"/>
           </a:xfrm>
           <a:prstGeom prst="rect">
             <a:avLst/>
@@ -13528,7 +14047,7 @@
     </p:spTree>
     <p:extLst>
       <p:ext uri="{BB962C8B-B14F-4D97-AF65-F5344CB8AC3E}">
-        <p14:creationId xmlns:p14="http://schemas.microsoft.com/office/powerpoint/2010/main" val="683555676"/>
+        <p14:creationId xmlns:p14="http://schemas.microsoft.com/office/powerpoint/2010/main" val="409328548"/>
       </p:ext>
     </p:extLst>
   </p:cSld>
@@ -13570,8 +14089,8 @@
         </p:nvSpPr>
         <p:spPr>
           <a:xfrm>
-            <a:off x="2978870" y="2413962"/>
-            <a:ext cx="7692272" cy="2062103"/>
+            <a:off x="3516198" y="980388"/>
+            <a:ext cx="7353357" cy="5632311"/>
           </a:xfrm>
           <a:prstGeom prst="rect">
             <a:avLst/>
@@ -13598,10 +14117,164 @@
           <a:lstStyle/>
           <a:p>
             <a:r>
-              <a:rPr lang="es-ES" sz="3200" dirty="0" smtClean="0"/>
-              <a:t>¡¡¡¡Llegó el momento que estabais esperando. Veamos como ha resultado todo el trabajo realizado y explicado hasta aquí!!!!</a:t>
-            </a:r>
-            <a:endParaRPr lang="es-ES" sz="3200" dirty="0"/>
+              <a:rPr lang="es-ES" dirty="0" smtClean="0"/>
+              <a:t>4-Creación de máquina virtual en </a:t>
+            </a:r>
+            <a:r>
+              <a:rPr lang="es-ES" dirty="0" err="1" smtClean="0"/>
+              <a:t>Azure</a:t>
+            </a:r>
+            <a:r>
+              <a:rPr lang="es-ES" dirty="0" smtClean="0"/>
+              <a:t> y creación de dominio en </a:t>
+            </a:r>
+            <a:r>
+              <a:rPr lang="es-ES" dirty="0" err="1" smtClean="0"/>
+              <a:t>Freenom</a:t>
+            </a:r>
+            <a:r>
+              <a:rPr lang="es-ES" dirty="0" smtClean="0"/>
+              <a:t>:</a:t>
+            </a:r>
+          </a:p>
+          <a:p>
+            <a:endParaRPr lang="es-ES" dirty="0"/>
+          </a:p>
+          <a:p>
+            <a:r>
+              <a:rPr lang="es-ES" dirty="0" smtClean="0"/>
+              <a:t>Ya que tengo una cuenta </a:t>
+            </a:r>
+            <a:r>
+              <a:rPr lang="es-ES" dirty="0" err="1" smtClean="0"/>
+              <a:t>Azure</a:t>
+            </a:r>
+            <a:r>
+              <a:rPr lang="es-ES" dirty="0" smtClean="0"/>
+              <a:t>, procedo a crear una Máquina virtual llamada </a:t>
+            </a:r>
+            <a:r>
+              <a:rPr lang="es-ES" dirty="0" err="1" smtClean="0"/>
+              <a:t>tartessosburguer</a:t>
+            </a:r>
+            <a:r>
+              <a:rPr lang="es-ES" dirty="0" smtClean="0"/>
+              <a:t> en la cual elaboraré el proyecto. Le abrí el puerto 10000 para instalar </a:t>
+            </a:r>
+            <a:r>
+              <a:rPr lang="es-ES" dirty="0" err="1" smtClean="0"/>
+              <a:t>Webmin</a:t>
+            </a:r>
+            <a:r>
+              <a:rPr lang="es-ES" dirty="0" smtClean="0"/>
+              <a:t> además del puerto 80.</a:t>
+            </a:r>
+            <a:br>
+              <a:rPr lang="es-ES" dirty="0" smtClean="0"/>
+            </a:br>
+            <a:r>
+              <a:rPr lang="es-ES" dirty="0" smtClean="0"/>
+              <a:t/>
+            </a:r>
+            <a:br>
+              <a:rPr lang="es-ES" dirty="0" smtClean="0"/>
+            </a:br>
+            <a:r>
+              <a:rPr lang="es-ES" dirty="0" smtClean="0"/>
+              <a:t>Vinculé esta maquina virtual a un dominio creado en </a:t>
+            </a:r>
+            <a:r>
+              <a:rPr lang="es-ES" dirty="0" err="1" smtClean="0"/>
+              <a:t>Freenom</a:t>
+            </a:r>
+            <a:r>
+              <a:rPr lang="es-ES" dirty="0" smtClean="0"/>
+              <a:t> e instalé los distintos módulos en </a:t>
+            </a:r>
+            <a:r>
+              <a:rPr lang="es-ES" dirty="0" err="1" smtClean="0"/>
+              <a:t>Webmin</a:t>
+            </a:r>
+            <a:r>
+              <a:rPr lang="es-ES" dirty="0" smtClean="0"/>
+              <a:t> que iba a necesitar</a:t>
+            </a:r>
+          </a:p>
+          <a:p>
+            <a:endParaRPr lang="es-ES" dirty="0"/>
+          </a:p>
+          <a:p>
+            <a:r>
+              <a:rPr lang="es-ES" dirty="0" smtClean="0"/>
+              <a:t>Una vez realizado esto, creé un usuario, cree una base de datos dándole permisos a este usuario para poder gestionarla.</a:t>
+            </a:r>
+            <a:br>
+              <a:rPr lang="es-ES" dirty="0" smtClean="0"/>
+            </a:br>
+            <a:r>
+              <a:rPr lang="es-ES" dirty="0" smtClean="0"/>
+              <a:t/>
+            </a:r>
+            <a:br>
+              <a:rPr lang="es-ES" dirty="0" smtClean="0"/>
+            </a:br>
+            <a:r>
+              <a:rPr lang="es-ES" dirty="0" smtClean="0"/>
+              <a:t>Una vez realizado esto, entré en la carpeta </a:t>
+            </a:r>
+            <a:r>
+              <a:rPr lang="es-ES" dirty="0" err="1" smtClean="0"/>
+              <a:t>var</a:t>
+            </a:r>
+            <a:r>
+              <a:rPr lang="es-ES" dirty="0" smtClean="0"/>
+              <a:t> -&gt; www -&gt; </a:t>
+            </a:r>
+            <a:r>
+              <a:rPr lang="es-ES" dirty="0" err="1" smtClean="0"/>
+              <a:t>html</a:t>
+            </a:r>
+            <a:r>
+              <a:rPr lang="es-ES" dirty="0" smtClean="0"/>
+              <a:t> y subí a dicha carpeta todos los archivos de mi proyecto.</a:t>
+            </a:r>
+          </a:p>
+          <a:p>
+            <a:endParaRPr lang="es-ES" dirty="0"/>
+          </a:p>
+          <a:p>
+            <a:r>
+              <a:rPr lang="es-ES" dirty="0" smtClean="0">
+                <a:solidFill>
+                  <a:srgbClr val="FF0000"/>
+                </a:solidFill>
+              </a:rPr>
+              <a:t>*Tuve que realizar cambios en la hora del servidor y en consulta del servidor </a:t>
+            </a:r>
+            <a:r>
+              <a:rPr lang="es-ES" dirty="0" err="1" smtClean="0">
+                <a:solidFill>
+                  <a:srgbClr val="FF0000"/>
+                </a:solidFill>
+              </a:rPr>
+              <a:t>mysql</a:t>
+            </a:r>
+            <a:r>
+              <a:rPr lang="es-ES" dirty="0" smtClean="0">
+                <a:solidFill>
+                  <a:srgbClr val="FF0000"/>
+                </a:solidFill>
+              </a:rPr>
+              <a:t>.</a:t>
+            </a:r>
+            <a:endParaRPr lang="es-ES" dirty="0">
+              <a:solidFill>
+                <a:srgbClr val="FF0000"/>
+              </a:solidFill>
+            </a:endParaRPr>
+          </a:p>
+          <a:p>
+            <a:endParaRPr lang="es-ES" dirty="0"/>
           </a:p>
         </p:txBody>
       </p:sp>
@@ -13705,7 +14378,771 @@
             <a:pPr algn="r"/>
             <a:r>
               <a:rPr lang="es-ES" sz="1800" b="1" dirty="0" smtClean="0"/>
-              <a:t>20</a:t>
+              <a:t>21</a:t>
+            </a:r>
+            <a:endParaRPr lang="es-ES" sz="1800" b="1" dirty="0"/>
+          </a:p>
+        </p:txBody>
+      </p:sp>
+      <p:sp>
+        <p:nvSpPr>
+          <p:cNvPr id="6" name="Título 1"/>
+          <p:cNvSpPr txBox="1">
+            <a:spLocks/>
+          </p:cNvSpPr>
+          <p:nvPr/>
+        </p:nvSpPr>
+        <p:spPr>
+          <a:xfrm>
+            <a:off x="1098014" y="750001"/>
+            <a:ext cx="8915399" cy="2262781"/>
+          </a:xfrm>
+          <a:prstGeom prst="rect">
+            <a:avLst/>
+          </a:prstGeom>
+        </p:spPr>
+        <p:txBody>
+          <a:bodyPr vert="horz" lIns="91440" tIns="45720" rIns="91440" bIns="45720" rtlCol="0" anchor="b">
+            <a:normAutofit/>
+          </a:bodyPr>
+          <a:lstStyle>
+            <a:lvl1pPr algn="l" defTabSz="457200" rtl="0" eaLnBrk="1" latinLnBrk="0" hangingPunct="1">
+              <a:spcBef>
+                <a:spcPct val="0"/>
+              </a:spcBef>
+              <a:buNone/>
+              <a:defRPr sz="5400" kern="1200">
+                <a:solidFill>
+                  <a:schemeClr val="tx1">
+                    <a:lumMod val="85000"/>
+                    <a:lumOff val="15000"/>
+                  </a:schemeClr>
+                </a:solidFill>
+                <a:latin typeface="+mj-lt"/>
+                <a:ea typeface="+mj-ea"/>
+                <a:cs typeface="+mj-cs"/>
+              </a:defRPr>
+            </a:lvl1pPr>
+            <a:lvl2pPr eaLnBrk="1" hangingPunct="1">
+              <a:defRPr>
+                <a:solidFill>
+                  <a:schemeClr val="tx2"/>
+                </a:solidFill>
+              </a:defRPr>
+            </a:lvl2pPr>
+            <a:lvl3pPr eaLnBrk="1" hangingPunct="1">
+              <a:defRPr>
+                <a:solidFill>
+                  <a:schemeClr val="tx2"/>
+                </a:solidFill>
+              </a:defRPr>
+            </a:lvl3pPr>
+            <a:lvl4pPr eaLnBrk="1" hangingPunct="1">
+              <a:defRPr>
+                <a:solidFill>
+                  <a:schemeClr val="tx2"/>
+                </a:solidFill>
+              </a:defRPr>
+            </a:lvl4pPr>
+            <a:lvl5pPr eaLnBrk="1" hangingPunct="1">
+              <a:defRPr>
+                <a:solidFill>
+                  <a:schemeClr val="tx2"/>
+                </a:solidFill>
+              </a:defRPr>
+            </a:lvl5pPr>
+            <a:lvl6pPr eaLnBrk="1" hangingPunct="1">
+              <a:defRPr>
+                <a:solidFill>
+                  <a:schemeClr val="tx2"/>
+                </a:solidFill>
+              </a:defRPr>
+            </a:lvl6pPr>
+            <a:lvl7pPr eaLnBrk="1" hangingPunct="1">
+              <a:defRPr>
+                <a:solidFill>
+                  <a:schemeClr val="tx2"/>
+                </a:solidFill>
+              </a:defRPr>
+            </a:lvl7pPr>
+            <a:lvl8pPr eaLnBrk="1" hangingPunct="1">
+              <a:defRPr>
+                <a:solidFill>
+                  <a:schemeClr val="tx2"/>
+                </a:solidFill>
+              </a:defRPr>
+            </a:lvl8pPr>
+            <a:lvl9pPr eaLnBrk="1" hangingPunct="1">
+              <a:defRPr>
+                <a:solidFill>
+                  <a:schemeClr val="tx2"/>
+                </a:solidFill>
+              </a:defRPr>
+            </a:lvl9pPr>
+          </a:lstStyle>
+          <a:p>
+            <a:pPr algn="r"/>
+            <a:endParaRPr lang="es-ES" sz="1800" dirty="0"/>
+          </a:p>
+        </p:txBody>
+      </p:sp>
+      <p:sp>
+        <p:nvSpPr>
+          <p:cNvPr id="16" name="CuadroTexto 15"/>
+          <p:cNvSpPr txBox="1"/>
+          <p:nvPr/>
+        </p:nvSpPr>
+        <p:spPr>
+          <a:xfrm>
+            <a:off x="1426409" y="173143"/>
+            <a:ext cx="10552545" cy="923330"/>
+          </a:xfrm>
+          <a:prstGeom prst="rect">
+            <a:avLst/>
+          </a:prstGeom>
+          <a:noFill/>
+        </p:spPr>
+        <p:txBody>
+          <a:bodyPr wrap="square" rtlCol="0">
+            <a:spAutoFit/>
+          </a:bodyPr>
+          <a:lstStyle/>
+          <a:p>
+            <a:pPr algn="ctr"/>
+            <a:r>
+              <a:rPr lang="es-ES" b="1" dirty="0" smtClean="0"/>
+              <a:t>PASOS DADOS EN EL PROYECTO:</a:t>
+            </a:r>
+          </a:p>
+          <a:p>
+            <a:endParaRPr lang="es-ES" dirty="0"/>
+          </a:p>
+          <a:p>
+            <a:endParaRPr lang="es-ES" dirty="0"/>
+          </a:p>
+        </p:txBody>
+      </p:sp>
+      <p:sp>
+        <p:nvSpPr>
+          <p:cNvPr id="8" name="AutoShape 14" descr="How to install Helppier on your Bubble.io application – Helppier"/>
+          <p:cNvSpPr>
+            <a:spLocks noChangeAspect="1" noChangeArrowheads="1"/>
+          </p:cNvSpPr>
+          <p:nvPr/>
+        </p:nvSpPr>
+        <p:spPr bwMode="auto">
+          <a:xfrm>
+            <a:off x="155575" y="-144463"/>
+            <a:ext cx="1884878" cy="1884884"/>
+          </a:xfrm>
+          <a:prstGeom prst="rect">
+            <a:avLst/>
+          </a:prstGeom>
+          <a:noFill/>
+          <a:extLst>
+            <a:ext uri="{909E8E84-426E-40DD-AFC4-6F175D3DCCD1}">
+              <a14:hiddenFill xmlns:a14="http://schemas.microsoft.com/office/drawing/2010/main">
+                <a:solidFill>
+                  <a:srgbClr val="FFFFFF"/>
+                </a:solidFill>
+              </a14:hiddenFill>
+            </a:ext>
+          </a:extLst>
+        </p:spPr>
+        <p:txBody>
+          <a:bodyPr vert="horz" wrap="square" lIns="91440" tIns="45720" rIns="91440" bIns="45720" numCol="1" anchor="t" anchorCtr="0" compatLnSpc="1">
+            <a:prstTxWarp prst="textNoShape">
+              <a:avLst/>
+            </a:prstTxWarp>
+          </a:bodyPr>
+          <a:lstStyle/>
+          <a:p>
+            <a:endParaRPr lang="es-ES"/>
+          </a:p>
+        </p:txBody>
+      </p:sp>
+    </p:spTree>
+    <p:extLst>
+      <p:ext uri="{BB962C8B-B14F-4D97-AF65-F5344CB8AC3E}">
+        <p14:creationId xmlns:p14="http://schemas.microsoft.com/office/powerpoint/2010/main" val="1382512907"/>
+      </p:ext>
+    </p:extLst>
+  </p:cSld>
+  <p:clrMapOvr>
+    <a:masterClrMapping/>
+  </p:clrMapOvr>
+  <p:timing>
+    <p:tnLst>
+      <p:par>
+        <p:cTn id="1" dur="indefinite" restart="never" nodeType="tmRoot"/>
+      </p:par>
+    </p:tnLst>
+  </p:timing>
+</p:sld>
+</file>
+
+<file path=ppt/slides/slide22.xml><?xml version="1.0" encoding="utf-8"?>
+<p:sld xmlns:a="http://schemas.openxmlformats.org/drawingml/2006/main" xmlns:r="http://schemas.openxmlformats.org/officeDocument/2006/relationships" xmlns:p="http://schemas.openxmlformats.org/presentationml/2006/main">
+  <p:cSld>
+    <p:spTree>
+      <p:nvGrpSpPr>
+        <p:cNvPr id="1" name=""/>
+        <p:cNvGrpSpPr/>
+        <p:nvPr/>
+      </p:nvGrpSpPr>
+      <p:grpSpPr>
+        <a:xfrm>
+          <a:off x="0" y="0"/>
+          <a:ext cx="0" cy="0"/>
+          <a:chOff x="0" y="0"/>
+          <a:chExt cx="0" cy="0"/>
+        </a:xfrm>
+      </p:grpSpPr>
+      <p:sp>
+        <p:nvSpPr>
+          <p:cNvPr id="2" name="CuadroTexto 1"/>
+          <p:cNvSpPr txBox="1"/>
+          <p:nvPr/>
+        </p:nvSpPr>
+        <p:spPr>
+          <a:xfrm>
+            <a:off x="3516198" y="980388"/>
+            <a:ext cx="5967167" cy="369332"/>
+          </a:xfrm>
+          <a:prstGeom prst="rect">
+            <a:avLst/>
+          </a:prstGeom>
+        </p:spPr>
+        <p:style>
+          <a:lnRef idx="2">
+            <a:schemeClr val="dk1"/>
+          </a:lnRef>
+          <a:fillRef idx="1">
+            <a:schemeClr val="lt1"/>
+          </a:fillRef>
+          <a:effectRef idx="0">
+            <a:schemeClr val="dk1"/>
+          </a:effectRef>
+          <a:fontRef idx="minor">
+            <a:schemeClr val="dk1"/>
+          </a:fontRef>
+        </p:style>
+        <p:txBody>
+          <a:bodyPr wrap="square" rtlCol="0">
+            <a:spAutoFit/>
+          </a:bodyPr>
+          <a:lstStyle/>
+          <a:p>
+            <a:r>
+              <a:rPr lang="es-ES" dirty="0" smtClean="0"/>
+              <a:t>Ejemplo de registro de dominio en </a:t>
+            </a:r>
+            <a:r>
+              <a:rPr lang="es-ES" dirty="0" err="1" smtClean="0"/>
+              <a:t>Freenom</a:t>
+            </a:r>
+            <a:r>
+              <a:rPr lang="es-ES" dirty="0" smtClean="0"/>
+              <a:t>.</a:t>
+            </a:r>
+            <a:endParaRPr lang="es-ES" dirty="0"/>
+          </a:p>
+        </p:txBody>
+      </p:sp>
+      <p:sp>
+        <p:nvSpPr>
+          <p:cNvPr id="5" name="Título 1"/>
+          <p:cNvSpPr txBox="1">
+            <a:spLocks/>
+          </p:cNvSpPr>
+          <p:nvPr/>
+        </p:nvSpPr>
+        <p:spPr>
+          <a:xfrm>
+            <a:off x="-7275944" y="2641425"/>
+            <a:ext cx="8915399" cy="2262781"/>
+          </a:xfrm>
+          <a:prstGeom prst="rect">
+            <a:avLst/>
+          </a:prstGeom>
+        </p:spPr>
+        <p:txBody>
+          <a:bodyPr vert="horz" lIns="91440" tIns="45720" rIns="91440" bIns="45720" rtlCol="0" anchor="b">
+            <a:normAutofit/>
+          </a:bodyPr>
+          <a:lstStyle>
+            <a:lvl1pPr algn="l" defTabSz="457200" rtl="0" eaLnBrk="1" latinLnBrk="0" hangingPunct="1">
+              <a:spcBef>
+                <a:spcPct val="0"/>
+              </a:spcBef>
+              <a:buNone/>
+              <a:defRPr sz="5400" kern="1200">
+                <a:solidFill>
+                  <a:schemeClr val="tx1">
+                    <a:lumMod val="85000"/>
+                    <a:lumOff val="15000"/>
+                  </a:schemeClr>
+                </a:solidFill>
+                <a:latin typeface="+mj-lt"/>
+                <a:ea typeface="+mj-ea"/>
+                <a:cs typeface="+mj-cs"/>
+              </a:defRPr>
+            </a:lvl1pPr>
+            <a:lvl2pPr eaLnBrk="1" hangingPunct="1">
+              <a:defRPr>
+                <a:solidFill>
+                  <a:schemeClr val="tx2"/>
+                </a:solidFill>
+              </a:defRPr>
+            </a:lvl2pPr>
+            <a:lvl3pPr eaLnBrk="1" hangingPunct="1">
+              <a:defRPr>
+                <a:solidFill>
+                  <a:schemeClr val="tx2"/>
+                </a:solidFill>
+              </a:defRPr>
+            </a:lvl3pPr>
+            <a:lvl4pPr eaLnBrk="1" hangingPunct="1">
+              <a:defRPr>
+                <a:solidFill>
+                  <a:schemeClr val="tx2"/>
+                </a:solidFill>
+              </a:defRPr>
+            </a:lvl4pPr>
+            <a:lvl5pPr eaLnBrk="1" hangingPunct="1">
+              <a:defRPr>
+                <a:solidFill>
+                  <a:schemeClr val="tx2"/>
+                </a:solidFill>
+              </a:defRPr>
+            </a:lvl5pPr>
+            <a:lvl6pPr eaLnBrk="1" hangingPunct="1">
+              <a:defRPr>
+                <a:solidFill>
+                  <a:schemeClr val="tx2"/>
+                </a:solidFill>
+              </a:defRPr>
+            </a:lvl6pPr>
+            <a:lvl7pPr eaLnBrk="1" hangingPunct="1">
+              <a:defRPr>
+                <a:solidFill>
+                  <a:schemeClr val="tx2"/>
+                </a:solidFill>
+              </a:defRPr>
+            </a:lvl7pPr>
+            <a:lvl8pPr eaLnBrk="1" hangingPunct="1">
+              <a:defRPr>
+                <a:solidFill>
+                  <a:schemeClr val="tx2"/>
+                </a:solidFill>
+              </a:defRPr>
+            </a:lvl8pPr>
+            <a:lvl9pPr eaLnBrk="1" hangingPunct="1">
+              <a:defRPr>
+                <a:solidFill>
+                  <a:schemeClr val="tx2"/>
+                </a:solidFill>
+              </a:defRPr>
+            </a:lvl9pPr>
+          </a:lstStyle>
+          <a:p>
+            <a:pPr algn="r"/>
+            <a:r>
+              <a:rPr lang="es-ES" sz="1800" b="1" dirty="0" smtClean="0"/>
+              <a:t>22</a:t>
+            </a:r>
+            <a:endParaRPr lang="es-ES" sz="1800" b="1" dirty="0"/>
+          </a:p>
+        </p:txBody>
+      </p:sp>
+      <p:sp>
+        <p:nvSpPr>
+          <p:cNvPr id="6" name="Título 1"/>
+          <p:cNvSpPr txBox="1">
+            <a:spLocks/>
+          </p:cNvSpPr>
+          <p:nvPr/>
+        </p:nvSpPr>
+        <p:spPr>
+          <a:xfrm>
+            <a:off x="1098014" y="750001"/>
+            <a:ext cx="8915399" cy="2262781"/>
+          </a:xfrm>
+          <a:prstGeom prst="rect">
+            <a:avLst/>
+          </a:prstGeom>
+        </p:spPr>
+        <p:txBody>
+          <a:bodyPr vert="horz" lIns="91440" tIns="45720" rIns="91440" bIns="45720" rtlCol="0" anchor="b">
+            <a:normAutofit/>
+          </a:bodyPr>
+          <a:lstStyle>
+            <a:lvl1pPr algn="l" defTabSz="457200" rtl="0" eaLnBrk="1" latinLnBrk="0" hangingPunct="1">
+              <a:spcBef>
+                <a:spcPct val="0"/>
+              </a:spcBef>
+              <a:buNone/>
+              <a:defRPr sz="5400" kern="1200">
+                <a:solidFill>
+                  <a:schemeClr val="tx1">
+                    <a:lumMod val="85000"/>
+                    <a:lumOff val="15000"/>
+                  </a:schemeClr>
+                </a:solidFill>
+                <a:latin typeface="+mj-lt"/>
+                <a:ea typeface="+mj-ea"/>
+                <a:cs typeface="+mj-cs"/>
+              </a:defRPr>
+            </a:lvl1pPr>
+            <a:lvl2pPr eaLnBrk="1" hangingPunct="1">
+              <a:defRPr>
+                <a:solidFill>
+                  <a:schemeClr val="tx2"/>
+                </a:solidFill>
+              </a:defRPr>
+            </a:lvl2pPr>
+            <a:lvl3pPr eaLnBrk="1" hangingPunct="1">
+              <a:defRPr>
+                <a:solidFill>
+                  <a:schemeClr val="tx2"/>
+                </a:solidFill>
+              </a:defRPr>
+            </a:lvl3pPr>
+            <a:lvl4pPr eaLnBrk="1" hangingPunct="1">
+              <a:defRPr>
+                <a:solidFill>
+                  <a:schemeClr val="tx2"/>
+                </a:solidFill>
+              </a:defRPr>
+            </a:lvl4pPr>
+            <a:lvl5pPr eaLnBrk="1" hangingPunct="1">
+              <a:defRPr>
+                <a:solidFill>
+                  <a:schemeClr val="tx2"/>
+                </a:solidFill>
+              </a:defRPr>
+            </a:lvl5pPr>
+            <a:lvl6pPr eaLnBrk="1" hangingPunct="1">
+              <a:defRPr>
+                <a:solidFill>
+                  <a:schemeClr val="tx2"/>
+                </a:solidFill>
+              </a:defRPr>
+            </a:lvl6pPr>
+            <a:lvl7pPr eaLnBrk="1" hangingPunct="1">
+              <a:defRPr>
+                <a:solidFill>
+                  <a:schemeClr val="tx2"/>
+                </a:solidFill>
+              </a:defRPr>
+            </a:lvl7pPr>
+            <a:lvl8pPr eaLnBrk="1" hangingPunct="1">
+              <a:defRPr>
+                <a:solidFill>
+                  <a:schemeClr val="tx2"/>
+                </a:solidFill>
+              </a:defRPr>
+            </a:lvl8pPr>
+            <a:lvl9pPr eaLnBrk="1" hangingPunct="1">
+              <a:defRPr>
+                <a:solidFill>
+                  <a:schemeClr val="tx2"/>
+                </a:solidFill>
+              </a:defRPr>
+            </a:lvl9pPr>
+          </a:lstStyle>
+          <a:p>
+            <a:pPr algn="r"/>
+            <a:endParaRPr lang="es-ES" sz="1800" dirty="0"/>
+          </a:p>
+        </p:txBody>
+      </p:sp>
+      <p:sp>
+        <p:nvSpPr>
+          <p:cNvPr id="16" name="CuadroTexto 15"/>
+          <p:cNvSpPr txBox="1"/>
+          <p:nvPr/>
+        </p:nvSpPr>
+        <p:spPr>
+          <a:xfrm>
+            <a:off x="1426409" y="173143"/>
+            <a:ext cx="10552545" cy="923330"/>
+          </a:xfrm>
+          <a:prstGeom prst="rect">
+            <a:avLst/>
+          </a:prstGeom>
+          <a:noFill/>
+        </p:spPr>
+        <p:txBody>
+          <a:bodyPr wrap="square" rtlCol="0">
+            <a:spAutoFit/>
+          </a:bodyPr>
+          <a:lstStyle/>
+          <a:p>
+            <a:pPr algn="ctr"/>
+            <a:r>
+              <a:rPr lang="es-ES" b="1" dirty="0" smtClean="0"/>
+              <a:t>PASOS DADOS EN EL PROYECTO:</a:t>
+            </a:r>
+          </a:p>
+          <a:p>
+            <a:endParaRPr lang="es-ES" dirty="0"/>
+          </a:p>
+          <a:p>
+            <a:endParaRPr lang="es-ES" dirty="0"/>
+          </a:p>
+        </p:txBody>
+      </p:sp>
+      <p:sp>
+        <p:nvSpPr>
+          <p:cNvPr id="8" name="AutoShape 14" descr="How to install Helppier on your Bubble.io application – Helppier"/>
+          <p:cNvSpPr>
+            <a:spLocks noChangeAspect="1" noChangeArrowheads="1"/>
+          </p:cNvSpPr>
+          <p:nvPr/>
+        </p:nvSpPr>
+        <p:spPr bwMode="auto">
+          <a:xfrm>
+            <a:off x="155575" y="-144463"/>
+            <a:ext cx="1884878" cy="1884884"/>
+          </a:xfrm>
+          <a:prstGeom prst="rect">
+            <a:avLst/>
+          </a:prstGeom>
+          <a:noFill/>
+          <a:extLst>
+            <a:ext uri="{909E8E84-426E-40DD-AFC4-6F175D3DCCD1}">
+              <a14:hiddenFill xmlns:a14="http://schemas.microsoft.com/office/drawing/2010/main">
+                <a:solidFill>
+                  <a:srgbClr val="FFFFFF"/>
+                </a:solidFill>
+              </a14:hiddenFill>
+            </a:ext>
+          </a:extLst>
+        </p:spPr>
+        <p:txBody>
+          <a:bodyPr vert="horz" wrap="square" lIns="91440" tIns="45720" rIns="91440" bIns="45720" numCol="1" anchor="t" anchorCtr="0" compatLnSpc="1">
+            <a:prstTxWarp prst="textNoShape">
+              <a:avLst/>
+            </a:prstTxWarp>
+          </a:bodyPr>
+          <a:lstStyle/>
+          <a:p>
+            <a:endParaRPr lang="es-ES"/>
+          </a:p>
+        </p:txBody>
+      </p:sp>
+      <p:pic>
+        <p:nvPicPr>
+          <p:cNvPr id="3" name="Imagen 2"/>
+          <p:cNvPicPr>
+            <a:picLocks noChangeAspect="1"/>
+          </p:cNvPicPr>
+          <p:nvPr/>
+        </p:nvPicPr>
+        <p:blipFill>
+          <a:blip r:embed="rId2">
+            <a:extLst>
+              <a:ext uri="{28A0092B-C50C-407E-A947-70E740481C1C}">
+                <a14:useLocalDpi xmlns:a14="http://schemas.microsoft.com/office/drawing/2010/main" val="0"/>
+              </a:ext>
+            </a:extLst>
+          </a:blip>
+          <a:stretch>
+            <a:fillRect/>
+          </a:stretch>
+        </p:blipFill>
+        <p:spPr>
+          <a:xfrm>
+            <a:off x="2364780" y="1726495"/>
+            <a:ext cx="8675802" cy="4361502"/>
+          </a:xfrm>
+          <a:prstGeom prst="rect">
+            <a:avLst/>
+          </a:prstGeom>
+        </p:spPr>
+      </p:pic>
+    </p:spTree>
+    <p:extLst>
+      <p:ext uri="{BB962C8B-B14F-4D97-AF65-F5344CB8AC3E}">
+        <p14:creationId xmlns:p14="http://schemas.microsoft.com/office/powerpoint/2010/main" val="683555676"/>
+      </p:ext>
+    </p:extLst>
+  </p:cSld>
+  <p:clrMapOvr>
+    <a:masterClrMapping/>
+  </p:clrMapOvr>
+  <p:timing>
+    <p:tnLst>
+      <p:par>
+        <p:cTn id="1" dur="indefinite" restart="never" nodeType="tmRoot"/>
+      </p:par>
+    </p:tnLst>
+  </p:timing>
+</p:sld>
+</file>
+
+<file path=ppt/slides/slide23.xml><?xml version="1.0" encoding="utf-8"?>
+<p:sld xmlns:a="http://schemas.openxmlformats.org/drawingml/2006/main" xmlns:r="http://schemas.openxmlformats.org/officeDocument/2006/relationships" xmlns:p="http://schemas.openxmlformats.org/presentationml/2006/main">
+  <p:cSld>
+    <p:spTree>
+      <p:nvGrpSpPr>
+        <p:cNvPr id="1" name=""/>
+        <p:cNvGrpSpPr/>
+        <p:nvPr/>
+      </p:nvGrpSpPr>
+      <p:grpSpPr>
+        <a:xfrm>
+          <a:off x="0" y="0"/>
+          <a:ext cx="0" cy="0"/>
+          <a:chOff x="0" y="0"/>
+          <a:chExt cx="0" cy="0"/>
+        </a:xfrm>
+      </p:grpSpPr>
+      <p:sp>
+        <p:nvSpPr>
+          <p:cNvPr id="2" name="CuadroTexto 1"/>
+          <p:cNvSpPr txBox="1"/>
+          <p:nvPr/>
+        </p:nvSpPr>
+        <p:spPr>
+          <a:xfrm>
+            <a:off x="2978870" y="2413962"/>
+            <a:ext cx="7692272" cy="2062103"/>
+          </a:xfrm>
+          <a:prstGeom prst="rect">
+            <a:avLst/>
+          </a:prstGeom>
+        </p:spPr>
+        <p:style>
+          <a:lnRef idx="2">
+            <a:schemeClr val="dk1"/>
+          </a:lnRef>
+          <a:fillRef idx="1">
+            <a:schemeClr val="lt1"/>
+          </a:fillRef>
+          <a:effectRef idx="0">
+            <a:schemeClr val="dk1"/>
+          </a:effectRef>
+          <a:fontRef idx="minor">
+            <a:schemeClr val="dk1"/>
+          </a:fontRef>
+        </p:style>
+        <p:txBody>
+          <a:bodyPr wrap="square" rtlCol="0">
+            <a:spAutoFit/>
+          </a:bodyPr>
+          <a:lstStyle/>
+          <a:p>
+            <a:r>
+              <a:rPr lang="es-ES" sz="3200" dirty="0" smtClean="0"/>
+              <a:t>¡¡¡¡Llegó el momento que estabais esperando. Veamos como ha resultado todo el trabajo realizado y explicado hasta aquí!!!!</a:t>
+            </a:r>
+            <a:endParaRPr lang="es-ES" sz="3200" dirty="0"/>
+          </a:p>
+        </p:txBody>
+      </p:sp>
+      <p:sp>
+        <p:nvSpPr>
+          <p:cNvPr id="5" name="Título 1"/>
+          <p:cNvSpPr txBox="1">
+            <a:spLocks/>
+          </p:cNvSpPr>
+          <p:nvPr/>
+        </p:nvSpPr>
+        <p:spPr>
+          <a:xfrm>
+            <a:off x="-7275944" y="2641425"/>
+            <a:ext cx="8915399" cy="2262781"/>
+          </a:xfrm>
+          <a:prstGeom prst="rect">
+            <a:avLst/>
+          </a:prstGeom>
+        </p:spPr>
+        <p:txBody>
+          <a:bodyPr vert="horz" lIns="91440" tIns="45720" rIns="91440" bIns="45720" rtlCol="0" anchor="b">
+            <a:normAutofit/>
+          </a:bodyPr>
+          <a:lstStyle>
+            <a:lvl1pPr algn="l" defTabSz="457200" rtl="0" eaLnBrk="1" latinLnBrk="0" hangingPunct="1">
+              <a:spcBef>
+                <a:spcPct val="0"/>
+              </a:spcBef>
+              <a:buNone/>
+              <a:defRPr sz="5400" kern="1200">
+                <a:solidFill>
+                  <a:schemeClr val="tx1">
+                    <a:lumMod val="85000"/>
+                    <a:lumOff val="15000"/>
+                  </a:schemeClr>
+                </a:solidFill>
+                <a:latin typeface="+mj-lt"/>
+                <a:ea typeface="+mj-ea"/>
+                <a:cs typeface="+mj-cs"/>
+              </a:defRPr>
+            </a:lvl1pPr>
+            <a:lvl2pPr eaLnBrk="1" hangingPunct="1">
+              <a:defRPr>
+                <a:solidFill>
+                  <a:schemeClr val="tx2"/>
+                </a:solidFill>
+              </a:defRPr>
+            </a:lvl2pPr>
+            <a:lvl3pPr eaLnBrk="1" hangingPunct="1">
+              <a:defRPr>
+                <a:solidFill>
+                  <a:schemeClr val="tx2"/>
+                </a:solidFill>
+              </a:defRPr>
+            </a:lvl3pPr>
+            <a:lvl4pPr eaLnBrk="1" hangingPunct="1">
+              <a:defRPr>
+                <a:solidFill>
+                  <a:schemeClr val="tx2"/>
+                </a:solidFill>
+              </a:defRPr>
+            </a:lvl4pPr>
+            <a:lvl5pPr eaLnBrk="1" hangingPunct="1">
+              <a:defRPr>
+                <a:solidFill>
+                  <a:schemeClr val="tx2"/>
+                </a:solidFill>
+              </a:defRPr>
+            </a:lvl5pPr>
+            <a:lvl6pPr eaLnBrk="1" hangingPunct="1">
+              <a:defRPr>
+                <a:solidFill>
+                  <a:schemeClr val="tx2"/>
+                </a:solidFill>
+              </a:defRPr>
+            </a:lvl6pPr>
+            <a:lvl7pPr eaLnBrk="1" hangingPunct="1">
+              <a:defRPr>
+                <a:solidFill>
+                  <a:schemeClr val="tx2"/>
+                </a:solidFill>
+              </a:defRPr>
+            </a:lvl7pPr>
+            <a:lvl8pPr eaLnBrk="1" hangingPunct="1">
+              <a:defRPr>
+                <a:solidFill>
+                  <a:schemeClr val="tx2"/>
+                </a:solidFill>
+              </a:defRPr>
+            </a:lvl8pPr>
+            <a:lvl9pPr eaLnBrk="1" hangingPunct="1">
+              <a:defRPr>
+                <a:solidFill>
+                  <a:schemeClr val="tx2"/>
+                </a:solidFill>
+              </a:defRPr>
+            </a:lvl9pPr>
+          </a:lstStyle>
+          <a:p>
+            <a:pPr algn="r"/>
+            <a:r>
+              <a:rPr lang="es-ES" sz="1800" b="1" dirty="0" smtClean="0"/>
+              <a:t>24</a:t>
             </a:r>
             <a:endParaRPr lang="es-ES" sz="1800" b="1" dirty="0"/>
           </a:p>
@@ -13891,6 +15328,166 @@
       </p:grpSpPr>
       <p:sp>
         <p:nvSpPr>
+          <p:cNvPr id="2" name="CuadroTexto 1"/>
+          <p:cNvSpPr txBox="1"/>
+          <p:nvPr/>
+        </p:nvSpPr>
+        <p:spPr>
+          <a:xfrm>
+            <a:off x="2535810" y="980388"/>
+            <a:ext cx="8333745" cy="4524315"/>
+          </a:xfrm>
+          <a:prstGeom prst="rect">
+            <a:avLst/>
+          </a:prstGeom>
+        </p:spPr>
+        <p:style>
+          <a:lnRef idx="2">
+            <a:schemeClr val="dk1"/>
+          </a:lnRef>
+          <a:fillRef idx="1">
+            <a:schemeClr val="lt1"/>
+          </a:fillRef>
+          <a:effectRef idx="0">
+            <a:schemeClr val="dk1"/>
+          </a:effectRef>
+          <a:fontRef idx="minor">
+            <a:schemeClr val="dk1"/>
+          </a:fontRef>
+        </p:style>
+        <p:txBody>
+          <a:bodyPr wrap="square" rtlCol="0">
+            <a:spAutoFit/>
+          </a:bodyPr>
+          <a:lstStyle/>
+          <a:p>
+            <a:r>
+              <a:rPr lang="es-ES" b="1" dirty="0"/>
+              <a:t>FINACIACIÓN</a:t>
+            </a:r>
+            <a:endParaRPr lang="es-ES" dirty="0"/>
+          </a:p>
+          <a:p>
+            <a:r>
+              <a:rPr lang="es-ES" dirty="0"/>
+              <a:t>La financiación la buscaremos en Andalucía emprende que mantiene colaboración con el Instituto de Crédito Oficial, y permite asesoramiento e información a emprendedores y empresas, así como facilitar acceso al crédito a través de (en nuestro caso</a:t>
+            </a:r>
+            <a:r>
+              <a:rPr lang="es-ES" dirty="0" smtClean="0"/>
+              <a:t>):</a:t>
+            </a:r>
+          </a:p>
+          <a:p>
+            <a:endParaRPr lang="es-ES" dirty="0"/>
+          </a:p>
+          <a:p>
+            <a:pPr lvl="0"/>
+            <a:r>
+              <a:rPr lang="es-ES" dirty="0" smtClean="0"/>
+              <a:t>- ICO </a:t>
+            </a:r>
+            <a:r>
+              <a:rPr lang="es-ES" dirty="0"/>
+              <a:t>2020 empresas emprendedoras</a:t>
+            </a:r>
+          </a:p>
+          <a:p>
+            <a:pPr lvl="0"/>
+            <a:r>
+              <a:rPr lang="es-ES" dirty="0" smtClean="0"/>
+              <a:t>- Líneas </a:t>
+            </a:r>
+            <a:r>
+              <a:rPr lang="es-ES" dirty="0"/>
+              <a:t>ICO 2021</a:t>
+            </a:r>
+          </a:p>
+          <a:p>
+            <a:pPr lvl="0"/>
+            <a:r>
+              <a:rPr lang="es-ES" dirty="0" smtClean="0"/>
+              <a:t>- </a:t>
+            </a:r>
+            <a:r>
+              <a:rPr lang="es-ES" dirty="0" err="1" smtClean="0"/>
+              <a:t>Microbank</a:t>
+            </a:r>
+            <a:r>
+              <a:rPr lang="es-ES" dirty="0" smtClean="0"/>
+              <a:t> </a:t>
+            </a:r>
+            <a:r>
+              <a:rPr lang="es-ES" dirty="0"/>
+              <a:t>(préstamos concedidos por </a:t>
+            </a:r>
+            <a:r>
+              <a:rPr lang="es-ES" dirty="0" err="1"/>
+              <a:t>Caixabank</a:t>
+            </a:r>
+            <a:r>
+              <a:rPr lang="es-ES" dirty="0"/>
+              <a:t>)</a:t>
+            </a:r>
+          </a:p>
+          <a:p>
+            <a:pPr marL="285750" lvl="0" indent="-285750">
+              <a:buFontTx/>
+              <a:buChar char="-"/>
+            </a:pPr>
+            <a:r>
+              <a:rPr lang="es-ES" dirty="0" smtClean="0"/>
+              <a:t>Fundación </a:t>
+            </a:r>
+            <a:r>
+              <a:rPr lang="es-ES" dirty="0" err="1" smtClean="0"/>
+              <a:t>Cajasur</a:t>
+            </a:r>
+            <a:endParaRPr lang="es-ES" dirty="0" smtClean="0"/>
+          </a:p>
+          <a:p>
+            <a:pPr marL="285750" lvl="0" indent="-285750">
+              <a:buFontTx/>
+              <a:buChar char="-"/>
+            </a:pPr>
+            <a:endParaRPr lang="es-ES" dirty="0"/>
+          </a:p>
+          <a:p>
+            <a:r>
+              <a:rPr lang="es-ES" dirty="0"/>
+              <a:t>Además de estos créditos, buscaremos patrocinio de marcas de bebidas como </a:t>
+            </a:r>
+            <a:r>
+              <a:rPr lang="es-ES" dirty="0" err="1" smtClean="0"/>
+              <a:t>Cruzcampo</a:t>
+            </a:r>
+            <a:r>
+              <a:rPr lang="es-ES" dirty="0" smtClean="0"/>
+              <a:t> y </a:t>
+            </a:r>
+            <a:r>
+              <a:rPr lang="es-ES" dirty="0" err="1"/>
+              <a:t>CocaCola</a:t>
+            </a:r>
+            <a:r>
+              <a:rPr lang="es-ES" dirty="0"/>
+              <a:t>, para sacar provecho de </a:t>
+            </a:r>
+            <a:r>
+              <a:rPr lang="es-ES" dirty="0" smtClean="0"/>
+              <a:t> mejores </a:t>
+            </a:r>
+            <a:r>
+              <a:rPr lang="es-ES" dirty="0"/>
+              <a:t>condiciones en la contratación de sus productos, y también de la cesión de mobiliario y rótulos a cambio de ofertar su marca.</a:t>
+            </a:r>
+          </a:p>
+          <a:p>
+            <a:endParaRPr lang="es-ES" dirty="0"/>
+          </a:p>
+        </p:txBody>
+      </p:sp>
+      <p:sp>
+        <p:nvSpPr>
           <p:cNvPr id="5" name="Título 1"/>
           <p:cNvSpPr txBox="1">
             <a:spLocks/>
@@ -13899,7 +15496,7 @@
         </p:nvSpPr>
         <p:spPr>
           <a:xfrm>
-            <a:off x="-7257865" y="2621772"/>
+            <a:off x="-7275944" y="2641425"/>
             <a:ext cx="8915399" cy="2262781"/>
           </a:xfrm>
           <a:prstGeom prst="rect">
@@ -14005,7 +15602,7 @@
         </p:nvSpPr>
         <p:spPr>
           <a:xfrm>
-            <a:off x="1458799" y="816642"/>
+            <a:off x="1098014" y="750001"/>
             <a:ext cx="8915399" cy="2262781"/>
           </a:xfrm>
           <a:prstGeom prst="rect">
@@ -14131,8 +15728,8 @@
         </p:nvSpPr>
         <p:spPr>
           <a:xfrm>
-            <a:off x="1856270" y="142902"/>
-            <a:ext cx="10552545" cy="6740307"/>
+            <a:off x="1426409" y="173143"/>
+            <a:ext cx="10552545" cy="923330"/>
           </a:xfrm>
           <a:prstGeom prst="rect">
             <a:avLst/>
@@ -14148,398 +15745,61 @@
             <a:pPr algn="ctr"/>
             <a:r>
               <a:rPr lang="es-ES" b="1" dirty="0" smtClean="0"/>
-              <a:t>MODELO RELACIONAL:</a:t>
-            </a:r>
+              <a:t>PROYECTO EMPRESARIAL:</a:t>
+            </a:r>
+            <a:endParaRPr lang="es-ES" b="1" dirty="0" smtClean="0"/>
           </a:p>
           <a:p>
             <a:endParaRPr lang="es-ES" dirty="0"/>
           </a:p>
           <a:p>
-            <a:r>
-              <a:rPr lang="es-ES" b="1" dirty="0" smtClean="0"/>
-              <a:t>Usuario </a:t>
-            </a:r>
-            <a:r>
-              <a:rPr lang="es-ES" b="1" dirty="0"/>
-              <a:t>: </a:t>
-            </a:r>
-            <a:r>
-              <a:rPr lang="es-ES" dirty="0"/>
-              <a:t>Tabla que posee la información del usuario registrado</a:t>
-            </a:r>
-            <a:r>
-              <a:rPr lang="es-ES" dirty="0" smtClean="0"/>
-              <a:t>.</a:t>
-            </a:r>
-          </a:p>
-          <a:p>
             <a:endParaRPr lang="es-ES" dirty="0"/>
           </a:p>
-          <a:p>
-            <a:pPr algn="ctr"/>
-            <a:r>
-              <a:rPr lang="es-ES" dirty="0"/>
-              <a:t>(</a:t>
-            </a:r>
-            <a:r>
-              <a:rPr lang="es-ES" b="1" dirty="0" err="1"/>
-              <a:t>dni</a:t>
-            </a:r>
-            <a:r>
-              <a:rPr lang="es-ES" dirty="0"/>
-              <a:t>, nombre, apellidos, </a:t>
-            </a:r>
-            <a:r>
-              <a:rPr lang="es-ES" dirty="0" err="1"/>
-              <a:t>direccion</a:t>
-            </a:r>
-            <a:r>
-              <a:rPr lang="es-ES" dirty="0"/>
-              <a:t>, </a:t>
-            </a:r>
-            <a:r>
-              <a:rPr lang="es-ES" dirty="0" err="1"/>
-              <a:t>codigoPostal</a:t>
-            </a:r>
-            <a:r>
-              <a:rPr lang="es-ES" dirty="0"/>
-              <a:t>, </a:t>
-            </a:r>
-            <a:r>
-              <a:rPr lang="es-ES" dirty="0" err="1"/>
-              <a:t>telefono</a:t>
-            </a:r>
-            <a:r>
-              <a:rPr lang="es-ES" dirty="0"/>
-              <a:t>, usuario, email, </a:t>
-            </a:r>
-            <a:r>
-              <a:rPr lang="es-ES" dirty="0" err="1" smtClean="0"/>
-              <a:t>password</a:t>
-            </a:r>
-            <a:r>
-              <a:rPr lang="es-ES" dirty="0"/>
-              <a:t>, </a:t>
-            </a:r>
-            <a:r>
-              <a:rPr lang="es-ES" dirty="0" err="1" smtClean="0"/>
-              <a:t>isAdmin</a:t>
-            </a:r>
-            <a:r>
-              <a:rPr lang="es-ES" dirty="0" smtClean="0"/>
-              <a:t>)</a:t>
-            </a:r>
-          </a:p>
-          <a:p>
-            <a:endParaRPr lang="es-ES" dirty="0"/>
-          </a:p>
-          <a:p>
-            <a:r>
-              <a:rPr lang="es-ES" dirty="0"/>
-              <a:t/>
-            </a:r>
-            <a:br>
-              <a:rPr lang="es-ES" dirty="0"/>
-            </a:br>
-            <a:r>
-              <a:rPr lang="es-ES" b="1" dirty="0" err="1"/>
-              <a:t>Orders</a:t>
-            </a:r>
-            <a:r>
-              <a:rPr lang="es-ES" b="1" dirty="0"/>
-              <a:t> : </a:t>
-            </a:r>
-            <a:r>
-              <a:rPr lang="es-ES" dirty="0"/>
-              <a:t>Tabla que posee la información del pedido realizado por el usuario</a:t>
-            </a:r>
-            <a:r>
-              <a:rPr lang="es-ES" dirty="0" smtClean="0"/>
-              <a:t>.</a:t>
-            </a:r>
-          </a:p>
-          <a:p>
-            <a:endParaRPr lang="es-ES" dirty="0"/>
-          </a:p>
-          <a:p>
-            <a:pPr algn="ctr"/>
-            <a:r>
-              <a:rPr lang="es-ES" dirty="0"/>
-              <a:t>(</a:t>
-            </a:r>
-            <a:r>
-              <a:rPr lang="es-ES" b="1" dirty="0"/>
-              <a:t>id</a:t>
-            </a:r>
-            <a:r>
-              <a:rPr lang="es-ES" dirty="0"/>
-              <a:t>, </a:t>
-            </a:r>
-            <a:r>
-              <a:rPr lang="es-ES" dirty="0" err="1"/>
-              <a:t>dni_usuario</a:t>
-            </a:r>
-            <a:r>
-              <a:rPr lang="es-ES" dirty="0"/>
-              <a:t>, </a:t>
-            </a:r>
-            <a:r>
-              <a:rPr lang="es-ES" dirty="0" err="1"/>
-              <a:t>precio_total</a:t>
-            </a:r>
-            <a:r>
-              <a:rPr lang="es-ES" dirty="0"/>
-              <a:t>, </a:t>
-            </a:r>
-            <a:r>
-              <a:rPr lang="es-ES" dirty="0" err="1"/>
-              <a:t>fechaCreacion</a:t>
-            </a:r>
-            <a:r>
-              <a:rPr lang="es-ES" dirty="0"/>
-              <a:t>, estado</a:t>
-            </a:r>
-            <a:r>
-              <a:rPr lang="es-ES" dirty="0" smtClean="0"/>
-              <a:t>)</a:t>
-            </a:r>
-          </a:p>
-          <a:p>
-            <a:pPr algn="ctr"/>
-            <a:endParaRPr lang="es-ES" dirty="0"/>
-          </a:p>
-          <a:p>
-            <a:r>
-              <a:rPr lang="es-ES" dirty="0" smtClean="0"/>
-              <a:t>			 Usuario</a:t>
-            </a:r>
-          </a:p>
-          <a:p>
-            <a:endParaRPr lang="es-ES" dirty="0"/>
-          </a:p>
-          <a:p>
-            <a:endParaRPr lang="es-ES" dirty="0" smtClean="0"/>
-          </a:p>
-          <a:p>
-            <a:r>
-              <a:rPr lang="es-ES" b="1" dirty="0" err="1"/>
-              <a:t>Order_items</a:t>
-            </a:r>
-            <a:r>
-              <a:rPr lang="es-ES" b="1" dirty="0"/>
-              <a:t> : </a:t>
-            </a:r>
-            <a:r>
-              <a:rPr lang="es-ES" dirty="0"/>
-              <a:t>Tabla que posee la información sobre los productos usados en el pedido</a:t>
-            </a:r>
-            <a:r>
-              <a:rPr lang="es-ES" dirty="0" smtClean="0"/>
-              <a:t>.</a:t>
-            </a:r>
-          </a:p>
-          <a:p>
-            <a:endParaRPr lang="es-ES" dirty="0"/>
-          </a:p>
-          <a:p>
-            <a:pPr algn="ctr"/>
-            <a:r>
-              <a:rPr lang="es-ES" dirty="0"/>
-              <a:t>(</a:t>
-            </a:r>
-            <a:r>
-              <a:rPr lang="es-ES" b="1" dirty="0"/>
-              <a:t>id</a:t>
-            </a:r>
-            <a:r>
-              <a:rPr lang="es-ES" dirty="0"/>
-              <a:t>, </a:t>
-            </a:r>
-            <a:r>
-              <a:rPr lang="es-ES" dirty="0" err="1"/>
-              <a:t>order_id</a:t>
-            </a:r>
-            <a:r>
-              <a:rPr lang="es-ES" dirty="0"/>
-              <a:t>, </a:t>
-            </a:r>
-            <a:r>
-              <a:rPr lang="es-ES" dirty="0" err="1"/>
-              <a:t>product_id</a:t>
-            </a:r>
-            <a:r>
-              <a:rPr lang="es-ES" dirty="0"/>
-              <a:t>, cantidad)</a:t>
-            </a:r>
-          </a:p>
-          <a:p>
-            <a:endParaRPr lang="es-ES" dirty="0" smtClean="0"/>
-          </a:p>
-          <a:p>
-            <a:r>
-              <a:rPr lang="es-ES" dirty="0" smtClean="0"/>
-              <a:t>				</a:t>
-            </a:r>
-            <a:r>
-              <a:rPr lang="es-ES" dirty="0" err="1" smtClean="0"/>
-              <a:t>Orders</a:t>
-            </a:r>
-            <a:r>
-              <a:rPr lang="es-ES" dirty="0" smtClean="0"/>
-              <a:t>    Producto</a:t>
-            </a:r>
-          </a:p>
-          <a:p>
-            <a:endParaRPr lang="es-ES" dirty="0"/>
-          </a:p>
-          <a:p>
-            <a:r>
-              <a:rPr lang="es-ES" b="1" dirty="0"/>
-              <a:t>Producto : </a:t>
-            </a:r>
-            <a:r>
-              <a:rPr lang="es-ES" dirty="0"/>
-              <a:t>Tabla que posee la información de los distintos productos</a:t>
-            </a:r>
-            <a:r>
-              <a:rPr lang="es-ES" dirty="0" smtClean="0"/>
-              <a:t>.</a:t>
-            </a:r>
-          </a:p>
-          <a:p>
-            <a:endParaRPr lang="es-ES" dirty="0"/>
-          </a:p>
-          <a:p>
-            <a:pPr algn="ctr"/>
-            <a:r>
-              <a:rPr lang="es-ES" dirty="0"/>
-              <a:t>(</a:t>
-            </a:r>
-            <a:r>
-              <a:rPr lang="es-ES" b="1" dirty="0"/>
-              <a:t>id</a:t>
-            </a:r>
-            <a:r>
-              <a:rPr lang="es-ES" dirty="0"/>
-              <a:t>, nombre, </a:t>
-            </a:r>
-            <a:r>
-              <a:rPr lang="es-ES" dirty="0" err="1"/>
-              <a:t>descripcion</a:t>
-            </a:r>
-            <a:r>
-              <a:rPr lang="es-ES" dirty="0"/>
-              <a:t>, precio, tipo)</a:t>
-            </a:r>
-          </a:p>
-          <a:p>
-            <a:endParaRPr lang="es-ES" dirty="0"/>
-          </a:p>
-        </p:txBody>
-      </p:sp>
-      <p:pic>
-        <p:nvPicPr>
-          <p:cNvPr id="26" name="Imagen 25" descr="C:\Users\Neptuno\AppData\Local\Microsoft\Windows\INetCache\Content.Word\flecha.jpg"/>
-          <p:cNvPicPr/>
+        </p:txBody>
+      </p:sp>
+      <p:sp>
+        <p:nvSpPr>
+          <p:cNvPr id="8" name="AutoShape 14" descr="How to install Helppier on your Bubble.io application – Helppier"/>
+          <p:cNvSpPr>
+            <a:spLocks noChangeAspect="1" noChangeArrowheads="1"/>
+          </p:cNvSpPr>
           <p:nvPr/>
-        </p:nvPicPr>
-        <p:blipFill>
-          <a:blip r:embed="rId2">
-            <a:extLst>
-              <a:ext uri="{28A0092B-C50C-407E-A947-70E740481C1C}">
-                <a14:useLocalDpi xmlns:a14="http://schemas.microsoft.com/office/drawing/2010/main" val="0"/>
-              </a:ext>
-            </a:extLst>
-          </a:blip>
-          <a:srcRect/>
-          <a:stretch>
-            <a:fillRect/>
-          </a:stretch>
-        </p:blipFill>
+        </p:nvSpPr>
         <p:spPr bwMode="auto">
           <a:xfrm>
-            <a:off x="5916498" y="4846677"/>
-            <a:ext cx="289560" cy="333375"/>
+            <a:off x="155575" y="-144463"/>
+            <a:ext cx="1884878" cy="1884884"/>
           </a:xfrm>
           <a:prstGeom prst="rect">
             <a:avLst/>
           </a:prstGeom>
           <a:noFill/>
-          <a:ln>
-            <a:noFill/>
-          </a:ln>
-        </p:spPr>
-      </p:pic>
-      <p:pic>
-        <p:nvPicPr>
-          <p:cNvPr id="27" name="Imagen 26" descr="C:\Users\Neptuno\AppData\Local\Microsoft\Windows\INetCache\Content.Word\flecha.jpg"/>
-          <p:cNvPicPr/>
-          <p:nvPr/>
-        </p:nvPicPr>
-        <p:blipFill>
-          <a:blip r:embed="rId2">
-            <a:extLst>
-              <a:ext uri="{28A0092B-C50C-407E-A947-70E740481C1C}">
-                <a14:useLocalDpi xmlns:a14="http://schemas.microsoft.com/office/drawing/2010/main" val="0"/>
-              </a:ext>
-            </a:extLst>
-          </a:blip>
-          <a:srcRect/>
-          <a:stretch>
-            <a:fillRect/>
-          </a:stretch>
-        </p:blipFill>
-        <p:spPr bwMode="auto">
-          <a:xfrm>
-            <a:off x="6987762" y="4846677"/>
-            <a:ext cx="289560" cy="333375"/>
-          </a:xfrm>
-          <a:prstGeom prst="rect">
-            <a:avLst/>
-          </a:prstGeom>
-          <a:noFill/>
-          <a:ln>
-            <a:noFill/>
-          </a:ln>
-        </p:spPr>
-      </p:pic>
-      <p:pic>
-        <p:nvPicPr>
-          <p:cNvPr id="28" name="Imagen 27" descr="C:\Users\Neptuno\AppData\Local\Microsoft\Windows\INetCache\Content.Word\flecha.jpg"/>
-          <p:cNvPicPr/>
-          <p:nvPr/>
-        </p:nvPicPr>
-        <p:blipFill>
-          <a:blip r:embed="rId2">
-            <a:extLst>
-              <a:ext uri="{28A0092B-C50C-407E-A947-70E740481C1C}">
-                <a14:useLocalDpi xmlns:a14="http://schemas.microsoft.com/office/drawing/2010/main" val="0"/>
-              </a:ext>
-            </a:extLst>
-          </a:blip>
-          <a:srcRect/>
-          <a:stretch>
-            <a:fillRect/>
-          </a:stretch>
-        </p:blipFill>
-        <p:spPr bwMode="auto">
-          <a:xfrm>
-            <a:off x="5015060" y="2912735"/>
-            <a:ext cx="289560" cy="333375"/>
-          </a:xfrm>
-          <a:prstGeom prst="rect">
-            <a:avLst/>
-          </a:prstGeom>
-          <a:noFill/>
-          <a:ln>
-            <a:noFill/>
-          </a:ln>
-        </p:spPr>
-      </p:pic>
+          <a:extLst>
+            <a:ext uri="{909E8E84-426E-40DD-AFC4-6F175D3DCCD1}">
+              <a14:hiddenFill xmlns:a14="http://schemas.microsoft.com/office/drawing/2010/main">
+                <a:solidFill>
+                  <a:srgbClr val="FFFFFF"/>
+                </a:solidFill>
+              </a14:hiddenFill>
+            </a:ext>
+          </a:extLst>
+        </p:spPr>
+        <p:txBody>
+          <a:bodyPr vert="horz" wrap="square" lIns="91440" tIns="45720" rIns="91440" bIns="45720" numCol="1" anchor="t" anchorCtr="0" compatLnSpc="1">
+            <a:prstTxWarp prst="textNoShape">
+              <a:avLst/>
+            </a:prstTxWarp>
+          </a:bodyPr>
+          <a:lstStyle/>
+          <a:p>
+            <a:endParaRPr lang="es-ES"/>
+          </a:p>
+        </p:txBody>
+      </p:sp>
     </p:spTree>
     <p:extLst>
       <p:ext uri="{BB962C8B-B14F-4D97-AF65-F5344CB8AC3E}">
-        <p14:creationId xmlns:p14="http://schemas.microsoft.com/office/powerpoint/2010/main" val="3547074451"/>
+        <p14:creationId xmlns:p14="http://schemas.microsoft.com/office/powerpoint/2010/main" val="2573157001"/>
       </p:ext>
     </p:extLst>
   </p:cSld>
@@ -14583,7 +15843,7 @@
         </p:nvSpPr>
         <p:spPr>
           <a:xfrm>
-            <a:off x="-7275944" y="2641425"/>
+            <a:off x="-7257865" y="2621772"/>
             <a:ext cx="8915399" cy="2262781"/>
           </a:xfrm>
           <a:prstGeom prst="rect">
@@ -14674,6 +15934,1024 @@
             <a:r>
               <a:rPr lang="es-ES" sz="1800" b="1" dirty="0" smtClean="0"/>
               <a:t>4</a:t>
+            </a:r>
+            <a:endParaRPr lang="es-ES" sz="1800" b="1" dirty="0"/>
+          </a:p>
+        </p:txBody>
+      </p:sp>
+      <p:sp>
+        <p:nvSpPr>
+          <p:cNvPr id="6" name="Título 1"/>
+          <p:cNvSpPr txBox="1">
+            <a:spLocks/>
+          </p:cNvSpPr>
+          <p:nvPr/>
+        </p:nvSpPr>
+        <p:spPr>
+          <a:xfrm>
+            <a:off x="1458799" y="816642"/>
+            <a:ext cx="8915399" cy="2262781"/>
+          </a:xfrm>
+          <a:prstGeom prst="rect">
+            <a:avLst/>
+          </a:prstGeom>
+        </p:spPr>
+        <p:txBody>
+          <a:bodyPr vert="horz" lIns="91440" tIns="45720" rIns="91440" bIns="45720" rtlCol="0" anchor="b">
+            <a:normAutofit/>
+          </a:bodyPr>
+          <a:lstStyle>
+            <a:lvl1pPr algn="l" defTabSz="457200" rtl="0" eaLnBrk="1" latinLnBrk="0" hangingPunct="1">
+              <a:spcBef>
+                <a:spcPct val="0"/>
+              </a:spcBef>
+              <a:buNone/>
+              <a:defRPr sz="5400" kern="1200">
+                <a:solidFill>
+                  <a:schemeClr val="tx1">
+                    <a:lumMod val="85000"/>
+                    <a:lumOff val="15000"/>
+                  </a:schemeClr>
+                </a:solidFill>
+                <a:latin typeface="+mj-lt"/>
+                <a:ea typeface="+mj-ea"/>
+                <a:cs typeface="+mj-cs"/>
+              </a:defRPr>
+            </a:lvl1pPr>
+            <a:lvl2pPr eaLnBrk="1" hangingPunct="1">
+              <a:defRPr>
+                <a:solidFill>
+                  <a:schemeClr val="tx2"/>
+                </a:solidFill>
+              </a:defRPr>
+            </a:lvl2pPr>
+            <a:lvl3pPr eaLnBrk="1" hangingPunct="1">
+              <a:defRPr>
+                <a:solidFill>
+                  <a:schemeClr val="tx2"/>
+                </a:solidFill>
+              </a:defRPr>
+            </a:lvl3pPr>
+            <a:lvl4pPr eaLnBrk="1" hangingPunct="1">
+              <a:defRPr>
+                <a:solidFill>
+                  <a:schemeClr val="tx2"/>
+                </a:solidFill>
+              </a:defRPr>
+            </a:lvl4pPr>
+            <a:lvl5pPr eaLnBrk="1" hangingPunct="1">
+              <a:defRPr>
+                <a:solidFill>
+                  <a:schemeClr val="tx2"/>
+                </a:solidFill>
+              </a:defRPr>
+            </a:lvl5pPr>
+            <a:lvl6pPr eaLnBrk="1" hangingPunct="1">
+              <a:defRPr>
+                <a:solidFill>
+                  <a:schemeClr val="tx2"/>
+                </a:solidFill>
+              </a:defRPr>
+            </a:lvl6pPr>
+            <a:lvl7pPr eaLnBrk="1" hangingPunct="1">
+              <a:defRPr>
+                <a:solidFill>
+                  <a:schemeClr val="tx2"/>
+                </a:solidFill>
+              </a:defRPr>
+            </a:lvl7pPr>
+            <a:lvl8pPr eaLnBrk="1" hangingPunct="1">
+              <a:defRPr>
+                <a:solidFill>
+                  <a:schemeClr val="tx2"/>
+                </a:solidFill>
+              </a:defRPr>
+            </a:lvl8pPr>
+            <a:lvl9pPr eaLnBrk="1" hangingPunct="1">
+              <a:defRPr>
+                <a:solidFill>
+                  <a:schemeClr val="tx2"/>
+                </a:solidFill>
+              </a:defRPr>
+            </a:lvl9pPr>
+          </a:lstStyle>
+          <a:p>
+            <a:pPr algn="r"/>
+            <a:endParaRPr lang="es-ES" sz="1800" dirty="0"/>
+          </a:p>
+        </p:txBody>
+      </p:sp>
+      <p:sp>
+        <p:nvSpPr>
+          <p:cNvPr id="12" name="CuadroTexto 11"/>
+          <p:cNvSpPr txBox="1"/>
+          <p:nvPr/>
+        </p:nvSpPr>
+        <p:spPr>
+          <a:xfrm>
+            <a:off x="4788816" y="980388"/>
+            <a:ext cx="3101419" cy="369332"/>
+          </a:xfrm>
+          <a:prstGeom prst="rect">
+            <a:avLst/>
+          </a:prstGeom>
+          <a:noFill/>
+        </p:spPr>
+        <p:txBody>
+          <a:bodyPr wrap="square" rtlCol="0">
+            <a:spAutoFit/>
+          </a:bodyPr>
+          <a:lstStyle/>
+          <a:p>
+            <a:endParaRPr lang="es-ES" dirty="0"/>
+          </a:p>
+        </p:txBody>
+      </p:sp>
+      <p:sp>
+        <p:nvSpPr>
+          <p:cNvPr id="16" name="CuadroTexto 15"/>
+          <p:cNvSpPr txBox="1"/>
+          <p:nvPr/>
+        </p:nvSpPr>
+        <p:spPr>
+          <a:xfrm>
+            <a:off x="1856270" y="142902"/>
+            <a:ext cx="10552545" cy="646331"/>
+          </a:xfrm>
+          <a:prstGeom prst="rect">
+            <a:avLst/>
+          </a:prstGeom>
+          <a:noFill/>
+        </p:spPr>
+        <p:txBody>
+          <a:bodyPr wrap="square" rtlCol="0">
+            <a:spAutoFit/>
+          </a:bodyPr>
+          <a:lstStyle/>
+          <a:p>
+            <a:pPr algn="ctr"/>
+            <a:r>
+              <a:rPr lang="es-ES" b="1" dirty="0" smtClean="0"/>
+              <a:t>MODELO ENTIDAD RELACIÓN:</a:t>
+            </a:r>
+          </a:p>
+          <a:p>
+            <a:endParaRPr lang="es-ES" dirty="0"/>
+          </a:p>
+        </p:txBody>
+      </p:sp>
+      <p:pic>
+        <p:nvPicPr>
+          <p:cNvPr id="2" name="Imagen 1"/>
+          <p:cNvPicPr>
+            <a:picLocks noChangeAspect="1"/>
+          </p:cNvPicPr>
+          <p:nvPr/>
+        </p:nvPicPr>
+        <p:blipFill>
+          <a:blip r:embed="rId2" cstate="print">
+            <a:extLst>
+              <a:ext uri="{28A0092B-C50C-407E-A947-70E740481C1C}">
+                <a14:useLocalDpi xmlns:a14="http://schemas.microsoft.com/office/drawing/2010/main" val="0"/>
+              </a:ext>
+            </a:extLst>
+          </a:blip>
+          <a:stretch>
+            <a:fillRect/>
+          </a:stretch>
+        </p:blipFill>
+        <p:spPr>
+          <a:xfrm>
+            <a:off x="2050654" y="1513466"/>
+            <a:ext cx="9676289" cy="3828365"/>
+          </a:xfrm>
+          <a:prstGeom prst="rect">
+            <a:avLst/>
+          </a:prstGeom>
+        </p:spPr>
+      </p:pic>
+    </p:spTree>
+    <p:extLst>
+      <p:ext uri="{BB962C8B-B14F-4D97-AF65-F5344CB8AC3E}">
+        <p14:creationId xmlns:p14="http://schemas.microsoft.com/office/powerpoint/2010/main" val="2897103510"/>
+      </p:ext>
+    </p:extLst>
+  </p:cSld>
+  <p:clrMapOvr>
+    <a:masterClrMapping/>
+  </p:clrMapOvr>
+  <p:timing>
+    <p:tnLst>
+      <p:par>
+        <p:cTn id="1" dur="indefinite" restart="never" nodeType="tmRoot"/>
+      </p:par>
+    </p:tnLst>
+  </p:timing>
+</p:sld>
+</file>
+
+<file path=ppt/slides/slide5.xml><?xml version="1.0" encoding="utf-8"?>
+<p:sld xmlns:a="http://schemas.openxmlformats.org/drawingml/2006/main" xmlns:r="http://schemas.openxmlformats.org/officeDocument/2006/relationships" xmlns:p="http://schemas.openxmlformats.org/presentationml/2006/main">
+  <p:cSld>
+    <p:spTree>
+      <p:nvGrpSpPr>
+        <p:cNvPr id="1" name=""/>
+        <p:cNvGrpSpPr/>
+        <p:nvPr/>
+      </p:nvGrpSpPr>
+      <p:grpSpPr>
+        <a:xfrm>
+          <a:off x="0" y="0"/>
+          <a:ext cx="0" cy="0"/>
+          <a:chOff x="0" y="0"/>
+          <a:chExt cx="0" cy="0"/>
+        </a:xfrm>
+      </p:grpSpPr>
+      <p:sp>
+        <p:nvSpPr>
+          <p:cNvPr id="5" name="Título 1"/>
+          <p:cNvSpPr txBox="1">
+            <a:spLocks/>
+          </p:cNvSpPr>
+          <p:nvPr/>
+        </p:nvSpPr>
+        <p:spPr>
+          <a:xfrm>
+            <a:off x="-7257865" y="2621772"/>
+            <a:ext cx="8915399" cy="2262781"/>
+          </a:xfrm>
+          <a:prstGeom prst="rect">
+            <a:avLst/>
+          </a:prstGeom>
+        </p:spPr>
+        <p:txBody>
+          <a:bodyPr vert="horz" lIns="91440" tIns="45720" rIns="91440" bIns="45720" rtlCol="0" anchor="b">
+            <a:normAutofit/>
+          </a:bodyPr>
+          <a:lstStyle>
+            <a:lvl1pPr algn="l" defTabSz="457200" rtl="0" eaLnBrk="1" latinLnBrk="0" hangingPunct="1">
+              <a:spcBef>
+                <a:spcPct val="0"/>
+              </a:spcBef>
+              <a:buNone/>
+              <a:defRPr sz="5400" kern="1200">
+                <a:solidFill>
+                  <a:schemeClr val="tx1">
+                    <a:lumMod val="85000"/>
+                    <a:lumOff val="15000"/>
+                  </a:schemeClr>
+                </a:solidFill>
+                <a:latin typeface="+mj-lt"/>
+                <a:ea typeface="+mj-ea"/>
+                <a:cs typeface="+mj-cs"/>
+              </a:defRPr>
+            </a:lvl1pPr>
+            <a:lvl2pPr eaLnBrk="1" hangingPunct="1">
+              <a:defRPr>
+                <a:solidFill>
+                  <a:schemeClr val="tx2"/>
+                </a:solidFill>
+              </a:defRPr>
+            </a:lvl2pPr>
+            <a:lvl3pPr eaLnBrk="1" hangingPunct="1">
+              <a:defRPr>
+                <a:solidFill>
+                  <a:schemeClr val="tx2"/>
+                </a:solidFill>
+              </a:defRPr>
+            </a:lvl3pPr>
+            <a:lvl4pPr eaLnBrk="1" hangingPunct="1">
+              <a:defRPr>
+                <a:solidFill>
+                  <a:schemeClr val="tx2"/>
+                </a:solidFill>
+              </a:defRPr>
+            </a:lvl4pPr>
+            <a:lvl5pPr eaLnBrk="1" hangingPunct="1">
+              <a:defRPr>
+                <a:solidFill>
+                  <a:schemeClr val="tx2"/>
+                </a:solidFill>
+              </a:defRPr>
+            </a:lvl5pPr>
+            <a:lvl6pPr eaLnBrk="1" hangingPunct="1">
+              <a:defRPr>
+                <a:solidFill>
+                  <a:schemeClr val="tx2"/>
+                </a:solidFill>
+              </a:defRPr>
+            </a:lvl6pPr>
+            <a:lvl7pPr eaLnBrk="1" hangingPunct="1">
+              <a:defRPr>
+                <a:solidFill>
+                  <a:schemeClr val="tx2"/>
+                </a:solidFill>
+              </a:defRPr>
+            </a:lvl7pPr>
+            <a:lvl8pPr eaLnBrk="1" hangingPunct="1">
+              <a:defRPr>
+                <a:solidFill>
+                  <a:schemeClr val="tx2"/>
+                </a:solidFill>
+              </a:defRPr>
+            </a:lvl8pPr>
+            <a:lvl9pPr eaLnBrk="1" hangingPunct="1">
+              <a:defRPr>
+                <a:solidFill>
+                  <a:schemeClr val="tx2"/>
+                </a:solidFill>
+              </a:defRPr>
+            </a:lvl9pPr>
+          </a:lstStyle>
+          <a:p>
+            <a:pPr algn="r"/>
+            <a:r>
+              <a:rPr lang="es-ES" sz="1800" b="1" dirty="0" smtClean="0"/>
+              <a:t>5</a:t>
+            </a:r>
+            <a:endParaRPr lang="es-ES" sz="1800" b="1" dirty="0"/>
+          </a:p>
+        </p:txBody>
+      </p:sp>
+      <p:sp>
+        <p:nvSpPr>
+          <p:cNvPr id="6" name="Título 1"/>
+          <p:cNvSpPr txBox="1">
+            <a:spLocks/>
+          </p:cNvSpPr>
+          <p:nvPr/>
+        </p:nvSpPr>
+        <p:spPr>
+          <a:xfrm>
+            <a:off x="1458799" y="816642"/>
+            <a:ext cx="8915399" cy="2262781"/>
+          </a:xfrm>
+          <a:prstGeom prst="rect">
+            <a:avLst/>
+          </a:prstGeom>
+        </p:spPr>
+        <p:txBody>
+          <a:bodyPr vert="horz" lIns="91440" tIns="45720" rIns="91440" bIns="45720" rtlCol="0" anchor="b">
+            <a:normAutofit/>
+          </a:bodyPr>
+          <a:lstStyle>
+            <a:lvl1pPr algn="l" defTabSz="457200" rtl="0" eaLnBrk="1" latinLnBrk="0" hangingPunct="1">
+              <a:spcBef>
+                <a:spcPct val="0"/>
+              </a:spcBef>
+              <a:buNone/>
+              <a:defRPr sz="5400" kern="1200">
+                <a:solidFill>
+                  <a:schemeClr val="tx1">
+                    <a:lumMod val="85000"/>
+                    <a:lumOff val="15000"/>
+                  </a:schemeClr>
+                </a:solidFill>
+                <a:latin typeface="+mj-lt"/>
+                <a:ea typeface="+mj-ea"/>
+                <a:cs typeface="+mj-cs"/>
+              </a:defRPr>
+            </a:lvl1pPr>
+            <a:lvl2pPr eaLnBrk="1" hangingPunct="1">
+              <a:defRPr>
+                <a:solidFill>
+                  <a:schemeClr val="tx2"/>
+                </a:solidFill>
+              </a:defRPr>
+            </a:lvl2pPr>
+            <a:lvl3pPr eaLnBrk="1" hangingPunct="1">
+              <a:defRPr>
+                <a:solidFill>
+                  <a:schemeClr val="tx2"/>
+                </a:solidFill>
+              </a:defRPr>
+            </a:lvl3pPr>
+            <a:lvl4pPr eaLnBrk="1" hangingPunct="1">
+              <a:defRPr>
+                <a:solidFill>
+                  <a:schemeClr val="tx2"/>
+                </a:solidFill>
+              </a:defRPr>
+            </a:lvl4pPr>
+            <a:lvl5pPr eaLnBrk="1" hangingPunct="1">
+              <a:defRPr>
+                <a:solidFill>
+                  <a:schemeClr val="tx2"/>
+                </a:solidFill>
+              </a:defRPr>
+            </a:lvl5pPr>
+            <a:lvl6pPr eaLnBrk="1" hangingPunct="1">
+              <a:defRPr>
+                <a:solidFill>
+                  <a:schemeClr val="tx2"/>
+                </a:solidFill>
+              </a:defRPr>
+            </a:lvl6pPr>
+            <a:lvl7pPr eaLnBrk="1" hangingPunct="1">
+              <a:defRPr>
+                <a:solidFill>
+                  <a:schemeClr val="tx2"/>
+                </a:solidFill>
+              </a:defRPr>
+            </a:lvl7pPr>
+            <a:lvl8pPr eaLnBrk="1" hangingPunct="1">
+              <a:defRPr>
+                <a:solidFill>
+                  <a:schemeClr val="tx2"/>
+                </a:solidFill>
+              </a:defRPr>
+            </a:lvl8pPr>
+            <a:lvl9pPr eaLnBrk="1" hangingPunct="1">
+              <a:defRPr>
+                <a:solidFill>
+                  <a:schemeClr val="tx2"/>
+                </a:solidFill>
+              </a:defRPr>
+            </a:lvl9pPr>
+          </a:lstStyle>
+          <a:p>
+            <a:pPr algn="r"/>
+            <a:endParaRPr lang="es-ES" sz="1800" dirty="0"/>
+          </a:p>
+        </p:txBody>
+      </p:sp>
+      <p:sp>
+        <p:nvSpPr>
+          <p:cNvPr id="12" name="CuadroTexto 11"/>
+          <p:cNvSpPr txBox="1"/>
+          <p:nvPr/>
+        </p:nvSpPr>
+        <p:spPr>
+          <a:xfrm>
+            <a:off x="4788816" y="980388"/>
+            <a:ext cx="3101419" cy="369332"/>
+          </a:xfrm>
+          <a:prstGeom prst="rect">
+            <a:avLst/>
+          </a:prstGeom>
+          <a:noFill/>
+        </p:spPr>
+        <p:txBody>
+          <a:bodyPr wrap="square" rtlCol="0">
+            <a:spAutoFit/>
+          </a:bodyPr>
+          <a:lstStyle/>
+          <a:p>
+            <a:endParaRPr lang="es-ES" dirty="0"/>
+          </a:p>
+        </p:txBody>
+      </p:sp>
+      <p:sp>
+        <p:nvSpPr>
+          <p:cNvPr id="16" name="CuadroTexto 15"/>
+          <p:cNvSpPr txBox="1"/>
+          <p:nvPr/>
+        </p:nvSpPr>
+        <p:spPr>
+          <a:xfrm>
+            <a:off x="1856270" y="142902"/>
+            <a:ext cx="10552545" cy="6740307"/>
+          </a:xfrm>
+          <a:prstGeom prst="rect">
+            <a:avLst/>
+          </a:prstGeom>
+          <a:noFill/>
+        </p:spPr>
+        <p:txBody>
+          <a:bodyPr wrap="square" rtlCol="0">
+            <a:spAutoFit/>
+          </a:bodyPr>
+          <a:lstStyle/>
+          <a:p>
+            <a:pPr algn="ctr"/>
+            <a:r>
+              <a:rPr lang="es-ES" b="1" dirty="0" smtClean="0"/>
+              <a:t>MODELO RELACIONAL:</a:t>
+            </a:r>
+          </a:p>
+          <a:p>
+            <a:endParaRPr lang="es-ES" dirty="0"/>
+          </a:p>
+          <a:p>
+            <a:r>
+              <a:rPr lang="es-ES" b="1" dirty="0" smtClean="0"/>
+              <a:t>Usuario </a:t>
+            </a:r>
+            <a:r>
+              <a:rPr lang="es-ES" b="1" dirty="0"/>
+              <a:t>: </a:t>
+            </a:r>
+            <a:r>
+              <a:rPr lang="es-ES" dirty="0"/>
+              <a:t>Tabla que posee la información del usuario registrado</a:t>
+            </a:r>
+            <a:r>
+              <a:rPr lang="es-ES" dirty="0" smtClean="0"/>
+              <a:t>.</a:t>
+            </a:r>
+          </a:p>
+          <a:p>
+            <a:endParaRPr lang="es-ES" dirty="0"/>
+          </a:p>
+          <a:p>
+            <a:pPr algn="ctr"/>
+            <a:r>
+              <a:rPr lang="es-ES" dirty="0"/>
+              <a:t>(</a:t>
+            </a:r>
+            <a:r>
+              <a:rPr lang="es-ES" b="1" dirty="0" err="1"/>
+              <a:t>dni</a:t>
+            </a:r>
+            <a:r>
+              <a:rPr lang="es-ES" dirty="0"/>
+              <a:t>, nombre, apellidos, </a:t>
+            </a:r>
+            <a:r>
+              <a:rPr lang="es-ES" dirty="0" err="1"/>
+              <a:t>direccion</a:t>
+            </a:r>
+            <a:r>
+              <a:rPr lang="es-ES" dirty="0"/>
+              <a:t>, </a:t>
+            </a:r>
+            <a:r>
+              <a:rPr lang="es-ES" dirty="0" err="1"/>
+              <a:t>codigoPostal</a:t>
+            </a:r>
+            <a:r>
+              <a:rPr lang="es-ES" dirty="0"/>
+              <a:t>, </a:t>
+            </a:r>
+            <a:r>
+              <a:rPr lang="es-ES" dirty="0" err="1"/>
+              <a:t>telefono</a:t>
+            </a:r>
+            <a:r>
+              <a:rPr lang="es-ES" dirty="0"/>
+              <a:t>, usuario, email, </a:t>
+            </a:r>
+            <a:r>
+              <a:rPr lang="es-ES" dirty="0" err="1" smtClean="0"/>
+              <a:t>password</a:t>
+            </a:r>
+            <a:r>
+              <a:rPr lang="es-ES" dirty="0"/>
+              <a:t>, </a:t>
+            </a:r>
+            <a:r>
+              <a:rPr lang="es-ES" dirty="0" err="1" smtClean="0"/>
+              <a:t>isAdmin</a:t>
+            </a:r>
+            <a:r>
+              <a:rPr lang="es-ES" dirty="0" smtClean="0"/>
+              <a:t>)</a:t>
+            </a:r>
+          </a:p>
+          <a:p>
+            <a:endParaRPr lang="es-ES" dirty="0"/>
+          </a:p>
+          <a:p>
+            <a:r>
+              <a:rPr lang="es-ES" dirty="0"/>
+              <a:t/>
+            </a:r>
+            <a:br>
+              <a:rPr lang="es-ES" dirty="0"/>
+            </a:br>
+            <a:r>
+              <a:rPr lang="es-ES" b="1" dirty="0" err="1"/>
+              <a:t>Orders</a:t>
+            </a:r>
+            <a:r>
+              <a:rPr lang="es-ES" b="1" dirty="0"/>
+              <a:t> : </a:t>
+            </a:r>
+            <a:r>
+              <a:rPr lang="es-ES" dirty="0"/>
+              <a:t>Tabla que posee la información del pedido realizado por el usuario</a:t>
+            </a:r>
+            <a:r>
+              <a:rPr lang="es-ES" dirty="0" smtClean="0"/>
+              <a:t>.</a:t>
+            </a:r>
+          </a:p>
+          <a:p>
+            <a:endParaRPr lang="es-ES" dirty="0"/>
+          </a:p>
+          <a:p>
+            <a:pPr algn="ctr"/>
+            <a:r>
+              <a:rPr lang="es-ES" dirty="0"/>
+              <a:t>(</a:t>
+            </a:r>
+            <a:r>
+              <a:rPr lang="es-ES" b="1" dirty="0"/>
+              <a:t>id</a:t>
+            </a:r>
+            <a:r>
+              <a:rPr lang="es-ES" dirty="0"/>
+              <a:t>, </a:t>
+            </a:r>
+            <a:r>
+              <a:rPr lang="es-ES" dirty="0" err="1"/>
+              <a:t>dni_usuario</a:t>
+            </a:r>
+            <a:r>
+              <a:rPr lang="es-ES" dirty="0"/>
+              <a:t>, </a:t>
+            </a:r>
+            <a:r>
+              <a:rPr lang="es-ES" dirty="0" err="1"/>
+              <a:t>precio_total</a:t>
+            </a:r>
+            <a:r>
+              <a:rPr lang="es-ES" dirty="0"/>
+              <a:t>, </a:t>
+            </a:r>
+            <a:r>
+              <a:rPr lang="es-ES" dirty="0" err="1"/>
+              <a:t>fechaCreacion</a:t>
+            </a:r>
+            <a:r>
+              <a:rPr lang="es-ES" dirty="0"/>
+              <a:t>, estado</a:t>
+            </a:r>
+            <a:r>
+              <a:rPr lang="es-ES" dirty="0" smtClean="0"/>
+              <a:t>)</a:t>
+            </a:r>
+          </a:p>
+          <a:p>
+            <a:pPr algn="ctr"/>
+            <a:endParaRPr lang="es-ES" dirty="0"/>
+          </a:p>
+          <a:p>
+            <a:r>
+              <a:rPr lang="es-ES" dirty="0" smtClean="0"/>
+              <a:t>			 Usuario</a:t>
+            </a:r>
+          </a:p>
+          <a:p>
+            <a:endParaRPr lang="es-ES" dirty="0"/>
+          </a:p>
+          <a:p>
+            <a:endParaRPr lang="es-ES" dirty="0" smtClean="0"/>
+          </a:p>
+          <a:p>
+            <a:r>
+              <a:rPr lang="es-ES" b="1" dirty="0" err="1"/>
+              <a:t>Order_items</a:t>
+            </a:r>
+            <a:r>
+              <a:rPr lang="es-ES" b="1" dirty="0"/>
+              <a:t> : </a:t>
+            </a:r>
+            <a:r>
+              <a:rPr lang="es-ES" dirty="0"/>
+              <a:t>Tabla que posee la información sobre los productos usados en el pedido</a:t>
+            </a:r>
+            <a:r>
+              <a:rPr lang="es-ES" dirty="0" smtClean="0"/>
+              <a:t>.</a:t>
+            </a:r>
+          </a:p>
+          <a:p>
+            <a:endParaRPr lang="es-ES" dirty="0"/>
+          </a:p>
+          <a:p>
+            <a:pPr algn="ctr"/>
+            <a:r>
+              <a:rPr lang="es-ES" dirty="0"/>
+              <a:t>(</a:t>
+            </a:r>
+            <a:r>
+              <a:rPr lang="es-ES" b="1" dirty="0"/>
+              <a:t>id</a:t>
+            </a:r>
+            <a:r>
+              <a:rPr lang="es-ES" dirty="0"/>
+              <a:t>, </a:t>
+            </a:r>
+            <a:r>
+              <a:rPr lang="es-ES" dirty="0" err="1"/>
+              <a:t>order_id</a:t>
+            </a:r>
+            <a:r>
+              <a:rPr lang="es-ES" dirty="0"/>
+              <a:t>, </a:t>
+            </a:r>
+            <a:r>
+              <a:rPr lang="es-ES" dirty="0" err="1"/>
+              <a:t>product_id</a:t>
+            </a:r>
+            <a:r>
+              <a:rPr lang="es-ES" dirty="0"/>
+              <a:t>, cantidad)</a:t>
+            </a:r>
+          </a:p>
+          <a:p>
+            <a:endParaRPr lang="es-ES" dirty="0" smtClean="0"/>
+          </a:p>
+          <a:p>
+            <a:r>
+              <a:rPr lang="es-ES" dirty="0" smtClean="0"/>
+              <a:t>				</a:t>
+            </a:r>
+            <a:r>
+              <a:rPr lang="es-ES" dirty="0" err="1" smtClean="0"/>
+              <a:t>Orders</a:t>
+            </a:r>
+            <a:r>
+              <a:rPr lang="es-ES" dirty="0" smtClean="0"/>
+              <a:t>    Producto</a:t>
+            </a:r>
+          </a:p>
+          <a:p>
+            <a:endParaRPr lang="es-ES" dirty="0"/>
+          </a:p>
+          <a:p>
+            <a:r>
+              <a:rPr lang="es-ES" b="1" dirty="0"/>
+              <a:t>Producto : </a:t>
+            </a:r>
+            <a:r>
+              <a:rPr lang="es-ES" dirty="0"/>
+              <a:t>Tabla que posee la información de los distintos productos</a:t>
+            </a:r>
+            <a:r>
+              <a:rPr lang="es-ES" dirty="0" smtClean="0"/>
+              <a:t>.</a:t>
+            </a:r>
+          </a:p>
+          <a:p>
+            <a:endParaRPr lang="es-ES" dirty="0"/>
+          </a:p>
+          <a:p>
+            <a:pPr algn="ctr"/>
+            <a:r>
+              <a:rPr lang="es-ES" dirty="0"/>
+              <a:t>(</a:t>
+            </a:r>
+            <a:r>
+              <a:rPr lang="es-ES" b="1" dirty="0"/>
+              <a:t>id</a:t>
+            </a:r>
+            <a:r>
+              <a:rPr lang="es-ES" dirty="0"/>
+              <a:t>, nombre, </a:t>
+            </a:r>
+            <a:r>
+              <a:rPr lang="es-ES" dirty="0" err="1"/>
+              <a:t>descripcion</a:t>
+            </a:r>
+            <a:r>
+              <a:rPr lang="es-ES" dirty="0"/>
+              <a:t>, precio, tipo)</a:t>
+            </a:r>
+          </a:p>
+          <a:p>
+            <a:endParaRPr lang="es-ES" dirty="0"/>
+          </a:p>
+        </p:txBody>
+      </p:sp>
+      <p:pic>
+        <p:nvPicPr>
+          <p:cNvPr id="26" name="Imagen 25" descr="C:\Users\Neptuno\AppData\Local\Microsoft\Windows\INetCache\Content.Word\flecha.jpg"/>
+          <p:cNvPicPr/>
+          <p:nvPr/>
+        </p:nvPicPr>
+        <p:blipFill>
+          <a:blip r:embed="rId2">
+            <a:extLst>
+              <a:ext uri="{28A0092B-C50C-407E-A947-70E740481C1C}">
+                <a14:useLocalDpi xmlns:a14="http://schemas.microsoft.com/office/drawing/2010/main" val="0"/>
+              </a:ext>
+            </a:extLst>
+          </a:blip>
+          <a:srcRect/>
+          <a:stretch>
+            <a:fillRect/>
+          </a:stretch>
+        </p:blipFill>
+        <p:spPr bwMode="auto">
+          <a:xfrm>
+            <a:off x="5916498" y="4846677"/>
+            <a:ext cx="289560" cy="333375"/>
+          </a:xfrm>
+          <a:prstGeom prst="rect">
+            <a:avLst/>
+          </a:prstGeom>
+          <a:noFill/>
+          <a:ln>
+            <a:noFill/>
+          </a:ln>
+        </p:spPr>
+      </p:pic>
+      <p:pic>
+        <p:nvPicPr>
+          <p:cNvPr id="27" name="Imagen 26" descr="C:\Users\Neptuno\AppData\Local\Microsoft\Windows\INetCache\Content.Word\flecha.jpg"/>
+          <p:cNvPicPr/>
+          <p:nvPr/>
+        </p:nvPicPr>
+        <p:blipFill>
+          <a:blip r:embed="rId2">
+            <a:extLst>
+              <a:ext uri="{28A0092B-C50C-407E-A947-70E740481C1C}">
+                <a14:useLocalDpi xmlns:a14="http://schemas.microsoft.com/office/drawing/2010/main" val="0"/>
+              </a:ext>
+            </a:extLst>
+          </a:blip>
+          <a:srcRect/>
+          <a:stretch>
+            <a:fillRect/>
+          </a:stretch>
+        </p:blipFill>
+        <p:spPr bwMode="auto">
+          <a:xfrm>
+            <a:off x="6987762" y="4846677"/>
+            <a:ext cx="289560" cy="333375"/>
+          </a:xfrm>
+          <a:prstGeom prst="rect">
+            <a:avLst/>
+          </a:prstGeom>
+          <a:noFill/>
+          <a:ln>
+            <a:noFill/>
+          </a:ln>
+        </p:spPr>
+      </p:pic>
+      <p:pic>
+        <p:nvPicPr>
+          <p:cNvPr id="28" name="Imagen 27" descr="C:\Users\Neptuno\AppData\Local\Microsoft\Windows\INetCache\Content.Word\flecha.jpg"/>
+          <p:cNvPicPr/>
+          <p:nvPr/>
+        </p:nvPicPr>
+        <p:blipFill>
+          <a:blip r:embed="rId2">
+            <a:extLst>
+              <a:ext uri="{28A0092B-C50C-407E-A947-70E740481C1C}">
+                <a14:useLocalDpi xmlns:a14="http://schemas.microsoft.com/office/drawing/2010/main" val="0"/>
+              </a:ext>
+            </a:extLst>
+          </a:blip>
+          <a:srcRect/>
+          <a:stretch>
+            <a:fillRect/>
+          </a:stretch>
+        </p:blipFill>
+        <p:spPr bwMode="auto">
+          <a:xfrm>
+            <a:off x="5015060" y="2912735"/>
+            <a:ext cx="289560" cy="333375"/>
+          </a:xfrm>
+          <a:prstGeom prst="rect">
+            <a:avLst/>
+          </a:prstGeom>
+          <a:noFill/>
+          <a:ln>
+            <a:noFill/>
+          </a:ln>
+        </p:spPr>
+      </p:pic>
+    </p:spTree>
+    <p:extLst>
+      <p:ext uri="{BB962C8B-B14F-4D97-AF65-F5344CB8AC3E}">
+        <p14:creationId xmlns:p14="http://schemas.microsoft.com/office/powerpoint/2010/main" val="3547074451"/>
+      </p:ext>
+    </p:extLst>
+  </p:cSld>
+  <p:clrMapOvr>
+    <a:masterClrMapping/>
+  </p:clrMapOvr>
+  <p:timing>
+    <p:tnLst>
+      <p:par>
+        <p:cTn id="1" dur="indefinite" restart="never" nodeType="tmRoot"/>
+      </p:par>
+    </p:tnLst>
+  </p:timing>
+</p:sld>
+</file>
+
+<file path=ppt/slides/slide6.xml><?xml version="1.0" encoding="utf-8"?>
+<p:sld xmlns:a="http://schemas.openxmlformats.org/drawingml/2006/main" xmlns:r="http://schemas.openxmlformats.org/officeDocument/2006/relationships" xmlns:p="http://schemas.openxmlformats.org/presentationml/2006/main">
+  <p:cSld>
+    <p:spTree>
+      <p:nvGrpSpPr>
+        <p:cNvPr id="1" name=""/>
+        <p:cNvGrpSpPr/>
+        <p:nvPr/>
+      </p:nvGrpSpPr>
+      <p:grpSpPr>
+        <a:xfrm>
+          <a:off x="0" y="0"/>
+          <a:ext cx="0" cy="0"/>
+          <a:chOff x="0" y="0"/>
+          <a:chExt cx="0" cy="0"/>
+        </a:xfrm>
+      </p:grpSpPr>
+      <p:sp>
+        <p:nvSpPr>
+          <p:cNvPr id="5" name="Título 1"/>
+          <p:cNvSpPr txBox="1">
+            <a:spLocks/>
+          </p:cNvSpPr>
+          <p:nvPr/>
+        </p:nvSpPr>
+        <p:spPr>
+          <a:xfrm>
+            <a:off x="-7275944" y="2641425"/>
+            <a:ext cx="8915399" cy="2262781"/>
+          </a:xfrm>
+          <a:prstGeom prst="rect">
+            <a:avLst/>
+          </a:prstGeom>
+        </p:spPr>
+        <p:txBody>
+          <a:bodyPr vert="horz" lIns="91440" tIns="45720" rIns="91440" bIns="45720" rtlCol="0" anchor="b">
+            <a:normAutofit/>
+          </a:bodyPr>
+          <a:lstStyle>
+            <a:lvl1pPr algn="l" defTabSz="457200" rtl="0" eaLnBrk="1" latinLnBrk="0" hangingPunct="1">
+              <a:spcBef>
+                <a:spcPct val="0"/>
+              </a:spcBef>
+              <a:buNone/>
+              <a:defRPr sz="5400" kern="1200">
+                <a:solidFill>
+                  <a:schemeClr val="tx1">
+                    <a:lumMod val="85000"/>
+                    <a:lumOff val="15000"/>
+                  </a:schemeClr>
+                </a:solidFill>
+                <a:latin typeface="+mj-lt"/>
+                <a:ea typeface="+mj-ea"/>
+                <a:cs typeface="+mj-cs"/>
+              </a:defRPr>
+            </a:lvl1pPr>
+            <a:lvl2pPr eaLnBrk="1" hangingPunct="1">
+              <a:defRPr>
+                <a:solidFill>
+                  <a:schemeClr val="tx2"/>
+                </a:solidFill>
+              </a:defRPr>
+            </a:lvl2pPr>
+            <a:lvl3pPr eaLnBrk="1" hangingPunct="1">
+              <a:defRPr>
+                <a:solidFill>
+                  <a:schemeClr val="tx2"/>
+                </a:solidFill>
+              </a:defRPr>
+            </a:lvl3pPr>
+            <a:lvl4pPr eaLnBrk="1" hangingPunct="1">
+              <a:defRPr>
+                <a:solidFill>
+                  <a:schemeClr val="tx2"/>
+                </a:solidFill>
+              </a:defRPr>
+            </a:lvl4pPr>
+            <a:lvl5pPr eaLnBrk="1" hangingPunct="1">
+              <a:defRPr>
+                <a:solidFill>
+                  <a:schemeClr val="tx2"/>
+                </a:solidFill>
+              </a:defRPr>
+            </a:lvl5pPr>
+            <a:lvl6pPr eaLnBrk="1" hangingPunct="1">
+              <a:defRPr>
+                <a:solidFill>
+                  <a:schemeClr val="tx2"/>
+                </a:solidFill>
+              </a:defRPr>
+            </a:lvl6pPr>
+            <a:lvl7pPr eaLnBrk="1" hangingPunct="1">
+              <a:defRPr>
+                <a:solidFill>
+                  <a:schemeClr val="tx2"/>
+                </a:solidFill>
+              </a:defRPr>
+            </a:lvl7pPr>
+            <a:lvl8pPr eaLnBrk="1" hangingPunct="1">
+              <a:defRPr>
+                <a:solidFill>
+                  <a:schemeClr val="tx2"/>
+                </a:solidFill>
+              </a:defRPr>
+            </a:lvl8pPr>
+            <a:lvl9pPr eaLnBrk="1" hangingPunct="1">
+              <a:defRPr>
+                <a:solidFill>
+                  <a:schemeClr val="tx2"/>
+                </a:solidFill>
+              </a:defRPr>
+            </a:lvl9pPr>
+          </a:lstStyle>
+          <a:p>
+            <a:pPr algn="r"/>
+            <a:r>
+              <a:rPr lang="es-ES" sz="1800" b="1" dirty="0" smtClean="0"/>
+              <a:t>6</a:t>
             </a:r>
             <a:endParaRPr lang="es-ES" sz="1800" b="1" dirty="0"/>
           </a:p>
@@ -14859,7 +17137,7 @@
         </p:nvGraphicFramePr>
         <p:xfrm>
           <a:off x="3035429" y="439073"/>
-          <a:ext cx="7607432" cy="6308922"/>
+          <a:ext cx="7607432" cy="6347339"/>
         </p:xfrm>
         <a:graphic>
           <a:graphicData uri="http://schemas.openxmlformats.org/drawingml/2006/table">
@@ -15444,7 +17722,7 @@
 </p:sld>
 </file>
 
-<file path=ppt/slides/slide5.xml><?xml version="1.0" encoding="utf-8"?>
+<file path=ppt/slides/slide7.xml><?xml version="1.0" encoding="utf-8"?>
 <p:sld xmlns:a="http://schemas.openxmlformats.org/drawingml/2006/main" xmlns:r="http://schemas.openxmlformats.org/officeDocument/2006/relationships" xmlns:p="http://schemas.openxmlformats.org/presentationml/2006/main">
   <p:cSld>
     <p:spTree>
@@ -15618,8 +17896,16 @@
           </a:p>
           <a:p>
             <a:r>
+              <a:rPr lang="es-ES" dirty="0"/>
+              <a:t>d</a:t>
+            </a:r>
+            <a:r>
               <a:rPr lang="es-ES" dirty="0" smtClean="0"/>
-              <a:t>De gráficos mediante datos en lenguaje </a:t>
+              <a:t>e </a:t>
+            </a:r>
+            <a:r>
+              <a:rPr lang="es-ES" dirty="0" smtClean="0"/>
+              <a:t>gráficos mediante datos en lenguaje </a:t>
             </a:r>
             <a:r>
               <a:rPr lang="es-ES" dirty="0" err="1" smtClean="0"/>
@@ -15776,7 +18062,7 @@
             <a:pPr algn="r"/>
             <a:r>
               <a:rPr lang="es-ES" sz="1800" b="1" dirty="0" smtClean="0"/>
-              <a:t>5</a:t>
+              <a:t>7</a:t>
             </a:r>
             <a:endParaRPr lang="es-ES" sz="1800" b="1" dirty="0"/>
           </a:p>
@@ -16184,953 +18470,6 @@
     <p:extLst>
       <p:ext uri="{BB962C8B-B14F-4D97-AF65-F5344CB8AC3E}">
         <p14:creationId xmlns:p14="http://schemas.microsoft.com/office/powerpoint/2010/main" val="4279584755"/>
-      </p:ext>
-    </p:extLst>
-  </p:cSld>
-  <p:clrMapOvr>
-    <a:masterClrMapping/>
-  </p:clrMapOvr>
-  <p:timing>
-    <p:tnLst>
-      <p:par>
-        <p:cTn id="1" dur="indefinite" restart="never" nodeType="tmRoot"/>
-      </p:par>
-    </p:tnLst>
-  </p:timing>
-</p:sld>
-</file>
-
-<file path=ppt/slides/slide6.xml><?xml version="1.0" encoding="utf-8"?>
-<p:sld xmlns:a="http://schemas.openxmlformats.org/drawingml/2006/main" xmlns:r="http://schemas.openxmlformats.org/officeDocument/2006/relationships" xmlns:p="http://schemas.openxmlformats.org/presentationml/2006/main">
-  <p:cSld>
-    <p:spTree>
-      <p:nvGrpSpPr>
-        <p:cNvPr id="1" name=""/>
-        <p:cNvGrpSpPr/>
-        <p:nvPr/>
-      </p:nvGrpSpPr>
-      <p:grpSpPr>
-        <a:xfrm>
-          <a:off x="0" y="0"/>
-          <a:ext cx="0" cy="0"/>
-          <a:chOff x="0" y="0"/>
-          <a:chExt cx="0" cy="0"/>
-        </a:xfrm>
-      </p:grpSpPr>
-      <p:sp>
-        <p:nvSpPr>
-          <p:cNvPr id="2" name="CuadroTexto 1"/>
-          <p:cNvSpPr txBox="1"/>
-          <p:nvPr/>
-        </p:nvSpPr>
-        <p:spPr>
-          <a:xfrm>
-            <a:off x="2535810" y="980388"/>
-            <a:ext cx="8333745" cy="3139321"/>
-          </a:xfrm>
-          <a:prstGeom prst="rect">
-            <a:avLst/>
-          </a:prstGeom>
-        </p:spPr>
-        <p:style>
-          <a:lnRef idx="2">
-            <a:schemeClr val="dk1"/>
-          </a:lnRef>
-          <a:fillRef idx="1">
-            <a:schemeClr val="lt1"/>
-          </a:fillRef>
-          <a:effectRef idx="0">
-            <a:schemeClr val="dk1"/>
-          </a:effectRef>
-          <a:fontRef idx="minor">
-            <a:schemeClr val="dk1"/>
-          </a:fontRef>
-        </p:style>
-        <p:txBody>
-          <a:bodyPr wrap="square" rtlCol="0">
-            <a:spAutoFit/>
-          </a:bodyPr>
-          <a:lstStyle/>
-          <a:p>
-            <a:r>
-              <a:rPr lang="es-ES" dirty="0" smtClean="0"/>
-              <a:t>2-Lenguajes usados :</a:t>
-            </a:r>
-          </a:p>
-          <a:p>
-            <a:endParaRPr lang="es-ES" dirty="0"/>
-          </a:p>
-          <a:p>
-            <a:r>
-              <a:rPr lang="es-ES" dirty="0" err="1" smtClean="0"/>
-              <a:t>Php</a:t>
-            </a:r>
-            <a:endParaRPr lang="es-ES" dirty="0" smtClean="0"/>
-          </a:p>
-          <a:p>
-            <a:endParaRPr lang="es-ES" dirty="0" smtClean="0"/>
-          </a:p>
-          <a:p>
-            <a:r>
-              <a:rPr lang="es-ES" dirty="0" err="1" smtClean="0"/>
-              <a:t>Html</a:t>
-            </a:r>
-            <a:endParaRPr lang="es-ES" dirty="0" smtClean="0"/>
-          </a:p>
-          <a:p>
-            <a:endParaRPr lang="es-ES" dirty="0"/>
-          </a:p>
-          <a:p>
-            <a:r>
-              <a:rPr lang="es-ES" dirty="0" err="1" smtClean="0"/>
-              <a:t>Css</a:t>
-            </a:r>
-            <a:r>
-              <a:rPr lang="es-ES" dirty="0" smtClean="0"/>
-              <a:t> -&gt; </a:t>
-            </a:r>
-            <a:r>
-              <a:rPr lang="es-ES" dirty="0" err="1" smtClean="0"/>
-              <a:t>Boostrap</a:t>
-            </a:r>
-            <a:endParaRPr lang="es-ES" dirty="0" smtClean="0"/>
-          </a:p>
-          <a:p>
-            <a:endParaRPr lang="es-ES" dirty="0"/>
-          </a:p>
-          <a:p>
-            <a:r>
-              <a:rPr lang="es-ES" dirty="0" err="1" smtClean="0"/>
-              <a:t>Javascript</a:t>
-            </a:r>
-            <a:r>
-              <a:rPr lang="es-ES" dirty="0"/>
-              <a:t> </a:t>
-            </a:r>
-            <a:r>
-              <a:rPr lang="es-ES" dirty="0" smtClean="0"/>
-              <a:t>-&gt; </a:t>
-            </a:r>
-            <a:r>
-              <a:rPr lang="es-ES" dirty="0" err="1" smtClean="0"/>
-              <a:t>Jquery</a:t>
-            </a:r>
-            <a:r>
-              <a:rPr lang="es-ES" dirty="0" smtClean="0"/>
-              <a:t> -&gt; </a:t>
-            </a:r>
-            <a:r>
-              <a:rPr lang="es-ES" dirty="0" err="1" smtClean="0"/>
-              <a:t>Datatables</a:t>
-            </a:r>
-            <a:endParaRPr lang="es-ES" dirty="0"/>
-          </a:p>
-          <a:p>
-            <a:endParaRPr lang="es-ES" dirty="0" smtClean="0"/>
-          </a:p>
-          <a:p>
-            <a:endParaRPr lang="es-ES" dirty="0"/>
-          </a:p>
-        </p:txBody>
-      </p:sp>
-      <p:sp>
-        <p:nvSpPr>
-          <p:cNvPr id="5" name="Título 1"/>
-          <p:cNvSpPr txBox="1">
-            <a:spLocks/>
-          </p:cNvSpPr>
-          <p:nvPr/>
-        </p:nvSpPr>
-        <p:spPr>
-          <a:xfrm>
-            <a:off x="-7275944" y="2641425"/>
-            <a:ext cx="8915399" cy="2262781"/>
-          </a:xfrm>
-          <a:prstGeom prst="rect">
-            <a:avLst/>
-          </a:prstGeom>
-        </p:spPr>
-        <p:txBody>
-          <a:bodyPr vert="horz" lIns="91440" tIns="45720" rIns="91440" bIns="45720" rtlCol="0" anchor="b">
-            <a:normAutofit/>
-          </a:bodyPr>
-          <a:lstStyle>
-            <a:lvl1pPr algn="l" defTabSz="457200" rtl="0" eaLnBrk="1" latinLnBrk="0" hangingPunct="1">
-              <a:spcBef>
-                <a:spcPct val="0"/>
-              </a:spcBef>
-              <a:buNone/>
-              <a:defRPr sz="5400" kern="1200">
-                <a:solidFill>
-                  <a:schemeClr val="tx1">
-                    <a:lumMod val="85000"/>
-                    <a:lumOff val="15000"/>
-                  </a:schemeClr>
-                </a:solidFill>
-                <a:latin typeface="+mj-lt"/>
-                <a:ea typeface="+mj-ea"/>
-                <a:cs typeface="+mj-cs"/>
-              </a:defRPr>
-            </a:lvl1pPr>
-            <a:lvl2pPr eaLnBrk="1" hangingPunct="1">
-              <a:defRPr>
-                <a:solidFill>
-                  <a:schemeClr val="tx2"/>
-                </a:solidFill>
-              </a:defRPr>
-            </a:lvl2pPr>
-            <a:lvl3pPr eaLnBrk="1" hangingPunct="1">
-              <a:defRPr>
-                <a:solidFill>
-                  <a:schemeClr val="tx2"/>
-                </a:solidFill>
-              </a:defRPr>
-            </a:lvl3pPr>
-            <a:lvl4pPr eaLnBrk="1" hangingPunct="1">
-              <a:defRPr>
-                <a:solidFill>
-                  <a:schemeClr val="tx2"/>
-                </a:solidFill>
-              </a:defRPr>
-            </a:lvl4pPr>
-            <a:lvl5pPr eaLnBrk="1" hangingPunct="1">
-              <a:defRPr>
-                <a:solidFill>
-                  <a:schemeClr val="tx2"/>
-                </a:solidFill>
-              </a:defRPr>
-            </a:lvl5pPr>
-            <a:lvl6pPr eaLnBrk="1" hangingPunct="1">
-              <a:defRPr>
-                <a:solidFill>
-                  <a:schemeClr val="tx2"/>
-                </a:solidFill>
-              </a:defRPr>
-            </a:lvl6pPr>
-            <a:lvl7pPr eaLnBrk="1" hangingPunct="1">
-              <a:defRPr>
-                <a:solidFill>
-                  <a:schemeClr val="tx2"/>
-                </a:solidFill>
-              </a:defRPr>
-            </a:lvl7pPr>
-            <a:lvl8pPr eaLnBrk="1" hangingPunct="1">
-              <a:defRPr>
-                <a:solidFill>
-                  <a:schemeClr val="tx2"/>
-                </a:solidFill>
-              </a:defRPr>
-            </a:lvl8pPr>
-            <a:lvl9pPr eaLnBrk="1" hangingPunct="1">
-              <a:defRPr>
-                <a:solidFill>
-                  <a:schemeClr val="tx2"/>
-                </a:solidFill>
-              </a:defRPr>
-            </a:lvl9pPr>
-          </a:lstStyle>
-          <a:p>
-            <a:pPr algn="r"/>
-            <a:r>
-              <a:rPr lang="es-ES" sz="1800" b="1" dirty="0" smtClean="0"/>
-              <a:t>6</a:t>
-            </a:r>
-            <a:endParaRPr lang="es-ES" sz="1800" b="1" dirty="0"/>
-          </a:p>
-        </p:txBody>
-      </p:sp>
-      <p:sp>
-        <p:nvSpPr>
-          <p:cNvPr id="6" name="Título 1"/>
-          <p:cNvSpPr txBox="1">
-            <a:spLocks/>
-          </p:cNvSpPr>
-          <p:nvPr/>
-        </p:nvSpPr>
-        <p:spPr>
-          <a:xfrm>
-            <a:off x="1098014" y="750001"/>
-            <a:ext cx="8915399" cy="2262781"/>
-          </a:xfrm>
-          <a:prstGeom prst="rect">
-            <a:avLst/>
-          </a:prstGeom>
-        </p:spPr>
-        <p:txBody>
-          <a:bodyPr vert="horz" lIns="91440" tIns="45720" rIns="91440" bIns="45720" rtlCol="0" anchor="b">
-            <a:normAutofit/>
-          </a:bodyPr>
-          <a:lstStyle>
-            <a:lvl1pPr algn="l" defTabSz="457200" rtl="0" eaLnBrk="1" latinLnBrk="0" hangingPunct="1">
-              <a:spcBef>
-                <a:spcPct val="0"/>
-              </a:spcBef>
-              <a:buNone/>
-              <a:defRPr sz="5400" kern="1200">
-                <a:solidFill>
-                  <a:schemeClr val="tx1">
-                    <a:lumMod val="85000"/>
-                    <a:lumOff val="15000"/>
-                  </a:schemeClr>
-                </a:solidFill>
-                <a:latin typeface="+mj-lt"/>
-                <a:ea typeface="+mj-ea"/>
-                <a:cs typeface="+mj-cs"/>
-              </a:defRPr>
-            </a:lvl1pPr>
-            <a:lvl2pPr eaLnBrk="1" hangingPunct="1">
-              <a:defRPr>
-                <a:solidFill>
-                  <a:schemeClr val="tx2"/>
-                </a:solidFill>
-              </a:defRPr>
-            </a:lvl2pPr>
-            <a:lvl3pPr eaLnBrk="1" hangingPunct="1">
-              <a:defRPr>
-                <a:solidFill>
-                  <a:schemeClr val="tx2"/>
-                </a:solidFill>
-              </a:defRPr>
-            </a:lvl3pPr>
-            <a:lvl4pPr eaLnBrk="1" hangingPunct="1">
-              <a:defRPr>
-                <a:solidFill>
-                  <a:schemeClr val="tx2"/>
-                </a:solidFill>
-              </a:defRPr>
-            </a:lvl4pPr>
-            <a:lvl5pPr eaLnBrk="1" hangingPunct="1">
-              <a:defRPr>
-                <a:solidFill>
-                  <a:schemeClr val="tx2"/>
-                </a:solidFill>
-              </a:defRPr>
-            </a:lvl5pPr>
-            <a:lvl6pPr eaLnBrk="1" hangingPunct="1">
-              <a:defRPr>
-                <a:solidFill>
-                  <a:schemeClr val="tx2"/>
-                </a:solidFill>
-              </a:defRPr>
-            </a:lvl6pPr>
-            <a:lvl7pPr eaLnBrk="1" hangingPunct="1">
-              <a:defRPr>
-                <a:solidFill>
-                  <a:schemeClr val="tx2"/>
-                </a:solidFill>
-              </a:defRPr>
-            </a:lvl7pPr>
-            <a:lvl8pPr eaLnBrk="1" hangingPunct="1">
-              <a:defRPr>
-                <a:solidFill>
-                  <a:schemeClr val="tx2"/>
-                </a:solidFill>
-              </a:defRPr>
-            </a:lvl8pPr>
-            <a:lvl9pPr eaLnBrk="1" hangingPunct="1">
-              <a:defRPr>
-                <a:solidFill>
-                  <a:schemeClr val="tx2"/>
-                </a:solidFill>
-              </a:defRPr>
-            </a:lvl9pPr>
-          </a:lstStyle>
-          <a:p>
-            <a:pPr algn="r"/>
-            <a:endParaRPr lang="es-ES" sz="1800" dirty="0"/>
-          </a:p>
-        </p:txBody>
-      </p:sp>
-      <p:sp>
-        <p:nvSpPr>
-          <p:cNvPr id="12" name="CuadroTexto 11"/>
-          <p:cNvSpPr txBox="1"/>
-          <p:nvPr/>
-        </p:nvSpPr>
-        <p:spPr>
-          <a:xfrm>
-            <a:off x="4788816" y="980388"/>
-            <a:ext cx="3101419" cy="369332"/>
-          </a:xfrm>
-          <a:prstGeom prst="rect">
-            <a:avLst/>
-          </a:prstGeom>
-          <a:noFill/>
-        </p:spPr>
-        <p:txBody>
-          <a:bodyPr wrap="square" rtlCol="0">
-            <a:spAutoFit/>
-          </a:bodyPr>
-          <a:lstStyle/>
-          <a:p>
-            <a:endParaRPr lang="es-ES" dirty="0"/>
-          </a:p>
-        </p:txBody>
-      </p:sp>
-      <p:sp>
-        <p:nvSpPr>
-          <p:cNvPr id="16" name="CuadroTexto 15"/>
-          <p:cNvSpPr txBox="1"/>
-          <p:nvPr/>
-        </p:nvSpPr>
-        <p:spPr>
-          <a:xfrm>
-            <a:off x="1426409" y="173143"/>
-            <a:ext cx="10552545" cy="923330"/>
-          </a:xfrm>
-          <a:prstGeom prst="rect">
-            <a:avLst/>
-          </a:prstGeom>
-          <a:noFill/>
-        </p:spPr>
-        <p:txBody>
-          <a:bodyPr wrap="square" rtlCol="0">
-            <a:spAutoFit/>
-          </a:bodyPr>
-          <a:lstStyle/>
-          <a:p>
-            <a:pPr algn="ctr"/>
-            <a:r>
-              <a:rPr lang="es-ES" b="1" dirty="0" smtClean="0"/>
-              <a:t>TECNOLOGÍA APLICADA EN EL PROYECTO:</a:t>
-            </a:r>
-          </a:p>
-          <a:p>
-            <a:endParaRPr lang="es-ES" dirty="0"/>
-          </a:p>
-          <a:p>
-            <a:endParaRPr lang="es-ES" dirty="0"/>
-          </a:p>
-        </p:txBody>
-      </p:sp>
-      <p:sp>
-        <p:nvSpPr>
-          <p:cNvPr id="8" name="AutoShape 14" descr="How to install Helppier on your Bubble.io application – Helppier"/>
-          <p:cNvSpPr>
-            <a:spLocks noChangeAspect="1" noChangeArrowheads="1"/>
-          </p:cNvSpPr>
-          <p:nvPr/>
-        </p:nvSpPr>
-        <p:spPr bwMode="auto">
-          <a:xfrm>
-            <a:off x="155575" y="-144463"/>
-            <a:ext cx="1884878" cy="1884884"/>
-          </a:xfrm>
-          <a:prstGeom prst="rect">
-            <a:avLst/>
-          </a:prstGeom>
-          <a:noFill/>
-          <a:extLst>
-            <a:ext uri="{909E8E84-426E-40DD-AFC4-6F175D3DCCD1}">
-              <a14:hiddenFill xmlns:a14="http://schemas.microsoft.com/office/drawing/2010/main">
-                <a:solidFill>
-                  <a:srgbClr val="FFFFFF"/>
-                </a:solidFill>
-              </a14:hiddenFill>
-            </a:ext>
-          </a:extLst>
-        </p:spPr>
-        <p:txBody>
-          <a:bodyPr vert="horz" wrap="square" lIns="91440" tIns="45720" rIns="91440" bIns="45720" numCol="1" anchor="t" anchorCtr="0" compatLnSpc="1">
-            <a:prstTxWarp prst="textNoShape">
-              <a:avLst/>
-            </a:prstTxWarp>
-          </a:bodyPr>
-          <a:lstStyle/>
-          <a:p>
-            <a:endParaRPr lang="es-ES"/>
-          </a:p>
-        </p:txBody>
-      </p:sp>
-    </p:spTree>
-    <p:extLst>
-      <p:ext uri="{BB962C8B-B14F-4D97-AF65-F5344CB8AC3E}">
-        <p14:creationId xmlns:p14="http://schemas.microsoft.com/office/powerpoint/2010/main" val="3069651709"/>
-      </p:ext>
-    </p:extLst>
-  </p:cSld>
-  <p:clrMapOvr>
-    <a:masterClrMapping/>
-  </p:clrMapOvr>
-  <p:timing>
-    <p:tnLst>
-      <p:par>
-        <p:cTn id="1" dur="indefinite" restart="never" nodeType="tmRoot"/>
-      </p:par>
-    </p:tnLst>
-  </p:timing>
-</p:sld>
-</file>
-
-<file path=ppt/slides/slide7.xml><?xml version="1.0" encoding="utf-8"?>
-<p:sld xmlns:a="http://schemas.openxmlformats.org/drawingml/2006/main" xmlns:r="http://schemas.openxmlformats.org/officeDocument/2006/relationships" xmlns:p="http://schemas.openxmlformats.org/presentationml/2006/main">
-  <p:cSld>
-    <p:spTree>
-      <p:nvGrpSpPr>
-        <p:cNvPr id="1" name=""/>
-        <p:cNvGrpSpPr/>
-        <p:nvPr/>
-      </p:nvGrpSpPr>
-      <p:grpSpPr>
-        <a:xfrm>
-          <a:off x="0" y="0"/>
-          <a:ext cx="0" cy="0"/>
-          <a:chOff x="0" y="0"/>
-          <a:chExt cx="0" cy="0"/>
-        </a:xfrm>
-      </p:grpSpPr>
-      <p:sp>
-        <p:nvSpPr>
-          <p:cNvPr id="2" name="CuadroTexto 1"/>
-          <p:cNvSpPr txBox="1"/>
-          <p:nvPr/>
-        </p:nvSpPr>
-        <p:spPr>
-          <a:xfrm>
-            <a:off x="2535810" y="980388"/>
-            <a:ext cx="8333745" cy="646331"/>
-          </a:xfrm>
-          <a:prstGeom prst="rect">
-            <a:avLst/>
-          </a:prstGeom>
-        </p:spPr>
-        <p:style>
-          <a:lnRef idx="2">
-            <a:schemeClr val="dk1"/>
-          </a:lnRef>
-          <a:fillRef idx="1">
-            <a:schemeClr val="lt1"/>
-          </a:fillRef>
-          <a:effectRef idx="0">
-            <a:schemeClr val="dk1"/>
-          </a:effectRef>
-          <a:fontRef idx="minor">
-            <a:schemeClr val="dk1"/>
-          </a:fontRef>
-        </p:style>
-        <p:txBody>
-          <a:bodyPr wrap="square" rtlCol="0">
-            <a:spAutoFit/>
-          </a:bodyPr>
-          <a:lstStyle/>
-          <a:p>
-            <a:r>
-              <a:rPr lang="es-ES" dirty="0" smtClean="0"/>
-              <a:t>1-Primer paso: Realización de distintos tipos de </a:t>
-            </a:r>
-            <a:r>
-              <a:rPr lang="es-ES" dirty="0" err="1" smtClean="0"/>
-              <a:t>mockups</a:t>
-            </a:r>
-            <a:r>
-              <a:rPr lang="es-ES" dirty="0" smtClean="0"/>
-              <a:t> para tener idea de la futura elaboración de las páginas a visu.</a:t>
-            </a:r>
-          </a:p>
-        </p:txBody>
-      </p:sp>
-      <p:sp>
-        <p:nvSpPr>
-          <p:cNvPr id="5" name="Título 1"/>
-          <p:cNvSpPr txBox="1">
-            <a:spLocks/>
-          </p:cNvSpPr>
-          <p:nvPr/>
-        </p:nvSpPr>
-        <p:spPr>
-          <a:xfrm>
-            <a:off x="-7275944" y="2641425"/>
-            <a:ext cx="8915399" cy="2262781"/>
-          </a:xfrm>
-          <a:prstGeom prst="rect">
-            <a:avLst/>
-          </a:prstGeom>
-        </p:spPr>
-        <p:txBody>
-          <a:bodyPr vert="horz" lIns="91440" tIns="45720" rIns="91440" bIns="45720" rtlCol="0" anchor="b">
-            <a:normAutofit/>
-          </a:bodyPr>
-          <a:lstStyle>
-            <a:lvl1pPr algn="l" defTabSz="457200" rtl="0" eaLnBrk="1" latinLnBrk="0" hangingPunct="1">
-              <a:spcBef>
-                <a:spcPct val="0"/>
-              </a:spcBef>
-              <a:buNone/>
-              <a:defRPr sz="5400" kern="1200">
-                <a:solidFill>
-                  <a:schemeClr val="tx1">
-                    <a:lumMod val="85000"/>
-                    <a:lumOff val="15000"/>
-                  </a:schemeClr>
-                </a:solidFill>
-                <a:latin typeface="+mj-lt"/>
-                <a:ea typeface="+mj-ea"/>
-                <a:cs typeface="+mj-cs"/>
-              </a:defRPr>
-            </a:lvl1pPr>
-            <a:lvl2pPr eaLnBrk="1" hangingPunct="1">
-              <a:defRPr>
-                <a:solidFill>
-                  <a:schemeClr val="tx2"/>
-                </a:solidFill>
-              </a:defRPr>
-            </a:lvl2pPr>
-            <a:lvl3pPr eaLnBrk="1" hangingPunct="1">
-              <a:defRPr>
-                <a:solidFill>
-                  <a:schemeClr val="tx2"/>
-                </a:solidFill>
-              </a:defRPr>
-            </a:lvl3pPr>
-            <a:lvl4pPr eaLnBrk="1" hangingPunct="1">
-              <a:defRPr>
-                <a:solidFill>
-                  <a:schemeClr val="tx2"/>
-                </a:solidFill>
-              </a:defRPr>
-            </a:lvl4pPr>
-            <a:lvl5pPr eaLnBrk="1" hangingPunct="1">
-              <a:defRPr>
-                <a:solidFill>
-                  <a:schemeClr val="tx2"/>
-                </a:solidFill>
-              </a:defRPr>
-            </a:lvl5pPr>
-            <a:lvl6pPr eaLnBrk="1" hangingPunct="1">
-              <a:defRPr>
-                <a:solidFill>
-                  <a:schemeClr val="tx2"/>
-                </a:solidFill>
-              </a:defRPr>
-            </a:lvl6pPr>
-            <a:lvl7pPr eaLnBrk="1" hangingPunct="1">
-              <a:defRPr>
-                <a:solidFill>
-                  <a:schemeClr val="tx2"/>
-                </a:solidFill>
-              </a:defRPr>
-            </a:lvl7pPr>
-            <a:lvl8pPr eaLnBrk="1" hangingPunct="1">
-              <a:defRPr>
-                <a:solidFill>
-                  <a:schemeClr val="tx2"/>
-                </a:solidFill>
-              </a:defRPr>
-            </a:lvl8pPr>
-            <a:lvl9pPr eaLnBrk="1" hangingPunct="1">
-              <a:defRPr>
-                <a:solidFill>
-                  <a:schemeClr val="tx2"/>
-                </a:solidFill>
-              </a:defRPr>
-            </a:lvl9pPr>
-          </a:lstStyle>
-          <a:p>
-            <a:pPr algn="r"/>
-            <a:r>
-              <a:rPr lang="es-ES" sz="1800" b="1" dirty="0" smtClean="0"/>
-              <a:t>7</a:t>
-            </a:r>
-            <a:endParaRPr lang="es-ES" sz="1800" b="1" dirty="0"/>
-          </a:p>
-        </p:txBody>
-      </p:sp>
-      <p:sp>
-        <p:nvSpPr>
-          <p:cNvPr id="6" name="Título 1"/>
-          <p:cNvSpPr txBox="1">
-            <a:spLocks/>
-          </p:cNvSpPr>
-          <p:nvPr/>
-        </p:nvSpPr>
-        <p:spPr>
-          <a:xfrm>
-            <a:off x="1098014" y="750001"/>
-            <a:ext cx="8915399" cy="2262781"/>
-          </a:xfrm>
-          <a:prstGeom prst="rect">
-            <a:avLst/>
-          </a:prstGeom>
-        </p:spPr>
-        <p:txBody>
-          <a:bodyPr vert="horz" lIns="91440" tIns="45720" rIns="91440" bIns="45720" rtlCol="0" anchor="b">
-            <a:normAutofit/>
-          </a:bodyPr>
-          <a:lstStyle>
-            <a:lvl1pPr algn="l" defTabSz="457200" rtl="0" eaLnBrk="1" latinLnBrk="0" hangingPunct="1">
-              <a:spcBef>
-                <a:spcPct val="0"/>
-              </a:spcBef>
-              <a:buNone/>
-              <a:defRPr sz="5400" kern="1200">
-                <a:solidFill>
-                  <a:schemeClr val="tx1">
-                    <a:lumMod val="85000"/>
-                    <a:lumOff val="15000"/>
-                  </a:schemeClr>
-                </a:solidFill>
-                <a:latin typeface="+mj-lt"/>
-                <a:ea typeface="+mj-ea"/>
-                <a:cs typeface="+mj-cs"/>
-              </a:defRPr>
-            </a:lvl1pPr>
-            <a:lvl2pPr eaLnBrk="1" hangingPunct="1">
-              <a:defRPr>
-                <a:solidFill>
-                  <a:schemeClr val="tx2"/>
-                </a:solidFill>
-              </a:defRPr>
-            </a:lvl2pPr>
-            <a:lvl3pPr eaLnBrk="1" hangingPunct="1">
-              <a:defRPr>
-                <a:solidFill>
-                  <a:schemeClr val="tx2"/>
-                </a:solidFill>
-              </a:defRPr>
-            </a:lvl3pPr>
-            <a:lvl4pPr eaLnBrk="1" hangingPunct="1">
-              <a:defRPr>
-                <a:solidFill>
-                  <a:schemeClr val="tx2"/>
-                </a:solidFill>
-              </a:defRPr>
-            </a:lvl4pPr>
-            <a:lvl5pPr eaLnBrk="1" hangingPunct="1">
-              <a:defRPr>
-                <a:solidFill>
-                  <a:schemeClr val="tx2"/>
-                </a:solidFill>
-              </a:defRPr>
-            </a:lvl5pPr>
-            <a:lvl6pPr eaLnBrk="1" hangingPunct="1">
-              <a:defRPr>
-                <a:solidFill>
-                  <a:schemeClr val="tx2"/>
-                </a:solidFill>
-              </a:defRPr>
-            </a:lvl6pPr>
-            <a:lvl7pPr eaLnBrk="1" hangingPunct="1">
-              <a:defRPr>
-                <a:solidFill>
-                  <a:schemeClr val="tx2"/>
-                </a:solidFill>
-              </a:defRPr>
-            </a:lvl7pPr>
-            <a:lvl8pPr eaLnBrk="1" hangingPunct="1">
-              <a:defRPr>
-                <a:solidFill>
-                  <a:schemeClr val="tx2"/>
-                </a:solidFill>
-              </a:defRPr>
-            </a:lvl8pPr>
-            <a:lvl9pPr eaLnBrk="1" hangingPunct="1">
-              <a:defRPr>
-                <a:solidFill>
-                  <a:schemeClr val="tx2"/>
-                </a:solidFill>
-              </a:defRPr>
-            </a:lvl9pPr>
-          </a:lstStyle>
-          <a:p>
-            <a:pPr algn="r"/>
-            <a:endParaRPr lang="es-ES" sz="1800" dirty="0"/>
-          </a:p>
-        </p:txBody>
-      </p:sp>
-      <p:sp>
-        <p:nvSpPr>
-          <p:cNvPr id="12" name="CuadroTexto 11"/>
-          <p:cNvSpPr txBox="1"/>
-          <p:nvPr/>
-        </p:nvSpPr>
-        <p:spPr>
-          <a:xfrm>
-            <a:off x="4788816" y="980388"/>
-            <a:ext cx="3101419" cy="369332"/>
-          </a:xfrm>
-          <a:prstGeom prst="rect">
-            <a:avLst/>
-          </a:prstGeom>
-          <a:noFill/>
-        </p:spPr>
-        <p:txBody>
-          <a:bodyPr wrap="square" rtlCol="0">
-            <a:spAutoFit/>
-          </a:bodyPr>
-          <a:lstStyle/>
-          <a:p>
-            <a:endParaRPr lang="es-ES" dirty="0"/>
-          </a:p>
-        </p:txBody>
-      </p:sp>
-      <p:sp>
-        <p:nvSpPr>
-          <p:cNvPr id="16" name="CuadroTexto 15"/>
-          <p:cNvSpPr txBox="1"/>
-          <p:nvPr/>
-        </p:nvSpPr>
-        <p:spPr>
-          <a:xfrm>
-            <a:off x="1426409" y="173143"/>
-            <a:ext cx="10552545" cy="923330"/>
-          </a:xfrm>
-          <a:prstGeom prst="rect">
-            <a:avLst/>
-          </a:prstGeom>
-          <a:noFill/>
-        </p:spPr>
-        <p:txBody>
-          <a:bodyPr wrap="square" rtlCol="0">
-            <a:spAutoFit/>
-          </a:bodyPr>
-          <a:lstStyle/>
-          <a:p>
-            <a:pPr algn="ctr"/>
-            <a:r>
-              <a:rPr lang="es-ES" b="1" dirty="0" smtClean="0"/>
-              <a:t>PASOS DADOS EN EL PROYECTO:</a:t>
-            </a:r>
-          </a:p>
-          <a:p>
-            <a:endParaRPr lang="es-ES" dirty="0"/>
-          </a:p>
-          <a:p>
-            <a:endParaRPr lang="es-ES" dirty="0"/>
-          </a:p>
-        </p:txBody>
-      </p:sp>
-      <p:sp>
-        <p:nvSpPr>
-          <p:cNvPr id="8" name="AutoShape 14" descr="How to install Helppier on your Bubble.io application – Helppier"/>
-          <p:cNvSpPr>
-            <a:spLocks noChangeAspect="1" noChangeArrowheads="1"/>
-          </p:cNvSpPr>
-          <p:nvPr/>
-        </p:nvSpPr>
-        <p:spPr bwMode="auto">
-          <a:xfrm>
-            <a:off x="155575" y="-144463"/>
-            <a:ext cx="1884878" cy="1884884"/>
-          </a:xfrm>
-          <a:prstGeom prst="rect">
-            <a:avLst/>
-          </a:prstGeom>
-          <a:noFill/>
-          <a:extLst>
-            <a:ext uri="{909E8E84-426E-40DD-AFC4-6F175D3DCCD1}">
-              <a14:hiddenFill xmlns:a14="http://schemas.microsoft.com/office/drawing/2010/main">
-                <a:solidFill>
-                  <a:srgbClr val="FFFFFF"/>
-                </a:solidFill>
-              </a14:hiddenFill>
-            </a:ext>
-          </a:extLst>
-        </p:spPr>
-        <p:txBody>
-          <a:bodyPr vert="horz" wrap="square" lIns="91440" tIns="45720" rIns="91440" bIns="45720" numCol="1" anchor="t" anchorCtr="0" compatLnSpc="1">
-            <a:prstTxWarp prst="textNoShape">
-              <a:avLst/>
-            </a:prstTxWarp>
-          </a:bodyPr>
-          <a:lstStyle/>
-          <a:p>
-            <a:endParaRPr lang="es-ES"/>
-          </a:p>
-        </p:txBody>
-      </p:sp>
-      <p:sp>
-        <p:nvSpPr>
-          <p:cNvPr id="9" name="CuadroTexto 8"/>
-          <p:cNvSpPr txBox="1"/>
-          <p:nvPr/>
-        </p:nvSpPr>
-        <p:spPr>
-          <a:xfrm>
-            <a:off x="3664840" y="1763889"/>
-            <a:ext cx="5912793" cy="369332"/>
-          </a:xfrm>
-          <a:prstGeom prst="rect">
-            <a:avLst/>
-          </a:prstGeom>
-        </p:spPr>
-        <p:style>
-          <a:lnRef idx="2">
-            <a:schemeClr val="dk1"/>
-          </a:lnRef>
-          <a:fillRef idx="1">
-            <a:schemeClr val="lt1"/>
-          </a:fillRef>
-          <a:effectRef idx="0">
-            <a:schemeClr val="dk1"/>
-          </a:effectRef>
-          <a:fontRef idx="minor">
-            <a:schemeClr val="dk1"/>
-          </a:fontRef>
-        </p:style>
-        <p:txBody>
-          <a:bodyPr wrap="square" rtlCol="0">
-            <a:spAutoFit/>
-          </a:bodyPr>
-          <a:lstStyle/>
-          <a:p>
-            <a:r>
-              <a:rPr lang="es-ES" dirty="0" smtClean="0"/>
-              <a:t>Ejemplos de </a:t>
-            </a:r>
-            <a:r>
-              <a:rPr lang="es-ES" dirty="0" err="1" smtClean="0"/>
-              <a:t>Mockups</a:t>
-            </a:r>
-            <a:r>
-              <a:rPr lang="es-ES" dirty="0" smtClean="0"/>
-              <a:t>: </a:t>
-            </a:r>
-            <a:r>
-              <a:rPr lang="es-ES" dirty="0" err="1" smtClean="0"/>
-              <a:t>Index</a:t>
-            </a:r>
-            <a:r>
-              <a:rPr lang="es-ES" dirty="0" smtClean="0"/>
-              <a:t> del usuario registrado</a:t>
-            </a:r>
-            <a:endParaRPr lang="es-ES" dirty="0"/>
-          </a:p>
-        </p:txBody>
-      </p:sp>
-      <p:pic>
-        <p:nvPicPr>
-          <p:cNvPr id="10" name="Imagen 9"/>
-          <p:cNvPicPr>
-            <a:picLocks noChangeAspect="1"/>
-          </p:cNvPicPr>
-          <p:nvPr/>
-        </p:nvPicPr>
-        <p:blipFill>
-          <a:blip r:embed="rId2">
-            <a:extLst>
-              <a:ext uri="{28A0092B-C50C-407E-A947-70E740481C1C}">
-                <a14:useLocalDpi xmlns:a14="http://schemas.microsoft.com/office/drawing/2010/main" val="0"/>
-              </a:ext>
-            </a:extLst>
-          </a:blip>
-          <a:stretch>
-            <a:fillRect/>
-          </a:stretch>
-        </p:blipFill>
-        <p:spPr>
-          <a:xfrm>
-            <a:off x="3525625" y="2208952"/>
-            <a:ext cx="6128624" cy="4356421"/>
-          </a:xfrm>
-          <a:prstGeom prst="rect">
-            <a:avLst/>
-          </a:prstGeom>
-        </p:spPr>
-      </p:pic>
-    </p:spTree>
-    <p:extLst>
-      <p:ext uri="{BB962C8B-B14F-4D97-AF65-F5344CB8AC3E}">
-        <p14:creationId xmlns:p14="http://schemas.microsoft.com/office/powerpoint/2010/main" val="2801118456"/>
       </p:ext>
     </p:extLst>
   </p:cSld>
@@ -17172,8 +18511,8 @@
         </p:nvSpPr>
         <p:spPr>
           <a:xfrm>
-            <a:off x="3516198" y="980388"/>
-            <a:ext cx="5967167" cy="369332"/>
+            <a:off x="2535810" y="980388"/>
+            <a:ext cx="8333745" cy="3139321"/>
           </a:xfrm>
           <a:prstGeom prst="rect">
             <a:avLst/>
@@ -17201,16 +18540,81 @@
           <a:p>
             <a:r>
               <a:rPr lang="es-ES" dirty="0" smtClean="0"/>
-              <a:t>Ejemplos de </a:t>
-            </a:r>
+              <a:t>2-Lenguajes usados :</a:t>
+            </a:r>
+          </a:p>
+          <a:p>
+            <a:endParaRPr lang="es-ES" dirty="0"/>
+          </a:p>
+          <a:p>
             <a:r>
               <a:rPr lang="es-ES" dirty="0" err="1" smtClean="0"/>
-              <a:t>Mockups</a:t>
+              <a:t>Php</a:t>
+            </a:r>
+            <a:endParaRPr lang="es-ES" dirty="0" smtClean="0"/>
+          </a:p>
+          <a:p>
+            <a:endParaRPr lang="es-ES" dirty="0" smtClean="0"/>
+          </a:p>
+          <a:p>
+            <a:r>
+              <a:rPr lang="es-ES" dirty="0" err="1" smtClean="0"/>
+              <a:t>Html</a:t>
+            </a:r>
+            <a:endParaRPr lang="es-ES" dirty="0" smtClean="0"/>
+          </a:p>
+          <a:p>
+            <a:endParaRPr lang="es-ES" dirty="0"/>
+          </a:p>
+          <a:p>
+            <a:r>
+              <a:rPr lang="es-ES" dirty="0" err="1" smtClean="0"/>
+              <a:t>Css</a:t>
             </a:r>
             <a:r>
               <a:rPr lang="es-ES" dirty="0" smtClean="0"/>
-              <a:t>: Registro de nuevo usuario</a:t>
-            </a:r>
+              <a:t> -&gt; </a:t>
+            </a:r>
+            <a:r>
+              <a:rPr lang="es-ES" dirty="0" err="1" smtClean="0"/>
+              <a:t>Boostrap</a:t>
+            </a:r>
+            <a:endParaRPr lang="es-ES" dirty="0" smtClean="0"/>
+          </a:p>
+          <a:p>
+            <a:endParaRPr lang="es-ES" dirty="0"/>
+          </a:p>
+          <a:p>
+            <a:r>
+              <a:rPr lang="es-ES" dirty="0" err="1" smtClean="0"/>
+              <a:t>Javascript</a:t>
+            </a:r>
+            <a:r>
+              <a:rPr lang="es-ES" dirty="0"/>
+              <a:t> </a:t>
+            </a:r>
+            <a:r>
+              <a:rPr lang="es-ES" dirty="0" smtClean="0"/>
+              <a:t>-&gt; </a:t>
+            </a:r>
+            <a:r>
+              <a:rPr lang="es-ES" dirty="0" err="1" smtClean="0"/>
+              <a:t>Jquery</a:t>
+            </a:r>
+            <a:r>
+              <a:rPr lang="es-ES" dirty="0" smtClean="0"/>
+              <a:t> -&gt; </a:t>
+            </a:r>
+            <a:r>
+              <a:rPr lang="es-ES" dirty="0" err="1" smtClean="0"/>
+              <a:t>Datatables</a:t>
+            </a:r>
+            <a:endParaRPr lang="es-ES" dirty="0"/>
+          </a:p>
+          <a:p>
+            <a:endParaRPr lang="es-ES" dirty="0" smtClean="0"/>
+          </a:p>
+          <a:p>
             <a:endParaRPr lang="es-ES" dirty="0"/>
           </a:p>
         </p:txBody>
@@ -17425,6 +18829,32 @@
       </p:sp>
       <p:sp>
         <p:nvSpPr>
+          <p:cNvPr id="12" name="CuadroTexto 11"/>
+          <p:cNvSpPr txBox="1"/>
+          <p:nvPr/>
+        </p:nvSpPr>
+        <p:spPr>
+          <a:xfrm>
+            <a:off x="4788816" y="980388"/>
+            <a:ext cx="3101419" cy="369332"/>
+          </a:xfrm>
+          <a:prstGeom prst="rect">
+            <a:avLst/>
+          </a:prstGeom>
+          <a:noFill/>
+        </p:spPr>
+        <p:txBody>
+          <a:bodyPr wrap="square" rtlCol="0">
+            <a:spAutoFit/>
+          </a:bodyPr>
+          <a:lstStyle/>
+          <a:p>
+            <a:endParaRPr lang="es-ES" dirty="0"/>
+          </a:p>
+        </p:txBody>
+      </p:sp>
+      <p:sp>
+        <p:nvSpPr>
           <p:cNvPr id="16" name="CuadroTexto 15"/>
           <p:cNvSpPr txBox="1"/>
           <p:nvPr/>
@@ -17448,7 +18878,7 @@
             <a:pPr algn="ctr"/>
             <a:r>
               <a:rPr lang="es-ES" b="1" dirty="0" smtClean="0"/>
-              <a:t>PASOS DADOS EN EL PROYECTO:</a:t>
+              <a:t>TECNOLOGÍA APLICADA EN EL PROYECTO:</a:t>
             </a:r>
           </a:p>
           <a:p>
@@ -17498,40 +18928,120 @@
           </a:p>
         </p:txBody>
       </p:sp>
-      <p:pic>
-        <p:nvPicPr>
-          <p:cNvPr id="3" name="Imagen 2"/>
-          <p:cNvPicPr>
-            <a:picLocks noChangeAspect="1"/>
-          </p:cNvPicPr>
+      <p:sp>
+        <p:nvSpPr>
+          <p:cNvPr id="9" name="CuadroTexto 8"/>
+          <p:cNvSpPr txBox="1"/>
           <p:nvPr/>
-        </p:nvPicPr>
-        <p:blipFill>
-          <a:blip r:embed="rId2">
-            <a:extLst>
-              <a:ext uri="{28A0092B-C50C-407E-A947-70E740481C1C}">
-                <a14:useLocalDpi xmlns:a14="http://schemas.microsoft.com/office/drawing/2010/main" val="0"/>
-              </a:ext>
-            </a:extLst>
-          </a:blip>
-          <a:stretch>
-            <a:fillRect/>
-          </a:stretch>
-        </p:blipFill>
+        </p:nvSpPr>
         <p:spPr>
           <a:xfrm>
-            <a:off x="3293594" y="1414079"/>
-            <a:ext cx="6412374" cy="5357836"/>
+            <a:off x="2535810" y="4486066"/>
+            <a:ext cx="8373958" cy="2308324"/>
           </a:xfrm>
           <a:prstGeom prst="rect">
             <a:avLst/>
           </a:prstGeom>
         </p:spPr>
-      </p:pic>
+        <p:style>
+          <a:lnRef idx="2">
+            <a:schemeClr val="dk1"/>
+          </a:lnRef>
+          <a:fillRef idx="1">
+            <a:schemeClr val="lt1"/>
+          </a:fillRef>
+          <a:effectRef idx="0">
+            <a:schemeClr val="dk1"/>
+          </a:effectRef>
+          <a:fontRef idx="minor">
+            <a:schemeClr val="dk1"/>
+          </a:fontRef>
+        </p:style>
+        <p:txBody>
+          <a:bodyPr wrap="square" rtlCol="0">
+            <a:spAutoFit/>
+          </a:bodyPr>
+          <a:lstStyle/>
+          <a:p>
+            <a:r>
+              <a:rPr lang="es-ES" dirty="0" smtClean="0"/>
+              <a:t>3-Otros datos de interés</a:t>
+            </a:r>
+            <a:r>
+              <a:rPr lang="es-ES" dirty="0" smtClean="0"/>
+              <a:t>:</a:t>
+            </a:r>
+          </a:p>
+          <a:p>
+            <a:endParaRPr lang="es-ES" dirty="0"/>
+          </a:p>
+          <a:p>
+            <a:r>
+              <a:rPr lang="es-ES" dirty="0" smtClean="0"/>
+              <a:t>Fuente usada: </a:t>
+            </a:r>
+            <a:r>
+              <a:rPr lang="es-ES" dirty="0" err="1" smtClean="0"/>
+              <a:t>Berlin</a:t>
+            </a:r>
+            <a:r>
+              <a:rPr lang="es-ES" dirty="0" smtClean="0"/>
+              <a:t> </a:t>
+            </a:r>
+            <a:r>
+              <a:rPr lang="es-ES" dirty="0" err="1" smtClean="0"/>
+              <a:t>sans</a:t>
+            </a:r>
+            <a:r>
+              <a:rPr lang="es-ES" dirty="0" smtClean="0"/>
+              <a:t> </a:t>
+            </a:r>
+            <a:r>
+              <a:rPr lang="es-ES" dirty="0" err="1" smtClean="0"/>
+              <a:t>fb</a:t>
+            </a:r>
+            <a:r>
+              <a:rPr lang="es-ES" dirty="0" smtClean="0"/>
+              <a:t> Demi Bold</a:t>
+            </a:r>
+            <a:endParaRPr lang="es-ES" dirty="0" smtClean="0"/>
+          </a:p>
+          <a:p>
+            <a:endParaRPr lang="es-ES" dirty="0"/>
+          </a:p>
+          <a:p>
+            <a:r>
+              <a:rPr lang="es-ES" dirty="0"/>
+              <a:t>Repositorio de </a:t>
+            </a:r>
+            <a:r>
+              <a:rPr lang="es-ES" dirty="0" err="1"/>
+              <a:t>gitHub</a:t>
+            </a:r>
+            <a:r>
+              <a:rPr lang="es-ES" dirty="0"/>
+              <a:t>: </a:t>
+            </a:r>
+            <a:r>
+              <a:rPr lang="es-ES" u="sng" dirty="0">
+                <a:hlinkClick r:id="rId2"/>
+              </a:rPr>
+              <a:t>https://github.com/victormanuelantacastro/Proyecto</a:t>
+            </a:r>
+            <a:endParaRPr lang="es-ES" dirty="0"/>
+          </a:p>
+          <a:p>
+            <a:endParaRPr lang="es-ES" dirty="0" smtClean="0"/>
+          </a:p>
+          <a:p>
+            <a:endParaRPr lang="es-ES" dirty="0"/>
+          </a:p>
+        </p:txBody>
+      </p:sp>
     </p:spTree>
     <p:extLst>
       <p:ext uri="{BB962C8B-B14F-4D97-AF65-F5344CB8AC3E}">
-        <p14:creationId xmlns:p14="http://schemas.microsoft.com/office/powerpoint/2010/main" val="138998738"/>
+        <p14:creationId xmlns:p14="http://schemas.microsoft.com/office/powerpoint/2010/main" val="3069651709"/>
       </p:ext>
     </p:extLst>
   </p:cSld>
@@ -17573,8 +19083,8 @@
         </p:nvSpPr>
         <p:spPr>
           <a:xfrm>
-            <a:off x="3516198" y="983841"/>
-            <a:ext cx="5967167" cy="369332"/>
+            <a:off x="2535810" y="980388"/>
+            <a:ext cx="8333745" cy="646331"/>
           </a:xfrm>
           <a:prstGeom prst="rect">
             <a:avLst/>
@@ -17602,17 +19112,16 @@
           <a:p>
             <a:r>
               <a:rPr lang="es-ES" dirty="0" smtClean="0"/>
-              <a:t>Ejemplos de </a:t>
+              <a:t>1-Primer paso: Realización de distintos tipos de </a:t>
             </a:r>
             <a:r>
               <a:rPr lang="es-ES" dirty="0" err="1" smtClean="0"/>
-              <a:t>Mockups</a:t>
+              <a:t>mockups</a:t>
             </a:r>
             <a:r>
               <a:rPr lang="es-ES" dirty="0" smtClean="0"/>
-              <a:t>: Registro de producto</a:t>
-            </a:r>
-            <a:endParaRPr lang="es-ES" dirty="0"/>
+              <a:t> para tener idea de la futura elaboración de las páginas a visu.</a:t>
+            </a:r>
           </a:p>
         </p:txBody>
       </p:sp>
@@ -17826,6 +19335,32 @@
       </p:sp>
       <p:sp>
         <p:nvSpPr>
+          <p:cNvPr id="12" name="CuadroTexto 11"/>
+          <p:cNvSpPr txBox="1"/>
+          <p:nvPr/>
+        </p:nvSpPr>
+        <p:spPr>
+          <a:xfrm>
+            <a:off x="4788816" y="980388"/>
+            <a:ext cx="3101419" cy="369332"/>
+          </a:xfrm>
+          <a:prstGeom prst="rect">
+            <a:avLst/>
+          </a:prstGeom>
+          <a:noFill/>
+        </p:spPr>
+        <p:txBody>
+          <a:bodyPr wrap="square" rtlCol="0">
+            <a:spAutoFit/>
+          </a:bodyPr>
+          <a:lstStyle/>
+          <a:p>
+            <a:endParaRPr lang="es-ES" dirty="0"/>
+          </a:p>
+        </p:txBody>
+      </p:sp>
+      <p:sp>
+        <p:nvSpPr>
           <p:cNvPr id="16" name="CuadroTexto 15"/>
           <p:cNvSpPr txBox="1"/>
           <p:nvPr/>
@@ -17899,9 +19434,68 @@
           </a:p>
         </p:txBody>
       </p:sp>
+      <p:sp>
+        <p:nvSpPr>
+          <p:cNvPr id="9" name="CuadroTexto 8"/>
+          <p:cNvSpPr txBox="1"/>
+          <p:nvPr/>
+        </p:nvSpPr>
+        <p:spPr>
+          <a:xfrm>
+            <a:off x="3664840" y="1763889"/>
+            <a:ext cx="5912793" cy="369332"/>
+          </a:xfrm>
+          <a:prstGeom prst="rect">
+            <a:avLst/>
+          </a:prstGeom>
+        </p:spPr>
+        <p:style>
+          <a:lnRef idx="2">
+            <a:schemeClr val="dk1"/>
+          </a:lnRef>
+          <a:fillRef idx="1">
+            <a:schemeClr val="lt1"/>
+          </a:fillRef>
+          <a:effectRef idx="0">
+            <a:schemeClr val="dk1"/>
+          </a:effectRef>
+          <a:fontRef idx="minor">
+            <a:schemeClr val="dk1"/>
+          </a:fontRef>
+        </p:style>
+        <p:txBody>
+          <a:bodyPr wrap="square" rtlCol="0">
+            <a:spAutoFit/>
+          </a:bodyPr>
+          <a:lstStyle/>
+          <a:p>
+            <a:r>
+              <a:rPr lang="es-ES" dirty="0" smtClean="0"/>
+              <a:t>Ejemplos de </a:t>
+            </a:r>
+            <a:r>
+              <a:rPr lang="es-ES" dirty="0" err="1" smtClean="0"/>
+              <a:t>Mockups</a:t>
+            </a:r>
+            <a:r>
+              <a:rPr lang="es-ES" dirty="0" smtClean="0"/>
+              <a:t>: </a:t>
+            </a:r>
+            <a:r>
+              <a:rPr lang="es-ES" dirty="0" err="1" smtClean="0"/>
+              <a:t>Index</a:t>
+            </a:r>
+            <a:r>
+              <a:rPr lang="es-ES" dirty="0" smtClean="0"/>
+              <a:t> del usuario registrado</a:t>
+            </a:r>
+            <a:endParaRPr lang="es-ES" dirty="0"/>
+          </a:p>
+        </p:txBody>
+      </p:sp>
       <p:pic>
         <p:nvPicPr>
-          <p:cNvPr id="4" name="Imagen 3"/>
+          <p:cNvPr id="10" name="Imagen 9"/>
           <p:cNvPicPr>
             <a:picLocks noChangeAspect="1"/>
           </p:cNvPicPr>
@@ -17921,8 +19515,8 @@
         </p:blipFill>
         <p:spPr>
           <a:xfrm>
-            <a:off x="3348087" y="1489339"/>
-            <a:ext cx="6135278" cy="5043199"/>
+            <a:off x="3525625" y="2208952"/>
+            <a:ext cx="6128624" cy="4356421"/>
           </a:xfrm>
           <a:prstGeom prst="rect">
             <a:avLst/>
@@ -17932,7 +19526,7 @@
     </p:spTree>
     <p:extLst>
       <p:ext uri="{BB962C8B-B14F-4D97-AF65-F5344CB8AC3E}">
-        <p14:creationId xmlns:p14="http://schemas.microsoft.com/office/powerpoint/2010/main" val="1010550937"/>
+        <p14:creationId xmlns:p14="http://schemas.microsoft.com/office/powerpoint/2010/main" val="2801118456"/>
       </p:ext>
     </p:extLst>
   </p:cSld>
